--- a/documentation/figures/tpcp.pptx
+++ b/documentation/figures/tpcp.pptx
@@ -104,6 +104,11 @@
       </a:defRPr>
     </a:lvl9pPr>
   </p:defaultTextStyle>
+  <p:extLst>
+    <p:ext uri="{EFAFB233-063F-42B5-8137-9DF3F51BA10A}">
+      <p15:sldGuideLst xmlns:p15="http://schemas.microsoft.com/office/powerpoint/2012/main"/>
+    </p:ext>
+  </p:extLst>
 </p:presentation>
 </file>
 
@@ -254,7 +259,7 @@
           <a:p>
             <a:fld id="{8638525D-337E-4D4A-BB33-AFBDCCEFF2CC}" type="datetimeFigureOut">
               <a:rPr lang="nb-NO" smtClean="0"/>
-              <a:t>17.04.2020</a:t>
+              <a:t>19.04.2020</a:t>
             </a:fld>
             <a:endParaRPr lang="nb-NO"/>
           </a:p>
@@ -452,7 +457,7 @@
           <a:p>
             <a:fld id="{8638525D-337E-4D4A-BB33-AFBDCCEFF2CC}" type="datetimeFigureOut">
               <a:rPr lang="nb-NO" smtClean="0"/>
-              <a:t>17.04.2020</a:t>
+              <a:t>19.04.2020</a:t>
             </a:fld>
             <a:endParaRPr lang="nb-NO"/>
           </a:p>
@@ -660,7 +665,7 @@
           <a:p>
             <a:fld id="{8638525D-337E-4D4A-BB33-AFBDCCEFF2CC}" type="datetimeFigureOut">
               <a:rPr lang="nb-NO" smtClean="0"/>
-              <a:t>17.04.2020</a:t>
+              <a:t>19.04.2020</a:t>
             </a:fld>
             <a:endParaRPr lang="nb-NO"/>
           </a:p>
@@ -858,7 +863,7 @@
           <a:p>
             <a:fld id="{8638525D-337E-4D4A-BB33-AFBDCCEFF2CC}" type="datetimeFigureOut">
               <a:rPr lang="nb-NO" smtClean="0"/>
-              <a:t>17.04.2020</a:t>
+              <a:t>19.04.2020</a:t>
             </a:fld>
             <a:endParaRPr lang="nb-NO"/>
           </a:p>
@@ -1133,7 +1138,7 @@
           <a:p>
             <a:fld id="{8638525D-337E-4D4A-BB33-AFBDCCEFF2CC}" type="datetimeFigureOut">
               <a:rPr lang="nb-NO" smtClean="0"/>
-              <a:t>17.04.2020</a:t>
+              <a:t>19.04.2020</a:t>
             </a:fld>
             <a:endParaRPr lang="nb-NO"/>
           </a:p>
@@ -1398,7 +1403,7 @@
           <a:p>
             <a:fld id="{8638525D-337E-4D4A-BB33-AFBDCCEFF2CC}" type="datetimeFigureOut">
               <a:rPr lang="nb-NO" smtClean="0"/>
-              <a:t>17.04.2020</a:t>
+              <a:t>19.04.2020</a:t>
             </a:fld>
             <a:endParaRPr lang="nb-NO"/>
           </a:p>
@@ -1810,7 +1815,7 @@
           <a:p>
             <a:fld id="{8638525D-337E-4D4A-BB33-AFBDCCEFF2CC}" type="datetimeFigureOut">
               <a:rPr lang="nb-NO" smtClean="0"/>
-              <a:t>17.04.2020</a:t>
+              <a:t>19.04.2020</a:t>
             </a:fld>
             <a:endParaRPr lang="nb-NO"/>
           </a:p>
@@ -1951,7 +1956,7 @@
           <a:p>
             <a:fld id="{8638525D-337E-4D4A-BB33-AFBDCCEFF2CC}" type="datetimeFigureOut">
               <a:rPr lang="nb-NO" smtClean="0"/>
-              <a:t>17.04.2020</a:t>
+              <a:t>19.04.2020</a:t>
             </a:fld>
             <a:endParaRPr lang="nb-NO"/>
           </a:p>
@@ -2064,7 +2069,7 @@
           <a:p>
             <a:fld id="{8638525D-337E-4D4A-BB33-AFBDCCEFF2CC}" type="datetimeFigureOut">
               <a:rPr lang="nb-NO" smtClean="0"/>
-              <a:t>17.04.2020</a:t>
+              <a:t>19.04.2020</a:t>
             </a:fld>
             <a:endParaRPr lang="nb-NO"/>
           </a:p>
@@ -2375,7 +2380,7 @@
           <a:p>
             <a:fld id="{8638525D-337E-4D4A-BB33-AFBDCCEFF2CC}" type="datetimeFigureOut">
               <a:rPr lang="nb-NO" smtClean="0"/>
-              <a:t>17.04.2020</a:t>
+              <a:t>19.04.2020</a:t>
             </a:fld>
             <a:endParaRPr lang="nb-NO"/>
           </a:p>
@@ -2663,7 +2668,7 @@
           <a:p>
             <a:fld id="{8638525D-337E-4D4A-BB33-AFBDCCEFF2CC}" type="datetimeFigureOut">
               <a:rPr lang="nb-NO" smtClean="0"/>
-              <a:t>17.04.2020</a:t>
+              <a:t>19.04.2020</a:t>
             </a:fld>
             <a:endParaRPr lang="nb-NO"/>
           </a:p>
@@ -2904,7 +2909,7 @@
           <a:p>
             <a:fld id="{8638525D-337E-4D4A-BB33-AFBDCCEFF2CC}" type="datetimeFigureOut">
               <a:rPr lang="nb-NO" smtClean="0"/>
-              <a:t>17.04.2020</a:t>
+              <a:t>19.04.2020</a:t>
             </a:fld>
             <a:endParaRPr lang="nb-NO"/>
           </a:p>
@@ -3335,7 +3340,7 @@
         </p:nvSpPr>
         <p:spPr>
           <a:xfrm>
-            <a:off x="921917" y="1709845"/>
+            <a:off x="234363" y="1683192"/>
             <a:ext cx="194050" cy="607906"/>
           </a:xfrm>
           <a:prstGeom prst="rect">
@@ -3383,10 +3388,10 @@
       </p:sp>
       <p:grpSp>
         <p:nvGrpSpPr>
-          <p:cNvPr id="107" name="Gruppe 106">
-            <a:extLst>
-              <a:ext uri="{FF2B5EF4-FFF2-40B4-BE49-F238E27FC236}">
-                <a16:creationId xmlns:a16="http://schemas.microsoft.com/office/drawing/2014/main" id="{4A7E0AB4-2042-4328-AEB6-F74FB8B4C0C2}"/>
+          <p:cNvPr id="6" name="Gruppe 5">
+            <a:extLst>
+              <a:ext uri="{FF2B5EF4-FFF2-40B4-BE49-F238E27FC236}">
+                <a16:creationId xmlns:a16="http://schemas.microsoft.com/office/drawing/2014/main" id="{E9148995-F812-4C41-9828-6363D9AC18A6}"/>
               </a:ext>
             </a:extLst>
           </p:cNvPr>
@@ -3395,75 +3400,18 @@
         </p:nvGrpSpPr>
         <p:grpSpPr>
           <a:xfrm>
-            <a:off x="1885938" y="109638"/>
-            <a:ext cx="4626855" cy="6165873"/>
-            <a:chOff x="1885938" y="109638"/>
-            <a:chExt cx="4626855" cy="6165873"/>
+            <a:off x="1885938" y="109639"/>
+            <a:ext cx="4626855" cy="6748361"/>
+            <a:chOff x="1885938" y="109639"/>
+            <a:chExt cx="4626855" cy="6748361"/>
           </a:xfrm>
         </p:grpSpPr>
-        <p:sp>
-          <p:nvSpPr>
-            <p:cNvPr id="46" name="Rektangel 45">
+        <p:grpSp>
+          <p:nvGrpSpPr>
+            <p:cNvPr id="107" name="Gruppe 106">
               <a:extLst>
                 <a:ext uri="{FF2B5EF4-FFF2-40B4-BE49-F238E27FC236}">
-                  <a16:creationId xmlns:a16="http://schemas.microsoft.com/office/drawing/2014/main" id="{96068C04-F6DD-423C-9230-06A25B8CF6A6}"/>
-                </a:ext>
-              </a:extLst>
-            </p:cNvPr>
-            <p:cNvSpPr/>
-            <p:nvPr/>
-          </p:nvSpPr>
-          <p:spPr>
-            <a:xfrm>
-              <a:off x="1885938" y="109638"/>
-              <a:ext cx="4626855" cy="6165873"/>
-            </a:xfrm>
-            <a:prstGeom prst="rect">
-              <a:avLst/>
-            </a:prstGeom>
-            <a:solidFill>
-              <a:srgbClr val="FBFBFB"/>
-            </a:solidFill>
-            <a:ln>
-              <a:noFill/>
-            </a:ln>
-          </p:spPr>
-          <p:style>
-            <a:lnRef idx="2">
-              <a:schemeClr val="accent1">
-                <a:shade val="50000"/>
-              </a:schemeClr>
-            </a:lnRef>
-            <a:fillRef idx="1">
-              <a:schemeClr val="accent1"/>
-            </a:fillRef>
-            <a:effectRef idx="0">
-              <a:schemeClr val="accent1"/>
-            </a:effectRef>
-            <a:fontRef idx="minor">
-              <a:schemeClr val="lt1"/>
-            </a:fontRef>
-          </p:style>
-          <p:txBody>
-            <a:bodyPr rot="0" spcFirstLastPara="0" vertOverflow="overflow" horzOverflow="overflow" vert="horz" wrap="square" lIns="91440" tIns="45721" rIns="91440" bIns="45721" numCol="1" spcCol="0" rtlCol="0" fromWordArt="0" anchor="ctr" anchorCtr="0" forceAA="0" compatLnSpc="1">
-              <a:prstTxWarp prst="textNoShape">
-                <a:avLst/>
-              </a:prstTxWarp>
-              <a:noAutofit/>
-            </a:bodyPr>
-            <a:lstStyle/>
-            <a:p>
-              <a:pPr algn="ctr"/>
-              <a:endParaRPr lang="nb-NO" sz="1801"/>
-            </a:p>
-          </p:txBody>
-        </p:sp>
-        <p:grpSp>
-          <p:nvGrpSpPr>
-            <p:cNvPr id="106" name="Gruppe 105">
-              <a:extLst>
-                <a:ext uri="{FF2B5EF4-FFF2-40B4-BE49-F238E27FC236}">
-                  <a16:creationId xmlns:a16="http://schemas.microsoft.com/office/drawing/2014/main" id="{124742C8-A339-4161-A730-7B8D6275F501}"/>
+                  <a16:creationId xmlns:a16="http://schemas.microsoft.com/office/drawing/2014/main" id="{4A7E0AB4-2042-4328-AEB6-F74FB8B4C0C2}"/>
                 </a:ext>
               </a:extLst>
             </p:cNvPr>
@@ -3472,18 +3420,75 @@
           </p:nvGrpSpPr>
           <p:grpSpPr>
             <a:xfrm>
-              <a:off x="1968266" y="243935"/>
-              <a:ext cx="4516330" cy="5893598"/>
-              <a:chOff x="1968266" y="243935"/>
-              <a:chExt cx="4516330" cy="5893598"/>
+              <a:off x="1885938" y="109639"/>
+              <a:ext cx="4626855" cy="6748361"/>
+              <a:chOff x="1885938" y="109639"/>
+              <a:chExt cx="4626855" cy="6748361"/>
             </a:xfrm>
           </p:grpSpPr>
+          <p:sp>
+            <p:nvSpPr>
+              <p:cNvPr id="46" name="Rektangel 45">
+                <a:extLst>
+                  <a:ext uri="{FF2B5EF4-FFF2-40B4-BE49-F238E27FC236}">
+                    <a16:creationId xmlns:a16="http://schemas.microsoft.com/office/drawing/2014/main" id="{96068C04-F6DD-423C-9230-06A25B8CF6A6}"/>
+                  </a:ext>
+                </a:extLst>
+              </p:cNvPr>
+              <p:cNvSpPr/>
+              <p:nvPr/>
+            </p:nvSpPr>
+            <p:spPr>
+              <a:xfrm>
+                <a:off x="1885938" y="109639"/>
+                <a:ext cx="4626855" cy="6748361"/>
+              </a:xfrm>
+              <a:prstGeom prst="rect">
+                <a:avLst/>
+              </a:prstGeom>
+              <a:solidFill>
+                <a:srgbClr val="FBFBFB"/>
+              </a:solidFill>
+              <a:ln>
+                <a:noFill/>
+              </a:ln>
+            </p:spPr>
+            <p:style>
+              <a:lnRef idx="2">
+                <a:schemeClr val="accent1">
+                  <a:shade val="50000"/>
+                </a:schemeClr>
+              </a:lnRef>
+              <a:fillRef idx="1">
+                <a:schemeClr val="accent1"/>
+              </a:fillRef>
+              <a:effectRef idx="0">
+                <a:schemeClr val="accent1"/>
+              </a:effectRef>
+              <a:fontRef idx="minor">
+                <a:schemeClr val="lt1"/>
+              </a:fontRef>
+            </p:style>
+            <p:txBody>
+              <a:bodyPr rot="0" spcFirstLastPara="0" vertOverflow="overflow" horzOverflow="overflow" vert="horz" wrap="square" lIns="91440" tIns="45721" rIns="91440" bIns="45721" numCol="1" spcCol="0" rtlCol="0" fromWordArt="0" anchor="ctr" anchorCtr="0" forceAA="0" compatLnSpc="1">
+                <a:prstTxWarp prst="textNoShape">
+                  <a:avLst/>
+                </a:prstTxWarp>
+                <a:noAutofit/>
+              </a:bodyPr>
+              <a:lstStyle/>
+              <a:p>
+                <a:pPr algn="ctr"/>
+                <a:endParaRPr lang="nb-NO" sz="1801"/>
+              </a:p>
+            </p:txBody>
+          </p:sp>
           <p:grpSp>
             <p:nvGrpSpPr>
-              <p:cNvPr id="78" name="Gruppe 77">
+              <p:cNvPr id="106" name="Gruppe 105">
                 <a:extLst>
                   <a:ext uri="{FF2B5EF4-FFF2-40B4-BE49-F238E27FC236}">
-                    <a16:creationId xmlns:a16="http://schemas.microsoft.com/office/drawing/2014/main" id="{AD8464AC-6D39-49C5-9BE9-A74304FA75AC}"/>
+                    <a16:creationId xmlns:a16="http://schemas.microsoft.com/office/drawing/2014/main" id="{124742C8-A339-4161-A730-7B8D6275F501}"/>
                   </a:ext>
                 </a:extLst>
               </p:cNvPr>
@@ -3492,18 +3497,18 @@
             </p:nvGrpSpPr>
             <p:grpSpPr>
               <a:xfrm>
-                <a:off x="2029598" y="4093438"/>
-                <a:ext cx="4297242" cy="2044095"/>
-                <a:chOff x="7459730" y="2690773"/>
-                <a:chExt cx="3632708" cy="2044095"/>
+                <a:off x="1968266" y="243935"/>
+                <a:ext cx="4516330" cy="6420261"/>
+                <a:chOff x="1968266" y="243935"/>
+                <a:chExt cx="4516330" cy="6420261"/>
               </a:xfrm>
             </p:grpSpPr>
             <p:grpSp>
               <p:nvGrpSpPr>
-                <p:cNvPr id="75" name="Gruppe 74">
+                <p:cNvPr id="78" name="Gruppe 77">
                   <a:extLst>
                     <a:ext uri="{FF2B5EF4-FFF2-40B4-BE49-F238E27FC236}">
-                      <a16:creationId xmlns:a16="http://schemas.microsoft.com/office/drawing/2014/main" id="{894C5769-1B64-4446-BF37-C6C64AB30BB1}"/>
+                      <a16:creationId xmlns:a16="http://schemas.microsoft.com/office/drawing/2014/main" id="{AD8464AC-6D39-49C5-9BE9-A74304FA75AC}"/>
                     </a:ext>
                   </a:extLst>
                 </p:cNvPr>
@@ -3512,18 +3517,1463 @@
               </p:nvGrpSpPr>
               <p:grpSpPr>
                 <a:xfrm>
-                  <a:off x="7506629" y="2768268"/>
-                  <a:ext cx="3538910" cy="1966600"/>
-                  <a:chOff x="6587972" y="2568295"/>
-                  <a:chExt cx="3315390" cy="1966600"/>
+                  <a:off x="2029598" y="4093438"/>
+                  <a:ext cx="4297242" cy="2044095"/>
+                  <a:chOff x="7459730" y="2690773"/>
+                  <a:chExt cx="3632708" cy="2044095"/>
+                </a:xfrm>
+              </p:grpSpPr>
+              <p:grpSp>
+                <p:nvGrpSpPr>
+                  <p:cNvPr id="75" name="Gruppe 74">
+                    <a:extLst>
+                      <a:ext uri="{FF2B5EF4-FFF2-40B4-BE49-F238E27FC236}">
+                        <a16:creationId xmlns:a16="http://schemas.microsoft.com/office/drawing/2014/main" id="{894C5769-1B64-4446-BF37-C6C64AB30BB1}"/>
+                      </a:ext>
+                    </a:extLst>
+                  </p:cNvPr>
+                  <p:cNvGrpSpPr/>
+                  <p:nvPr/>
+                </p:nvGrpSpPr>
+                <p:grpSpPr>
+                  <a:xfrm>
+                    <a:off x="7506629" y="2768268"/>
+                    <a:ext cx="3538910" cy="1966600"/>
+                    <a:chOff x="6587972" y="2568295"/>
+                    <a:chExt cx="3315390" cy="1966600"/>
+                  </a:xfrm>
+                </p:grpSpPr>
+                <p:sp>
+                  <p:nvSpPr>
+                    <p:cNvPr id="76" name="Rektangel 75">
+                      <a:extLst>
+                        <a:ext uri="{FF2B5EF4-FFF2-40B4-BE49-F238E27FC236}">
+                          <a16:creationId xmlns:a16="http://schemas.microsoft.com/office/drawing/2014/main" id="{8FA60A73-C995-4AA7-83A5-2766EC50BF76}"/>
+                        </a:ext>
+                      </a:extLst>
+                    </p:cNvPr>
+                    <p:cNvSpPr/>
+                    <p:nvPr/>
+                  </p:nvSpPr>
+                  <p:spPr>
+                    <a:xfrm>
+                      <a:off x="6587972" y="2568295"/>
+                      <a:ext cx="3315390" cy="1966600"/>
+                    </a:xfrm>
+                    <a:prstGeom prst="rect">
+                      <a:avLst/>
+                    </a:prstGeom>
+                    <a:noFill/>
+                    <a:ln>
+                      <a:solidFill>
+                        <a:schemeClr val="tx1"/>
+                      </a:solidFill>
+                      <a:prstDash val="dash"/>
+                    </a:ln>
+                  </p:spPr>
+                  <p:style>
+                    <a:lnRef idx="2">
+                      <a:schemeClr val="accent1">
+                        <a:shade val="50000"/>
+                      </a:schemeClr>
+                    </a:lnRef>
+                    <a:fillRef idx="1">
+                      <a:schemeClr val="accent1"/>
+                    </a:fillRef>
+                    <a:effectRef idx="0">
+                      <a:schemeClr val="accent1"/>
+                    </a:effectRef>
+                    <a:fontRef idx="minor">
+                      <a:schemeClr val="lt1"/>
+                    </a:fontRef>
+                  </p:style>
+                  <p:txBody>
+                    <a:bodyPr rot="0" spcFirstLastPara="0" vertOverflow="overflow" horzOverflow="overflow" vert="horz" wrap="square" lIns="91440" tIns="45721" rIns="91440" bIns="45721" numCol="1" spcCol="0" rtlCol="0" fromWordArt="0" anchor="ctr" anchorCtr="0" forceAA="0" compatLnSpc="1">
+                      <a:prstTxWarp prst="textNoShape">
+                        <a:avLst/>
+                      </a:prstTxWarp>
+                      <a:noAutofit/>
+                    </a:bodyPr>
+                    <a:lstStyle/>
+                    <a:p>
+                      <a:pPr algn="ctr"/>
+                      <a:endParaRPr lang="nb-NO" sz="1801"/>
+                    </a:p>
+                  </p:txBody>
+                </p:sp>
+                <p:sp>
+                  <p:nvSpPr>
+                    <p:cNvPr id="77" name="Rektangel 76">
+                      <a:extLst>
+                        <a:ext uri="{FF2B5EF4-FFF2-40B4-BE49-F238E27FC236}">
+                          <a16:creationId xmlns:a16="http://schemas.microsoft.com/office/drawing/2014/main" id="{D2A72A70-7254-48A2-A220-32FD1440FC8D}"/>
+                        </a:ext>
+                      </a:extLst>
+                    </p:cNvPr>
+                    <p:cNvSpPr/>
+                    <p:nvPr/>
+                  </p:nvSpPr>
+                  <p:spPr>
+                    <a:xfrm>
+                      <a:off x="6587972" y="2645368"/>
+                      <a:ext cx="3315390" cy="553998"/>
+                    </a:xfrm>
+                    <a:prstGeom prst="rect">
+                      <a:avLst/>
+                    </a:prstGeom>
+                  </p:spPr>
+                  <p:txBody>
+                    <a:bodyPr wrap="square">
+                      <a:spAutoFit/>
+                    </a:bodyPr>
+                    <a:lstStyle/>
+                    <a:p>
+                      <a:pPr algn="ctr"/>
+                      <a:r>
+                        <a:rPr lang="nb-NO" sz="2000" b="1" dirty="0">
+                          <a:solidFill>
+                            <a:schemeClr val="tx1">
+                              <a:lumMod val="85000"/>
+                              <a:lumOff val="15000"/>
+                            </a:schemeClr>
+                          </a:solidFill>
+                          <a:latin typeface="Consolas" panose="020B0609020204030204" pitchFamily="49" charset="0"/>
+                        </a:rPr>
+                        <a:t>Phase two</a:t>
+                      </a:r>
+                      <a:br>
+                        <a:rPr lang="nb-NO" sz="2000" b="1" dirty="0">
+                          <a:solidFill>
+                            <a:schemeClr val="tx1">
+                              <a:lumMod val="85000"/>
+                              <a:lumOff val="15000"/>
+                            </a:schemeClr>
+                          </a:solidFill>
+                          <a:latin typeface="Consolas" panose="020B0609020204030204" pitchFamily="49" charset="0"/>
+                        </a:rPr>
+                      </a:br>
+                      <a:r>
+                        <a:rPr lang="nb-NO" sz="900" b="1" dirty="0" err="1">
+                          <a:solidFill>
+                            <a:schemeClr val="tx1">
+                              <a:lumMod val="50000"/>
+                              <a:lumOff val="50000"/>
+                            </a:schemeClr>
+                          </a:solidFill>
+                          <a:latin typeface="Consolas" panose="020B0609020204030204" pitchFamily="49" charset="0"/>
+                        </a:rPr>
+                        <a:t>When</a:t>
+                      </a:r>
+                      <a:r>
+                        <a:rPr lang="nb-NO" sz="900" b="1" dirty="0">
+                          <a:solidFill>
+                            <a:schemeClr val="tx1">
+                              <a:lumMod val="50000"/>
+                              <a:lumOff val="50000"/>
+                            </a:schemeClr>
+                          </a:solidFill>
+                          <a:latin typeface="Consolas" panose="020B0609020204030204" pitchFamily="49" charset="0"/>
+                        </a:rPr>
+                        <a:t> all </a:t>
+                      </a:r>
+                      <a:r>
+                        <a:rPr lang="nb-NO" sz="900" b="1" dirty="0" err="1">
+                          <a:solidFill>
+                            <a:schemeClr val="tx1">
+                              <a:lumMod val="50000"/>
+                              <a:lumOff val="50000"/>
+                            </a:schemeClr>
+                          </a:solidFill>
+                          <a:latin typeface="Consolas" panose="020B0609020204030204" pitchFamily="49" charset="0"/>
+                        </a:rPr>
+                        <a:t>participants</a:t>
+                      </a:r>
+                      <a:r>
+                        <a:rPr lang="nb-NO" sz="900" b="1" dirty="0">
+                          <a:solidFill>
+                            <a:schemeClr val="tx1">
+                              <a:lumMod val="50000"/>
+                              <a:lumOff val="50000"/>
+                            </a:schemeClr>
+                          </a:solidFill>
+                          <a:latin typeface="Consolas" panose="020B0609020204030204" pitchFamily="49" charset="0"/>
+                        </a:rPr>
+                        <a:t> have </a:t>
+                      </a:r>
+                      <a:r>
+                        <a:rPr lang="nb-NO" sz="900" b="1" dirty="0" err="1">
+                          <a:solidFill>
+                            <a:schemeClr val="tx1">
+                              <a:lumMod val="50000"/>
+                              <a:lumOff val="50000"/>
+                            </a:schemeClr>
+                          </a:solidFill>
+                          <a:latin typeface="Consolas" panose="020B0609020204030204" pitchFamily="49" charset="0"/>
+                        </a:rPr>
+                        <a:t>answered</a:t>
+                      </a:r>
+                      <a:r>
+                        <a:rPr lang="nb-NO" sz="900" b="1" dirty="0">
+                          <a:solidFill>
+                            <a:schemeClr val="tx1">
+                              <a:lumMod val="50000"/>
+                              <a:lumOff val="50000"/>
+                            </a:schemeClr>
+                          </a:solidFill>
+                          <a:latin typeface="Consolas" panose="020B0609020204030204" pitchFamily="49" charset="0"/>
+                        </a:rPr>
+                        <a:t> YES</a:t>
+                      </a:r>
+                      <a:endParaRPr lang="nb-NO" sz="2000" dirty="0">
+                        <a:solidFill>
+                          <a:schemeClr val="tx1">
+                            <a:lumMod val="50000"/>
+                            <a:lumOff val="50000"/>
+                          </a:schemeClr>
+                        </a:solidFill>
+                        <a:latin typeface="Consolas" panose="020B0609020204030204" pitchFamily="49" charset="0"/>
+                      </a:endParaRPr>
+                    </a:p>
+                  </p:txBody>
+                </p:sp>
+              </p:grpSp>
+              <p:sp>
+                <p:nvSpPr>
+                  <p:cNvPr id="74" name="Rektangel 73">
+                    <a:extLst>
+                      <a:ext uri="{FF2B5EF4-FFF2-40B4-BE49-F238E27FC236}">
+                        <a16:creationId xmlns:a16="http://schemas.microsoft.com/office/drawing/2014/main" id="{ACD40C7E-496F-4CC4-9836-B9954BA945F6}"/>
+                      </a:ext>
+                    </a:extLst>
+                  </p:cNvPr>
+                  <p:cNvSpPr/>
+                  <p:nvPr/>
+                </p:nvSpPr>
+                <p:spPr>
+                  <a:xfrm>
+                    <a:off x="7459730" y="2690773"/>
+                    <a:ext cx="3632708" cy="154990"/>
+                  </a:xfrm>
+                  <a:prstGeom prst="rect">
+                    <a:avLst/>
+                  </a:prstGeom>
+                  <a:solidFill>
+                    <a:schemeClr val="bg1"/>
+                  </a:solidFill>
+                  <a:ln>
+                    <a:noFill/>
+                  </a:ln>
+                </p:spPr>
+                <p:style>
+                  <a:lnRef idx="2">
+                    <a:schemeClr val="accent1">
+                      <a:shade val="50000"/>
+                    </a:schemeClr>
+                  </a:lnRef>
+                  <a:fillRef idx="1">
+                    <a:schemeClr val="accent1"/>
+                  </a:fillRef>
+                  <a:effectRef idx="0">
+                    <a:schemeClr val="accent1"/>
+                  </a:effectRef>
+                  <a:fontRef idx="minor">
+                    <a:schemeClr val="lt1"/>
+                  </a:fontRef>
+                </p:style>
+                <p:txBody>
+                  <a:bodyPr rot="0" spcFirstLastPara="0" vertOverflow="overflow" horzOverflow="overflow" vert="horz" wrap="square" lIns="91440" tIns="45721" rIns="91440" bIns="45721" numCol="1" spcCol="0" rtlCol="0" fromWordArt="0" anchor="ctr" anchorCtr="0" forceAA="0" compatLnSpc="1">
+                    <a:prstTxWarp prst="textNoShape">
+                      <a:avLst/>
+                    </a:prstTxWarp>
+                    <a:noAutofit/>
+                  </a:bodyPr>
+                  <a:lstStyle/>
+                  <a:p>
+                    <a:pPr algn="ctr"/>
+                    <a:endParaRPr lang="nb-NO" sz="1801"/>
+                  </a:p>
+                </p:txBody>
+              </p:sp>
+            </p:grpSp>
+            <p:cxnSp>
+              <p:nvCxnSpPr>
+                <p:cNvPr id="14" name="Rett pilkobling 13">
+                  <a:extLst>
+                    <a:ext uri="{FF2B5EF4-FFF2-40B4-BE49-F238E27FC236}">
+                      <a16:creationId xmlns:a16="http://schemas.microsoft.com/office/drawing/2014/main" id="{0753239A-C2F4-4428-B021-61D100B787F6}"/>
+                    </a:ext>
+                  </a:extLst>
+                </p:cNvPr>
+                <p:cNvCxnSpPr>
+                  <a:cxnSpLocks/>
+                  <a:stCxn id="21" idx="3"/>
+                  <a:endCxn id="34" idx="1"/>
+                </p:cNvCxnSpPr>
+                <p:nvPr/>
+              </p:nvCxnSpPr>
+              <p:spPr>
+                <a:xfrm>
+                  <a:off x="2623666" y="743343"/>
+                  <a:ext cx="3102752" cy="0"/>
+                </a:xfrm>
+                <a:prstGeom prst="straightConnector1">
+                  <a:avLst/>
+                </a:prstGeom>
+                <a:ln w="19050">
+                  <a:solidFill>
+                    <a:schemeClr val="tx1">
+                      <a:lumMod val="75000"/>
+                      <a:lumOff val="25000"/>
+                    </a:schemeClr>
+                  </a:solidFill>
+                  <a:tailEnd type="triangle"/>
+                </a:ln>
+              </p:spPr>
+              <p:style>
+                <a:lnRef idx="1">
+                  <a:schemeClr val="accent1"/>
+                </a:lnRef>
+                <a:fillRef idx="0">
+                  <a:schemeClr val="accent1"/>
+                </a:fillRef>
+                <a:effectRef idx="0">
+                  <a:schemeClr val="accent1"/>
+                </a:effectRef>
+                <a:fontRef idx="minor">
+                  <a:schemeClr val="tx1"/>
+                </a:fontRef>
+              </p:style>
+            </p:cxnSp>
+            <p:grpSp>
+              <p:nvGrpSpPr>
+                <p:cNvPr id="30" name="Gruppe 29">
+                  <a:extLst>
+                    <a:ext uri="{FF2B5EF4-FFF2-40B4-BE49-F238E27FC236}">
+                      <a16:creationId xmlns:a16="http://schemas.microsoft.com/office/drawing/2014/main" id="{AD90A8BA-C217-4DCC-BED5-2BA29A0F2904}"/>
+                    </a:ext>
+                  </a:extLst>
+                </p:cNvPr>
+                <p:cNvGrpSpPr/>
+                <p:nvPr/>
+              </p:nvGrpSpPr>
+              <p:grpSpPr>
+                <a:xfrm>
+                  <a:off x="1968266" y="243935"/>
+                  <a:ext cx="1104057" cy="6420261"/>
+                  <a:chOff x="2756212" y="1733687"/>
+                  <a:chExt cx="1104056" cy="6420260"/>
                 </a:xfrm>
               </p:grpSpPr>
               <p:sp>
                 <p:nvSpPr>
-                  <p:cNvPr id="76" name="Rektangel 75">
+                  <p:cNvPr id="12" name="TekstSylinder 11">
                     <a:extLst>
                       <a:ext uri="{FF2B5EF4-FFF2-40B4-BE49-F238E27FC236}">
-                        <a16:creationId xmlns:a16="http://schemas.microsoft.com/office/drawing/2014/main" id="{8FA60A73-C995-4AA7-83A5-2766EC50BF76}"/>
+                        <a16:creationId xmlns:a16="http://schemas.microsoft.com/office/drawing/2014/main" id="{3B8FCD46-3AF1-4B6F-820A-0C62D6C40896}"/>
+                      </a:ext>
+                    </a:extLst>
+                  </p:cNvPr>
+                  <p:cNvSpPr txBox="1"/>
+                  <p:nvPr/>
+                </p:nvSpPr>
+                <p:spPr>
+                  <a:xfrm>
+                    <a:off x="2756212" y="1733687"/>
+                    <a:ext cx="1104056" cy="338554"/>
+                  </a:xfrm>
+                  <a:prstGeom prst="rect">
+                    <a:avLst/>
+                  </a:prstGeom>
+                  <a:solidFill>
+                    <a:schemeClr val="bg2"/>
+                  </a:solidFill>
+                </p:spPr>
+                <p:txBody>
+                  <a:bodyPr wrap="square" rtlCol="0">
+                    <a:spAutoFit/>
+                  </a:bodyPr>
+                  <a:lstStyle/>
+                  <a:p>
+                    <a:pPr algn="ctr"/>
+                    <a:r>
+                      <a:rPr lang="nb-NO" sz="1600" b="1" dirty="0"/>
+                      <a:t>Participant</a:t>
+                    </a:r>
+                    <a:endParaRPr lang="nb-NO" sz="1801" b="1" dirty="0"/>
+                  </a:p>
+                </p:txBody>
+              </p:sp>
+              <p:cxnSp>
+                <p:nvCxnSpPr>
+                  <p:cNvPr id="17" name="Rett linje 16">
+                    <a:extLst>
+                      <a:ext uri="{FF2B5EF4-FFF2-40B4-BE49-F238E27FC236}">
+                        <a16:creationId xmlns:a16="http://schemas.microsoft.com/office/drawing/2014/main" id="{E317B0D7-A16C-452D-BFDD-F088DD9658CE}"/>
+                      </a:ext>
+                    </a:extLst>
+                  </p:cNvPr>
+                  <p:cNvCxnSpPr>
+                    <a:cxnSpLocks/>
+                    <a:endCxn id="98" idx="2"/>
+                  </p:cNvCxnSpPr>
+                  <p:nvPr/>
+                </p:nvCxnSpPr>
+                <p:spPr>
+                  <a:xfrm flipH="1">
+                    <a:off x="3308240" y="2393948"/>
+                    <a:ext cx="3" cy="5759999"/>
+                  </a:xfrm>
+                  <a:prstGeom prst="line">
+                    <a:avLst/>
+                  </a:prstGeom>
+                  <a:ln w="19050">
+                    <a:solidFill>
+                      <a:schemeClr val="tx1">
+                        <a:lumMod val="75000"/>
+                        <a:lumOff val="25000"/>
+                      </a:schemeClr>
+                    </a:solidFill>
+                  </a:ln>
+                </p:spPr>
+                <p:style>
+                  <a:lnRef idx="1">
+                    <a:schemeClr val="accent1"/>
+                  </a:lnRef>
+                  <a:fillRef idx="0">
+                    <a:schemeClr val="accent1"/>
+                  </a:fillRef>
+                  <a:effectRef idx="0">
+                    <a:schemeClr val="accent1"/>
+                  </a:effectRef>
+                  <a:fontRef idx="minor">
+                    <a:schemeClr val="tx1"/>
+                  </a:fontRef>
+                </p:style>
+              </p:cxnSp>
+            </p:grpSp>
+            <p:sp>
+              <p:nvSpPr>
+                <p:cNvPr id="21" name="Rektangel 20">
+                  <a:extLst>
+                    <a:ext uri="{FF2B5EF4-FFF2-40B4-BE49-F238E27FC236}">
+                      <a16:creationId xmlns:a16="http://schemas.microsoft.com/office/drawing/2014/main" id="{02EE8D92-C8CD-4146-843F-5DADAA14B356}"/>
+                    </a:ext>
+                  </a:extLst>
+                </p:cNvPr>
+                <p:cNvSpPr/>
+                <p:nvPr/>
+              </p:nvSpPr>
+              <p:spPr>
+                <a:xfrm>
+                  <a:off x="2429618" y="582489"/>
+                  <a:ext cx="194048" cy="321708"/>
+                </a:xfrm>
+                <a:prstGeom prst="rect">
+                  <a:avLst/>
+                </a:prstGeom>
+                <a:solidFill>
+                  <a:schemeClr val="accent6">
+                    <a:lumMod val="60000"/>
+                    <a:lumOff val="40000"/>
+                  </a:schemeClr>
+                </a:solidFill>
+                <a:ln>
+                  <a:noFill/>
+                </a:ln>
+              </p:spPr>
+              <p:style>
+                <a:lnRef idx="2">
+                  <a:schemeClr val="accent1">
+                    <a:shade val="50000"/>
+                  </a:schemeClr>
+                </a:lnRef>
+                <a:fillRef idx="1">
+                  <a:schemeClr val="accent1"/>
+                </a:fillRef>
+                <a:effectRef idx="0">
+                  <a:schemeClr val="accent1"/>
+                </a:effectRef>
+                <a:fontRef idx="minor">
+                  <a:schemeClr val="lt1"/>
+                </a:fontRef>
+              </p:style>
+              <p:txBody>
+                <a:bodyPr rot="0" spcFirstLastPara="0" vertOverflow="overflow" horzOverflow="overflow" vert="horz" wrap="square" lIns="91440" tIns="45721" rIns="91440" bIns="45721" numCol="1" spcCol="0" rtlCol="0" fromWordArt="0" anchor="ctr" anchorCtr="0" forceAA="0" compatLnSpc="1">
+                  <a:prstTxWarp prst="textNoShape">
+                    <a:avLst/>
+                  </a:prstTxWarp>
+                  <a:noAutofit/>
+                </a:bodyPr>
+                <a:lstStyle/>
+                <a:p>
+                  <a:pPr algn="ctr"/>
+                  <a:endParaRPr lang="nb-NO" sz="1801"/>
+                </a:p>
+              </p:txBody>
+            </p:sp>
+            <p:grpSp>
+              <p:nvGrpSpPr>
+                <p:cNvPr id="31" name="Gruppe 30">
+                  <a:extLst>
+                    <a:ext uri="{FF2B5EF4-FFF2-40B4-BE49-F238E27FC236}">
+                      <a16:creationId xmlns:a16="http://schemas.microsoft.com/office/drawing/2014/main" id="{7C585534-8A6D-4015-817E-C06469468E37}"/>
+                    </a:ext>
+                  </a:extLst>
+                </p:cNvPr>
+                <p:cNvGrpSpPr/>
+                <p:nvPr/>
+              </p:nvGrpSpPr>
+              <p:grpSpPr>
+                <a:xfrm>
+                  <a:off x="5412382" y="243937"/>
+                  <a:ext cx="834825" cy="844412"/>
+                  <a:chOff x="2897176" y="1733687"/>
+                  <a:chExt cx="834825" cy="844413"/>
+                </a:xfrm>
+              </p:grpSpPr>
+              <p:sp>
+                <p:nvSpPr>
+                  <p:cNvPr id="32" name="TekstSylinder 31">
+                    <a:extLst>
+                      <a:ext uri="{FF2B5EF4-FFF2-40B4-BE49-F238E27FC236}">
+                        <a16:creationId xmlns:a16="http://schemas.microsoft.com/office/drawing/2014/main" id="{7EC4DB8C-76D8-48CA-99A6-C77D48BA6C1B}"/>
+                      </a:ext>
+                    </a:extLst>
+                  </p:cNvPr>
+                  <p:cNvSpPr txBox="1"/>
+                  <p:nvPr/>
+                </p:nvSpPr>
+                <p:spPr>
+                  <a:xfrm>
+                    <a:off x="2897176" y="1733687"/>
+                    <a:ext cx="834825" cy="338554"/>
+                  </a:xfrm>
+                  <a:prstGeom prst="rect">
+                    <a:avLst/>
+                  </a:prstGeom>
+                  <a:solidFill>
+                    <a:schemeClr val="bg2"/>
+                  </a:solidFill>
+                </p:spPr>
+                <p:txBody>
+                  <a:bodyPr wrap="square" rtlCol="0">
+                    <a:spAutoFit/>
+                  </a:bodyPr>
+                  <a:lstStyle/>
+                  <a:p>
+                    <a:pPr algn="ctr"/>
+                    <a:r>
+                      <a:rPr lang="nb-NO" sz="1600" b="1" dirty="0"/>
+                      <a:t>Server</a:t>
+                    </a:r>
+                    <a:endParaRPr lang="nb-NO" sz="2400" dirty="0">
+                      <a:latin typeface="Consolas" panose="020B0609020204030204" pitchFamily="49" charset="0"/>
+                    </a:endParaRPr>
+                  </a:p>
+                </p:txBody>
+              </p:sp>
+              <p:cxnSp>
+                <p:nvCxnSpPr>
+                  <p:cNvPr id="33" name="Rett linje 32">
+                    <a:extLst>
+                      <a:ext uri="{FF2B5EF4-FFF2-40B4-BE49-F238E27FC236}">
+                        <a16:creationId xmlns:a16="http://schemas.microsoft.com/office/drawing/2014/main" id="{E688B77F-8989-4BBD-8226-10C6E809FBC2}"/>
+                      </a:ext>
+                    </a:extLst>
+                  </p:cNvPr>
+                  <p:cNvCxnSpPr>
+                    <a:cxnSpLocks/>
+                  </p:cNvCxnSpPr>
+                  <p:nvPr/>
+                </p:nvCxnSpPr>
+                <p:spPr>
+                  <a:xfrm>
+                    <a:off x="3308240" y="2393949"/>
+                    <a:ext cx="0" cy="184151"/>
+                  </a:xfrm>
+                  <a:prstGeom prst="line">
+                    <a:avLst/>
+                  </a:prstGeom>
+                  <a:ln w="19050">
+                    <a:solidFill>
+                      <a:schemeClr val="tx1">
+                        <a:lumMod val="75000"/>
+                        <a:lumOff val="25000"/>
+                      </a:schemeClr>
+                    </a:solidFill>
+                  </a:ln>
+                </p:spPr>
+                <p:style>
+                  <a:lnRef idx="1">
+                    <a:schemeClr val="accent1"/>
+                  </a:lnRef>
+                  <a:fillRef idx="0">
+                    <a:schemeClr val="accent1"/>
+                  </a:fillRef>
+                  <a:effectRef idx="0">
+                    <a:schemeClr val="accent1"/>
+                  </a:effectRef>
+                  <a:fontRef idx="minor">
+                    <a:schemeClr val="tx1"/>
+                  </a:fontRef>
+                </p:style>
+              </p:cxnSp>
+            </p:grpSp>
+            <p:sp>
+              <p:nvSpPr>
+                <p:cNvPr id="34" name="Rektangel 33">
+                  <a:extLst>
+                    <a:ext uri="{FF2B5EF4-FFF2-40B4-BE49-F238E27FC236}">
+                      <a16:creationId xmlns:a16="http://schemas.microsoft.com/office/drawing/2014/main" id="{E17FF565-5CFD-46B0-A506-A89CF34A016B}"/>
+                    </a:ext>
+                  </a:extLst>
+                </p:cNvPr>
+                <p:cNvSpPr/>
+                <p:nvPr/>
+              </p:nvSpPr>
+              <p:spPr>
+                <a:xfrm>
+                  <a:off x="5726418" y="582489"/>
+                  <a:ext cx="194048" cy="321708"/>
+                </a:xfrm>
+                <a:prstGeom prst="rect">
+                  <a:avLst/>
+                </a:prstGeom>
+                <a:solidFill>
+                  <a:schemeClr val="accent6">
+                    <a:lumMod val="60000"/>
+                    <a:lumOff val="40000"/>
+                  </a:schemeClr>
+                </a:solidFill>
+                <a:ln>
+                  <a:noFill/>
+                </a:ln>
+              </p:spPr>
+              <p:style>
+                <a:lnRef idx="2">
+                  <a:schemeClr val="accent1">
+                    <a:shade val="50000"/>
+                  </a:schemeClr>
+                </a:lnRef>
+                <a:fillRef idx="1">
+                  <a:schemeClr val="accent1"/>
+                </a:fillRef>
+                <a:effectRef idx="0">
+                  <a:schemeClr val="accent1"/>
+                </a:effectRef>
+                <a:fontRef idx="minor">
+                  <a:schemeClr val="lt1"/>
+                </a:fontRef>
+              </p:style>
+              <p:txBody>
+                <a:bodyPr rot="0" spcFirstLastPara="0" vertOverflow="overflow" horzOverflow="overflow" vert="horz" wrap="square" lIns="91440" tIns="45721" rIns="91440" bIns="45721" numCol="1" spcCol="0" rtlCol="0" fromWordArt="0" anchor="ctr" anchorCtr="0" forceAA="0" compatLnSpc="1">
+                  <a:prstTxWarp prst="textNoShape">
+                    <a:avLst/>
+                  </a:prstTxWarp>
+                  <a:noAutofit/>
+                </a:bodyPr>
+                <a:lstStyle/>
+                <a:p>
+                  <a:pPr algn="ctr"/>
+                  <a:endParaRPr lang="nb-NO" sz="1801" dirty="0"/>
+                </a:p>
+              </p:txBody>
+            </p:sp>
+            <p:sp>
+              <p:nvSpPr>
+                <p:cNvPr id="37" name="TekstSylinder 36">
+                  <a:extLst>
+                    <a:ext uri="{FF2B5EF4-FFF2-40B4-BE49-F238E27FC236}">
+                      <a16:creationId xmlns:a16="http://schemas.microsoft.com/office/drawing/2014/main" id="{0CA3DC08-35D8-4E5F-8385-27800A36A617}"/>
+                    </a:ext>
+                  </a:extLst>
+                </p:cNvPr>
+                <p:cNvSpPr txBox="1"/>
+                <p:nvPr/>
+              </p:nvSpPr>
+              <p:spPr>
+                <a:xfrm>
+                  <a:off x="3657238" y="437286"/>
+                  <a:ext cx="1029259" cy="307777"/>
+                </a:xfrm>
+                <a:prstGeom prst="rect">
+                  <a:avLst/>
+                </a:prstGeom>
+                <a:noFill/>
+              </p:spPr>
+              <p:txBody>
+                <a:bodyPr wrap="square" rtlCol="0">
+                  <a:spAutoFit/>
+                </a:bodyPr>
+                <a:lstStyle/>
+                <a:p>
+                  <a:r>
+                    <a:rPr lang="nb-NO" sz="1400" dirty="0">
+                      <a:latin typeface="Consolas" panose="020B0609020204030204" pitchFamily="49" charset="0"/>
+                    </a:rPr>
+                    <a:t>Connects</a:t>
+                  </a:r>
+                </a:p>
+              </p:txBody>
+            </p:sp>
+            <p:sp>
+              <p:nvSpPr>
+                <p:cNvPr id="39" name="TekstSylinder 38">
+                  <a:extLst>
+                    <a:ext uri="{FF2B5EF4-FFF2-40B4-BE49-F238E27FC236}">
+                      <a16:creationId xmlns:a16="http://schemas.microsoft.com/office/drawing/2014/main" id="{8894BFA9-8705-40DD-A0C7-260706606F63}"/>
+                    </a:ext>
+                  </a:extLst>
+                </p:cNvPr>
+                <p:cNvSpPr txBox="1"/>
+                <p:nvPr/>
+              </p:nvSpPr>
+              <p:spPr>
+                <a:xfrm>
+                  <a:off x="5162288" y="1088348"/>
+                  <a:ext cx="1322308" cy="338554"/>
+                </a:xfrm>
+                <a:prstGeom prst="rect">
+                  <a:avLst/>
+                </a:prstGeom>
+                <a:solidFill>
+                  <a:schemeClr val="bg2"/>
+                </a:solidFill>
+              </p:spPr>
+              <p:txBody>
+                <a:bodyPr wrap="square" rtlCol="0">
+                  <a:spAutoFit/>
+                </a:bodyPr>
+                <a:lstStyle/>
+                <a:p>
+                  <a:pPr algn="ctr"/>
+                  <a:r>
+                    <a:rPr lang="nb-NO" sz="1600" b="1" dirty="0"/>
+                    <a:t>Coordinator</a:t>
+                  </a:r>
+                  <a:endParaRPr lang="nb-NO" sz="2400" dirty="0">
+                    <a:latin typeface="Consolas" panose="020B0609020204030204" pitchFamily="49" charset="0"/>
+                  </a:endParaRPr>
+                </a:p>
+              </p:txBody>
+            </p:sp>
+            <p:cxnSp>
+              <p:nvCxnSpPr>
+                <p:cNvPr id="40" name="Rett linje 39">
+                  <a:extLst>
+                    <a:ext uri="{FF2B5EF4-FFF2-40B4-BE49-F238E27FC236}">
+                      <a16:creationId xmlns:a16="http://schemas.microsoft.com/office/drawing/2014/main" id="{2AB89D5B-0816-4F76-B733-03C6F0E82E5B}"/>
+                    </a:ext>
+                  </a:extLst>
+                </p:cNvPr>
+                <p:cNvCxnSpPr>
+                  <a:cxnSpLocks/>
+                  <a:endCxn id="97" idx="2"/>
+                </p:cNvCxnSpPr>
+                <p:nvPr/>
+              </p:nvCxnSpPr>
+              <p:spPr>
+                <a:xfrm flipH="1">
+                  <a:off x="5813832" y="1410056"/>
+                  <a:ext cx="9610" cy="5040000"/>
+                </a:xfrm>
+                <a:prstGeom prst="line">
+                  <a:avLst/>
+                </a:prstGeom>
+                <a:ln w="19050">
+                  <a:solidFill>
+                    <a:schemeClr val="tx1">
+                      <a:lumMod val="75000"/>
+                      <a:lumOff val="25000"/>
+                    </a:schemeClr>
+                  </a:solidFill>
+                </a:ln>
+              </p:spPr>
+              <p:style>
+                <a:lnRef idx="1">
+                  <a:schemeClr val="accent1"/>
+                </a:lnRef>
+                <a:fillRef idx="0">
+                  <a:schemeClr val="accent1"/>
+                </a:fillRef>
+                <a:effectRef idx="0">
+                  <a:schemeClr val="accent1"/>
+                </a:effectRef>
+                <a:fontRef idx="minor">
+                  <a:schemeClr val="tx1"/>
+                </a:fontRef>
+              </p:style>
+            </p:cxnSp>
+            <p:sp>
+              <p:nvSpPr>
+                <p:cNvPr id="42" name="Rektangel 41">
+                  <a:extLst>
+                    <a:ext uri="{FF2B5EF4-FFF2-40B4-BE49-F238E27FC236}">
+                      <a16:creationId xmlns:a16="http://schemas.microsoft.com/office/drawing/2014/main" id="{46EC760B-13FA-4703-8043-412E487A1724}"/>
+                    </a:ext>
+                  </a:extLst>
+                </p:cNvPr>
+                <p:cNvSpPr/>
+                <p:nvPr/>
+              </p:nvSpPr>
+              <p:spPr>
+                <a:xfrm>
+                  <a:off x="2423270" y="1858845"/>
+                  <a:ext cx="194048" cy="321708"/>
+                </a:xfrm>
+                <a:prstGeom prst="rect">
+                  <a:avLst/>
+                </a:prstGeom>
+                <a:solidFill>
+                  <a:schemeClr val="accent6">
+                    <a:lumMod val="60000"/>
+                    <a:lumOff val="40000"/>
+                  </a:schemeClr>
+                </a:solidFill>
+                <a:ln>
+                  <a:noFill/>
+                </a:ln>
+              </p:spPr>
+              <p:style>
+                <a:lnRef idx="2">
+                  <a:schemeClr val="accent1">
+                    <a:shade val="50000"/>
+                  </a:schemeClr>
+                </a:lnRef>
+                <a:fillRef idx="1">
+                  <a:schemeClr val="accent1"/>
+                </a:fillRef>
+                <a:effectRef idx="0">
+                  <a:schemeClr val="accent1"/>
+                </a:effectRef>
+                <a:fontRef idx="minor">
+                  <a:schemeClr val="lt1"/>
+                </a:fontRef>
+              </p:style>
+              <p:txBody>
+                <a:bodyPr rot="0" spcFirstLastPara="0" vertOverflow="overflow" horzOverflow="overflow" vert="horz" wrap="square" lIns="91440" tIns="45721" rIns="91440" bIns="45721" numCol="1" spcCol="0" rtlCol="0" fromWordArt="0" anchor="ctr" anchorCtr="0" forceAA="0" compatLnSpc="1">
+                  <a:prstTxWarp prst="textNoShape">
+                    <a:avLst/>
+                  </a:prstTxWarp>
+                  <a:noAutofit/>
+                </a:bodyPr>
+                <a:lstStyle/>
+                <a:p>
+                  <a:pPr algn="ctr"/>
+                  <a:endParaRPr lang="nb-NO" sz="1801"/>
+                </a:p>
+              </p:txBody>
+            </p:sp>
+            <p:sp>
+              <p:nvSpPr>
+                <p:cNvPr id="43" name="Rektangel 42">
+                  <a:extLst>
+                    <a:ext uri="{FF2B5EF4-FFF2-40B4-BE49-F238E27FC236}">
+                      <a16:creationId xmlns:a16="http://schemas.microsoft.com/office/drawing/2014/main" id="{77A3A5AE-4646-4E4D-8EFF-9647FCC65A31}"/>
+                    </a:ext>
+                  </a:extLst>
+                </p:cNvPr>
+                <p:cNvSpPr/>
+                <p:nvPr/>
+              </p:nvSpPr>
+              <p:spPr>
+                <a:xfrm>
+                  <a:off x="5726418" y="1858844"/>
+                  <a:ext cx="194048" cy="338555"/>
+                </a:xfrm>
+                <a:prstGeom prst="rect">
+                  <a:avLst/>
+                </a:prstGeom>
+                <a:solidFill>
+                  <a:schemeClr val="accent6">
+                    <a:lumMod val="60000"/>
+                    <a:lumOff val="40000"/>
+                  </a:schemeClr>
+                </a:solidFill>
+                <a:ln>
+                  <a:noFill/>
+                </a:ln>
+              </p:spPr>
+              <p:style>
+                <a:lnRef idx="2">
+                  <a:schemeClr val="accent1">
+                    <a:shade val="50000"/>
+                  </a:schemeClr>
+                </a:lnRef>
+                <a:fillRef idx="1">
+                  <a:schemeClr val="accent1"/>
+                </a:fillRef>
+                <a:effectRef idx="0">
+                  <a:schemeClr val="accent1"/>
+                </a:effectRef>
+                <a:fontRef idx="minor">
+                  <a:schemeClr val="lt1"/>
+                </a:fontRef>
+              </p:style>
+              <p:txBody>
+                <a:bodyPr rot="0" spcFirstLastPara="0" vertOverflow="overflow" horzOverflow="overflow" vert="horz" wrap="square" lIns="91440" tIns="45721" rIns="91440" bIns="45721" numCol="1" spcCol="0" rtlCol="0" fromWordArt="0" anchor="ctr" anchorCtr="0" forceAA="0" compatLnSpc="1">
+                  <a:prstTxWarp prst="textNoShape">
+                    <a:avLst/>
+                  </a:prstTxWarp>
+                  <a:noAutofit/>
+                </a:bodyPr>
+                <a:lstStyle/>
+                <a:p>
+                  <a:pPr algn="ctr"/>
+                  <a:endParaRPr lang="nb-NO" sz="1801"/>
+                </a:p>
+              </p:txBody>
+            </p:sp>
+            <p:cxnSp>
+              <p:nvCxnSpPr>
+                <p:cNvPr id="44" name="Rett pilkobling 43">
+                  <a:extLst>
+                    <a:ext uri="{FF2B5EF4-FFF2-40B4-BE49-F238E27FC236}">
+                      <a16:creationId xmlns:a16="http://schemas.microsoft.com/office/drawing/2014/main" id="{EA09ED40-F642-4A91-A34D-05A1AC0B6D71}"/>
+                    </a:ext>
+                  </a:extLst>
+                </p:cNvPr>
+                <p:cNvCxnSpPr>
+                  <a:cxnSpLocks/>
+                  <a:stCxn id="42" idx="3"/>
+                  <a:endCxn id="43" idx="1"/>
+                </p:cNvCxnSpPr>
+                <p:nvPr/>
+              </p:nvCxnSpPr>
+              <p:spPr>
+                <a:xfrm>
+                  <a:off x="2617318" y="2019699"/>
+                  <a:ext cx="3109100" cy="8423"/>
+                </a:xfrm>
+                <a:prstGeom prst="straightConnector1">
+                  <a:avLst/>
+                </a:prstGeom>
+                <a:ln w="19050">
+                  <a:solidFill>
+                    <a:schemeClr val="tx1">
+                      <a:lumMod val="75000"/>
+                      <a:lumOff val="25000"/>
+                    </a:schemeClr>
+                  </a:solidFill>
+                  <a:tailEnd type="triangle"/>
+                </a:ln>
+              </p:spPr>
+              <p:style>
+                <a:lnRef idx="1">
+                  <a:schemeClr val="accent1"/>
+                </a:lnRef>
+                <a:fillRef idx="0">
+                  <a:schemeClr val="accent1"/>
+                </a:fillRef>
+                <a:effectRef idx="0">
+                  <a:schemeClr val="accent1"/>
+                </a:effectRef>
+                <a:fontRef idx="minor">
+                  <a:schemeClr val="tx1"/>
+                </a:fontRef>
+              </p:style>
+            </p:cxnSp>
+            <p:sp>
+              <p:nvSpPr>
+                <p:cNvPr id="49" name="TekstSylinder 48">
+                  <a:extLst>
+                    <a:ext uri="{FF2B5EF4-FFF2-40B4-BE49-F238E27FC236}">
+                      <a16:creationId xmlns:a16="http://schemas.microsoft.com/office/drawing/2014/main" id="{E73C1E38-52B5-421B-B3AB-CE101996F18B}"/>
+                    </a:ext>
+                  </a:extLst>
+                </p:cNvPr>
+                <p:cNvSpPr txBox="1"/>
+                <p:nvPr/>
+              </p:nvSpPr>
+              <p:spPr>
+                <a:xfrm>
+                  <a:off x="3418381" y="1572735"/>
+                  <a:ext cx="1561970" cy="430887"/>
+                </a:xfrm>
+                <a:prstGeom prst="rect">
+                  <a:avLst/>
+                </a:prstGeom>
+                <a:noFill/>
+              </p:spPr>
+              <p:txBody>
+                <a:bodyPr wrap="square" rtlCol="0">
+                  <a:spAutoFit/>
+                </a:bodyPr>
+                <a:lstStyle/>
+                <a:p>
+                  <a:pPr algn="ctr"/>
+                  <a:r>
+                    <a:rPr lang="en-US" sz="1100" dirty="0">
+                      <a:latin typeface="Consolas" panose="020B0609020204030204" pitchFamily="49" charset="0"/>
+                    </a:rPr>
+                    <a:t>REQUESTING NEW TRANSACTION--</a:t>
+                  </a:r>
+                  <a:r>
+                    <a:rPr lang="en-US" sz="1100" i="1" dirty="0">
+                      <a:latin typeface="Consolas" panose="020B0609020204030204" pitchFamily="49" charset="0"/>
+                    </a:rPr>
+                    <a:t>query</a:t>
+                  </a:r>
+                </a:p>
+              </p:txBody>
+            </p:sp>
+            <p:sp>
+              <p:nvSpPr>
+                <p:cNvPr id="55" name="Rektangel 54">
+                  <a:extLst>
+                    <a:ext uri="{FF2B5EF4-FFF2-40B4-BE49-F238E27FC236}">
+                      <a16:creationId xmlns:a16="http://schemas.microsoft.com/office/drawing/2014/main" id="{E9072901-E756-43D4-A13B-C9568A000886}"/>
+                    </a:ext>
+                  </a:extLst>
+                </p:cNvPr>
+                <p:cNvSpPr/>
+                <p:nvPr/>
+              </p:nvSpPr>
+              <p:spPr>
+                <a:xfrm>
+                  <a:off x="2423270" y="3064816"/>
+                  <a:ext cx="194048" cy="321708"/>
+                </a:xfrm>
+                <a:prstGeom prst="rect">
+                  <a:avLst/>
+                </a:prstGeom>
+                <a:solidFill>
+                  <a:schemeClr val="accent6">
+                    <a:lumMod val="60000"/>
+                    <a:lumOff val="40000"/>
+                  </a:schemeClr>
+                </a:solidFill>
+                <a:ln>
+                  <a:noFill/>
+                </a:ln>
+              </p:spPr>
+              <p:style>
+                <a:lnRef idx="2">
+                  <a:schemeClr val="accent1">
+                    <a:shade val="50000"/>
+                  </a:schemeClr>
+                </a:lnRef>
+                <a:fillRef idx="1">
+                  <a:schemeClr val="accent1"/>
+                </a:fillRef>
+                <a:effectRef idx="0">
+                  <a:schemeClr val="accent1"/>
+                </a:effectRef>
+                <a:fontRef idx="minor">
+                  <a:schemeClr val="lt1"/>
+                </a:fontRef>
+              </p:style>
+              <p:txBody>
+                <a:bodyPr rot="0" spcFirstLastPara="0" vertOverflow="overflow" horzOverflow="overflow" vert="horz" wrap="square" lIns="91440" tIns="45721" rIns="91440" bIns="45721" numCol="1" spcCol="0" rtlCol="0" fromWordArt="0" anchor="ctr" anchorCtr="0" forceAA="0" compatLnSpc="1">
+                  <a:prstTxWarp prst="textNoShape">
+                    <a:avLst/>
+                  </a:prstTxWarp>
+                  <a:noAutofit/>
+                </a:bodyPr>
+                <a:lstStyle/>
+                <a:p>
+                  <a:pPr algn="ctr"/>
+                  <a:endParaRPr lang="nb-NO" sz="1801"/>
+                </a:p>
+              </p:txBody>
+            </p:sp>
+            <p:sp>
+              <p:nvSpPr>
+                <p:cNvPr id="56" name="Rektangel 55">
+                  <a:extLst>
+                    <a:ext uri="{FF2B5EF4-FFF2-40B4-BE49-F238E27FC236}">
+                      <a16:creationId xmlns:a16="http://schemas.microsoft.com/office/drawing/2014/main" id="{EB6E651F-56A0-4221-93FB-4A26EBECF58E}"/>
+                    </a:ext>
+                  </a:extLst>
+                </p:cNvPr>
+                <p:cNvSpPr/>
+                <p:nvPr/>
+              </p:nvSpPr>
+              <p:spPr>
+                <a:xfrm>
+                  <a:off x="5732770" y="3070935"/>
+                  <a:ext cx="194048" cy="321708"/>
+                </a:xfrm>
+                <a:prstGeom prst="rect">
+                  <a:avLst/>
+                </a:prstGeom>
+                <a:solidFill>
+                  <a:schemeClr val="accent6">
+                    <a:lumMod val="60000"/>
+                    <a:lumOff val="40000"/>
+                  </a:schemeClr>
+                </a:solidFill>
+                <a:ln>
+                  <a:noFill/>
+                </a:ln>
+              </p:spPr>
+              <p:style>
+                <a:lnRef idx="2">
+                  <a:schemeClr val="accent1">
+                    <a:shade val="50000"/>
+                  </a:schemeClr>
+                </a:lnRef>
+                <a:fillRef idx="1">
+                  <a:schemeClr val="accent1"/>
+                </a:fillRef>
+                <a:effectRef idx="0">
+                  <a:schemeClr val="accent1"/>
+                </a:effectRef>
+                <a:fontRef idx="minor">
+                  <a:schemeClr val="lt1"/>
+                </a:fontRef>
+              </p:style>
+              <p:txBody>
+                <a:bodyPr rot="0" spcFirstLastPara="0" vertOverflow="overflow" horzOverflow="overflow" vert="horz" wrap="square" lIns="91440" tIns="45721" rIns="91440" bIns="45721" numCol="1" spcCol="0" rtlCol="0" fromWordArt="0" anchor="ctr" anchorCtr="0" forceAA="0" compatLnSpc="1">
+                  <a:prstTxWarp prst="textNoShape">
+                    <a:avLst/>
+                  </a:prstTxWarp>
+                  <a:noAutofit/>
+                </a:bodyPr>
+                <a:lstStyle/>
+                <a:p>
+                  <a:pPr algn="ctr"/>
+                  <a:endParaRPr lang="nb-NO" sz="1801"/>
+                </a:p>
+              </p:txBody>
+            </p:sp>
+            <p:cxnSp>
+              <p:nvCxnSpPr>
+                <p:cNvPr id="57" name="Rett pilkobling 56">
+                  <a:extLst>
+                    <a:ext uri="{FF2B5EF4-FFF2-40B4-BE49-F238E27FC236}">
+                      <a16:creationId xmlns:a16="http://schemas.microsoft.com/office/drawing/2014/main" id="{9368E755-F425-4F3B-A890-2DEFFFFD4D3A}"/>
+                    </a:ext>
+                  </a:extLst>
+                </p:cNvPr>
+                <p:cNvCxnSpPr>
+                  <a:cxnSpLocks/>
+                  <a:stCxn id="56" idx="1"/>
+                  <a:endCxn id="55" idx="3"/>
+                </p:cNvCxnSpPr>
+                <p:nvPr/>
+              </p:nvCxnSpPr>
+              <p:spPr>
+                <a:xfrm flipH="1" flipV="1">
+                  <a:off x="2617318" y="3225670"/>
+                  <a:ext cx="3115452" cy="6119"/>
+                </a:xfrm>
+                <a:prstGeom prst="straightConnector1">
+                  <a:avLst/>
+                </a:prstGeom>
+                <a:ln w="19050">
+                  <a:solidFill>
+                    <a:schemeClr val="tx1">
+                      <a:lumMod val="75000"/>
+                      <a:lumOff val="25000"/>
+                    </a:schemeClr>
+                  </a:solidFill>
+                  <a:tailEnd type="triangle"/>
+                </a:ln>
+              </p:spPr>
+              <p:style>
+                <a:lnRef idx="1">
+                  <a:schemeClr val="accent1"/>
+                </a:lnRef>
+                <a:fillRef idx="0">
+                  <a:schemeClr val="accent1"/>
+                </a:fillRef>
+                <a:effectRef idx="0">
+                  <a:schemeClr val="accent1"/>
+                </a:effectRef>
+                <a:fontRef idx="minor">
+                  <a:schemeClr val="tx1"/>
+                </a:fontRef>
+              </p:style>
+            </p:cxnSp>
+            <p:sp>
+              <p:nvSpPr>
+                <p:cNvPr id="60" name="TekstSylinder 59">
+                  <a:extLst>
+                    <a:ext uri="{FF2B5EF4-FFF2-40B4-BE49-F238E27FC236}">
+                      <a16:creationId xmlns:a16="http://schemas.microsoft.com/office/drawing/2014/main" id="{1FFE9268-ACF9-4A2A-9090-D8DBA979BB1D}"/>
+                    </a:ext>
+                  </a:extLst>
+                </p:cNvPr>
+                <p:cNvSpPr txBox="1"/>
+                <p:nvPr/>
+              </p:nvSpPr>
+              <p:spPr>
+                <a:xfrm>
+                  <a:off x="3310922" y="2831787"/>
+                  <a:ext cx="1753749" cy="400110"/>
+                </a:xfrm>
+                <a:prstGeom prst="rect">
+                  <a:avLst/>
+                </a:prstGeom>
+                <a:noFill/>
+              </p:spPr>
+              <p:txBody>
+                <a:bodyPr wrap="square" rtlCol="0">
+                  <a:spAutoFit/>
+                </a:bodyPr>
+                <a:lstStyle/>
+                <a:p>
+                  <a:pPr algn="ctr"/>
+                  <a:r>
+                    <a:rPr lang="en-US" sz="1000" dirty="0">
+                      <a:latin typeface="Consolas" panose="020B0609020204030204" pitchFamily="49" charset="0"/>
+                    </a:rPr>
+                    <a:t>NEW TRANSACTION--</a:t>
+                  </a:r>
+                  <a:r>
+                    <a:rPr lang="en-US" sz="1000" i="1" dirty="0">
+                      <a:latin typeface="Consolas" panose="020B0609020204030204" pitchFamily="49" charset="0"/>
+                    </a:rPr>
+                    <a:t>query</a:t>
+                  </a:r>
+                  <a:r>
+                    <a:rPr lang="en-US" sz="1000" dirty="0">
+                      <a:latin typeface="Consolas" panose="020B0609020204030204" pitchFamily="49" charset="0"/>
+                    </a:rPr>
+                    <a:t> --READY TO COMMIT?</a:t>
+                  </a:r>
+                  <a:endParaRPr lang="en-US" sz="1000" i="1" dirty="0">
+                    <a:latin typeface="Consolas" panose="020B0609020204030204" pitchFamily="49" charset="0"/>
+                  </a:endParaRPr>
+                </a:p>
+              </p:txBody>
+            </p:sp>
+            <p:sp>
+              <p:nvSpPr>
+                <p:cNvPr id="61" name="Rektangel 60">
+                  <a:extLst>
+                    <a:ext uri="{FF2B5EF4-FFF2-40B4-BE49-F238E27FC236}">
+                      <a16:creationId xmlns:a16="http://schemas.microsoft.com/office/drawing/2014/main" id="{4EC5EE4E-67AE-4F1A-BD8F-1DB72B5F70E7}"/>
+                    </a:ext>
+                  </a:extLst>
+                </p:cNvPr>
+                <p:cNvSpPr/>
+                <p:nvPr/>
+              </p:nvSpPr>
+              <p:spPr>
+                <a:xfrm>
+                  <a:off x="2429622" y="3710869"/>
+                  <a:ext cx="194048" cy="321708"/>
+                </a:xfrm>
+                <a:prstGeom prst="rect">
+                  <a:avLst/>
+                </a:prstGeom>
+                <a:solidFill>
+                  <a:schemeClr val="accent6">
+                    <a:lumMod val="60000"/>
+                    <a:lumOff val="40000"/>
+                  </a:schemeClr>
+                </a:solidFill>
+                <a:ln>
+                  <a:noFill/>
+                </a:ln>
+              </p:spPr>
+              <p:style>
+                <a:lnRef idx="2">
+                  <a:schemeClr val="accent1">
+                    <a:shade val="50000"/>
+                  </a:schemeClr>
+                </a:lnRef>
+                <a:fillRef idx="1">
+                  <a:schemeClr val="accent1"/>
+                </a:fillRef>
+                <a:effectRef idx="0">
+                  <a:schemeClr val="accent1"/>
+                </a:effectRef>
+                <a:fontRef idx="minor">
+                  <a:schemeClr val="lt1"/>
+                </a:fontRef>
+              </p:style>
+              <p:txBody>
+                <a:bodyPr rot="0" spcFirstLastPara="0" vertOverflow="overflow" horzOverflow="overflow" vert="horz" wrap="square" lIns="91440" tIns="45721" rIns="91440" bIns="45721" numCol="1" spcCol="0" rtlCol="0" fromWordArt="0" anchor="ctr" anchorCtr="0" forceAA="0" compatLnSpc="1">
+                  <a:prstTxWarp prst="textNoShape">
+                    <a:avLst/>
+                  </a:prstTxWarp>
+                  <a:noAutofit/>
+                </a:bodyPr>
+                <a:lstStyle/>
+                <a:p>
+                  <a:pPr algn="ctr"/>
+                  <a:endParaRPr lang="nb-NO" sz="1801"/>
+                </a:p>
+              </p:txBody>
+            </p:sp>
+            <p:sp>
+              <p:nvSpPr>
+                <p:cNvPr id="62" name="Rektangel 61">
+                  <a:extLst>
+                    <a:ext uri="{FF2B5EF4-FFF2-40B4-BE49-F238E27FC236}">
+                      <a16:creationId xmlns:a16="http://schemas.microsoft.com/office/drawing/2014/main" id="{C622CDA5-8873-4CC2-B8FD-A9CAF8BF8263}"/>
+                    </a:ext>
+                  </a:extLst>
+                </p:cNvPr>
+                <p:cNvSpPr/>
+                <p:nvPr/>
+              </p:nvSpPr>
+              <p:spPr>
+                <a:xfrm>
+                  <a:off x="5732770" y="3710868"/>
+                  <a:ext cx="194048" cy="338555"/>
+                </a:xfrm>
+                <a:prstGeom prst="rect">
+                  <a:avLst/>
+                </a:prstGeom>
+                <a:solidFill>
+                  <a:schemeClr val="accent6">
+                    <a:lumMod val="60000"/>
+                    <a:lumOff val="40000"/>
+                  </a:schemeClr>
+                </a:solidFill>
+                <a:ln>
+                  <a:noFill/>
+                </a:ln>
+              </p:spPr>
+              <p:style>
+                <a:lnRef idx="2">
+                  <a:schemeClr val="accent1">
+                    <a:shade val="50000"/>
+                  </a:schemeClr>
+                </a:lnRef>
+                <a:fillRef idx="1">
+                  <a:schemeClr val="accent1"/>
+                </a:fillRef>
+                <a:effectRef idx="0">
+                  <a:schemeClr val="accent1"/>
+                </a:effectRef>
+                <a:fontRef idx="minor">
+                  <a:schemeClr val="lt1"/>
+                </a:fontRef>
+              </p:style>
+              <p:txBody>
+                <a:bodyPr rot="0" spcFirstLastPara="0" vertOverflow="overflow" horzOverflow="overflow" vert="horz" wrap="square" lIns="91440" tIns="45721" rIns="91440" bIns="45721" numCol="1" spcCol="0" rtlCol="0" fromWordArt="0" anchor="ctr" anchorCtr="0" forceAA="0" compatLnSpc="1">
+                  <a:prstTxWarp prst="textNoShape">
+                    <a:avLst/>
+                  </a:prstTxWarp>
+                  <a:noAutofit/>
+                </a:bodyPr>
+                <a:lstStyle/>
+                <a:p>
+                  <a:pPr algn="ctr"/>
+                  <a:endParaRPr lang="nb-NO" sz="1801"/>
+                </a:p>
+              </p:txBody>
+            </p:sp>
+            <p:cxnSp>
+              <p:nvCxnSpPr>
+                <p:cNvPr id="63" name="Rett pilkobling 62">
+                  <a:extLst>
+                    <a:ext uri="{FF2B5EF4-FFF2-40B4-BE49-F238E27FC236}">
+                      <a16:creationId xmlns:a16="http://schemas.microsoft.com/office/drawing/2014/main" id="{6E8DD516-EABA-4D1C-AE59-1F131AB8FF1B}"/>
+                    </a:ext>
+                  </a:extLst>
+                </p:cNvPr>
+                <p:cNvCxnSpPr>
+                  <a:cxnSpLocks/>
+                  <a:stCxn id="61" idx="3"/>
+                  <a:endCxn id="62" idx="1"/>
+                </p:cNvCxnSpPr>
+                <p:nvPr/>
+              </p:nvCxnSpPr>
+              <p:spPr>
+                <a:xfrm>
+                  <a:off x="2623670" y="3871723"/>
+                  <a:ext cx="3109100" cy="8423"/>
+                </a:xfrm>
+                <a:prstGeom prst="straightConnector1">
+                  <a:avLst/>
+                </a:prstGeom>
+                <a:ln w="19050">
+                  <a:solidFill>
+                    <a:schemeClr val="tx1">
+                      <a:lumMod val="75000"/>
+                      <a:lumOff val="25000"/>
+                    </a:schemeClr>
+                  </a:solidFill>
+                  <a:tailEnd type="triangle"/>
+                </a:ln>
+              </p:spPr>
+              <p:style>
+                <a:lnRef idx="1">
+                  <a:schemeClr val="accent1"/>
+                </a:lnRef>
+                <a:fillRef idx="0">
+                  <a:schemeClr val="accent1"/>
+                </a:fillRef>
+                <a:effectRef idx="0">
+                  <a:schemeClr val="accent1"/>
+                </a:effectRef>
+                <a:fontRef idx="minor">
+                  <a:schemeClr val="tx1"/>
+                </a:fontRef>
+              </p:style>
+            </p:cxnSp>
+            <p:sp>
+              <p:nvSpPr>
+                <p:cNvPr id="64" name="TekstSylinder 63">
+                  <a:extLst>
+                    <a:ext uri="{FF2B5EF4-FFF2-40B4-BE49-F238E27FC236}">
+                      <a16:creationId xmlns:a16="http://schemas.microsoft.com/office/drawing/2014/main" id="{9267BB14-F3BD-4E9A-8108-558A979658E1}"/>
+                    </a:ext>
+                  </a:extLst>
+                </p:cNvPr>
+                <p:cNvSpPr txBox="1"/>
+                <p:nvPr/>
+              </p:nvSpPr>
+              <p:spPr>
+                <a:xfrm>
+                  <a:off x="3868352" y="3545264"/>
+                  <a:ext cx="506752" cy="307777"/>
+                </a:xfrm>
+                <a:prstGeom prst="rect">
+                  <a:avLst/>
+                </a:prstGeom>
+                <a:noFill/>
+              </p:spPr>
+              <p:txBody>
+                <a:bodyPr wrap="square" rtlCol="0">
+                  <a:spAutoFit/>
+                </a:bodyPr>
+                <a:lstStyle/>
+                <a:p>
+                  <a:r>
+                    <a:rPr lang="en-US" sz="1400" dirty="0">
+                      <a:latin typeface="Consolas" panose="020B0609020204030204" pitchFamily="49" charset="0"/>
+                    </a:rPr>
+                    <a:t>YES</a:t>
+                  </a:r>
+                  <a:endParaRPr lang="en-US" sz="1051" dirty="0">
+                    <a:latin typeface="Consolas" panose="020B0609020204030204" pitchFamily="49" charset="0"/>
+                  </a:endParaRPr>
+                </a:p>
+              </p:txBody>
+            </p:sp>
+            <p:grpSp>
+              <p:nvGrpSpPr>
+                <p:cNvPr id="72" name="Gruppe 71">
+                  <a:extLst>
+                    <a:ext uri="{FF2B5EF4-FFF2-40B4-BE49-F238E27FC236}">
+                      <a16:creationId xmlns:a16="http://schemas.microsoft.com/office/drawing/2014/main" id="{395FD6A9-44C5-4408-98D5-3AEA0A7B58E5}"/>
+                    </a:ext>
+                  </a:extLst>
+                </p:cNvPr>
+                <p:cNvGrpSpPr/>
+                <p:nvPr/>
+              </p:nvGrpSpPr>
+              <p:grpSpPr>
+                <a:xfrm>
+                  <a:off x="2080787" y="2291098"/>
+                  <a:ext cx="4194865" cy="1921159"/>
+                  <a:chOff x="6587972" y="2553293"/>
+                  <a:chExt cx="3315390" cy="1921159"/>
+                </a:xfrm>
+              </p:grpSpPr>
+              <p:sp>
+                <p:nvSpPr>
+                  <p:cNvPr id="68" name="Rektangel 67">
+                    <a:extLst>
+                      <a:ext uri="{FF2B5EF4-FFF2-40B4-BE49-F238E27FC236}">
+                        <a16:creationId xmlns:a16="http://schemas.microsoft.com/office/drawing/2014/main" id="{4F4B7AEB-0655-4011-B8EE-379E6936BA5D}"/>
                       </a:ext>
                     </a:extLst>
                   </p:cNvPr>
@@ -3533,7 +4983,7 @@
                 <p:spPr>
                   <a:xfrm>
                     <a:off x="6587972" y="2568295"/>
-                    <a:ext cx="3315390" cy="1966600"/>
+                    <a:ext cx="3315390" cy="1906157"/>
                   </a:xfrm>
                   <a:prstGeom prst="rect">
                     <a:avLst/>
@@ -3572,16 +5022,16 @@
                   <a:lstStyle/>
                   <a:p>
                     <a:pPr algn="ctr"/>
-                    <a:endParaRPr lang="nb-NO" sz="1801"/>
+                    <a:endParaRPr lang="nb-NO" sz="1801" dirty="0"/>
                   </a:p>
                 </p:txBody>
               </p:sp>
               <p:sp>
                 <p:nvSpPr>
-                  <p:cNvPr id="77" name="Rektangel 76">
+                  <p:cNvPr id="69" name="Rektangel 68">
                     <a:extLst>
                       <a:ext uri="{FF2B5EF4-FFF2-40B4-BE49-F238E27FC236}">
-                        <a16:creationId xmlns:a16="http://schemas.microsoft.com/office/drawing/2014/main" id="{D2A72A70-7254-48A2-A220-32FD1440FC8D}"/>
+                        <a16:creationId xmlns:a16="http://schemas.microsoft.com/office/drawing/2014/main" id="{E20F2656-D8FB-4459-9DB6-4D0B50A5C75E}"/>
                       </a:ext>
                     </a:extLst>
                   </p:cNvPr>
@@ -3590,8 +5040,8 @@
                 </p:nvSpPr>
                 <p:spPr>
                   <a:xfrm>
-                    <a:off x="6587972" y="2645368"/>
-                    <a:ext cx="3315390" cy="553998"/>
+                    <a:off x="6587972" y="2553293"/>
+                    <a:ext cx="3315390" cy="400110"/>
                   </a:xfrm>
                   <a:prstGeom prst="rect">
                     <a:avLst/>
@@ -3614,96 +5064,13 @@
                         </a:solidFill>
                         <a:latin typeface="Consolas" panose="020B0609020204030204" pitchFamily="49" charset="0"/>
                       </a:rPr>
-                      <a:t>Phase two</a:t>
-                    </a:r>
-                    <a:br>
-                      <a:rPr lang="nb-NO" sz="2000" b="1" dirty="0">
-                        <a:solidFill>
-                          <a:schemeClr val="tx1">
-                            <a:lumMod val="85000"/>
-                            <a:lumOff val="15000"/>
-                          </a:schemeClr>
-                        </a:solidFill>
-                        <a:latin typeface="Consolas" panose="020B0609020204030204" pitchFamily="49" charset="0"/>
-                      </a:rPr>
-                    </a:br>
-                    <a:r>
-                      <a:rPr lang="nb-NO" sz="900" b="1" dirty="0" err="1">
-                        <a:solidFill>
-                          <a:schemeClr val="tx1">
-                            <a:lumMod val="50000"/>
-                            <a:lumOff val="50000"/>
-                          </a:schemeClr>
-                        </a:solidFill>
-                        <a:latin typeface="Consolas" panose="020B0609020204030204" pitchFamily="49" charset="0"/>
-                      </a:rPr>
-                      <a:t>When</a:t>
-                    </a:r>
-                    <a:r>
-                      <a:rPr lang="nb-NO" sz="900" b="1" dirty="0">
-                        <a:solidFill>
-                          <a:schemeClr val="tx1">
-                            <a:lumMod val="50000"/>
-                            <a:lumOff val="50000"/>
-                          </a:schemeClr>
-                        </a:solidFill>
-                        <a:latin typeface="Consolas" panose="020B0609020204030204" pitchFamily="49" charset="0"/>
-                      </a:rPr>
-                      <a:t> all </a:t>
-                    </a:r>
-                    <a:r>
-                      <a:rPr lang="nb-NO" sz="900" b="1" dirty="0" err="1">
-                        <a:solidFill>
-                          <a:schemeClr val="tx1">
-                            <a:lumMod val="50000"/>
-                            <a:lumOff val="50000"/>
-                          </a:schemeClr>
-                        </a:solidFill>
-                        <a:latin typeface="Consolas" panose="020B0609020204030204" pitchFamily="49" charset="0"/>
-                      </a:rPr>
-                      <a:t>participants</a:t>
-                    </a:r>
-                    <a:r>
-                      <a:rPr lang="nb-NO" sz="900" b="1" dirty="0">
-                        <a:solidFill>
-                          <a:schemeClr val="tx1">
-                            <a:lumMod val="50000"/>
-                            <a:lumOff val="50000"/>
-                          </a:schemeClr>
-                        </a:solidFill>
-                        <a:latin typeface="Consolas" panose="020B0609020204030204" pitchFamily="49" charset="0"/>
-                      </a:rPr>
-                      <a:t> have </a:t>
-                    </a:r>
-                    <a:r>
-                      <a:rPr lang="nb-NO" sz="900" b="1" dirty="0" err="1">
-                        <a:solidFill>
-                          <a:schemeClr val="tx1">
-                            <a:lumMod val="50000"/>
-                            <a:lumOff val="50000"/>
-                          </a:schemeClr>
-                        </a:solidFill>
-                        <a:latin typeface="Consolas" panose="020B0609020204030204" pitchFamily="49" charset="0"/>
-                      </a:rPr>
-                      <a:t>answered</a:t>
-                    </a:r>
-                    <a:r>
-                      <a:rPr lang="nb-NO" sz="900" b="1" dirty="0">
-                        <a:solidFill>
-                          <a:schemeClr val="tx1">
-                            <a:lumMod val="50000"/>
-                            <a:lumOff val="50000"/>
-                          </a:schemeClr>
-                        </a:solidFill>
-                        <a:latin typeface="Consolas" panose="020B0609020204030204" pitchFamily="49" charset="0"/>
-                      </a:rPr>
-                      <a:t> YES</a:t>
+                      <a:t>Phase one</a:t>
                     </a:r>
                     <a:endParaRPr lang="nb-NO" sz="2000" dirty="0">
                       <a:solidFill>
                         <a:schemeClr val="tx1">
-                          <a:lumMod val="50000"/>
-                          <a:lumOff val="50000"/>
+                          <a:lumMod val="85000"/>
+                          <a:lumOff val="15000"/>
                         </a:schemeClr>
                       </a:solidFill>
                       <a:latin typeface="Consolas" panose="020B0609020204030204" pitchFamily="49" charset="0"/>
@@ -3714,10 +5081,10 @@
             </p:grpSp>
             <p:sp>
               <p:nvSpPr>
-                <p:cNvPr id="74" name="Rektangel 73">
+                <p:cNvPr id="90" name="Rektangel 89">
                   <a:extLst>
                     <a:ext uri="{FF2B5EF4-FFF2-40B4-BE49-F238E27FC236}">
-                      <a16:creationId xmlns:a16="http://schemas.microsoft.com/office/drawing/2014/main" id="{ACD40C7E-496F-4CC4-9836-B9954BA945F6}"/>
+                      <a16:creationId xmlns:a16="http://schemas.microsoft.com/office/drawing/2014/main" id="{114374EE-5496-405F-A9B4-44BA930DAD7C}"/>
                     </a:ext>
                   </a:extLst>
                 </p:cNvPr>
@@ -3726,14 +5093,17 @@
               </p:nvSpPr>
               <p:spPr>
                 <a:xfrm>
-                  <a:off x="7459730" y="2690773"/>
-                  <a:ext cx="3632708" cy="154990"/>
+                  <a:off x="5723160" y="5062747"/>
+                  <a:ext cx="194048" cy="321708"/>
                 </a:xfrm>
                 <a:prstGeom prst="rect">
                   <a:avLst/>
                 </a:prstGeom>
                 <a:solidFill>
-                  <a:schemeClr val="bg1"/>
+                  <a:schemeClr val="accent6">
+                    <a:lumMod val="60000"/>
+                    <a:lumOff val="40000"/>
+                  </a:schemeClr>
                 </a:solidFill>
                 <a:ln>
                   <a:noFill/>
@@ -3769,1174 +5139,12 @@
                 </a:p>
               </p:txBody>
             </p:sp>
-          </p:grpSp>
-          <p:cxnSp>
-            <p:nvCxnSpPr>
-              <p:cNvPr id="14" name="Rett pilkobling 13">
-                <a:extLst>
-                  <a:ext uri="{FF2B5EF4-FFF2-40B4-BE49-F238E27FC236}">
-                    <a16:creationId xmlns:a16="http://schemas.microsoft.com/office/drawing/2014/main" id="{0753239A-C2F4-4428-B021-61D100B787F6}"/>
-                  </a:ext>
-                </a:extLst>
-              </p:cNvPr>
-              <p:cNvCxnSpPr>
-                <a:cxnSpLocks/>
-                <a:stCxn id="21" idx="3"/>
-                <a:endCxn id="34" idx="1"/>
-              </p:cNvCxnSpPr>
-              <p:nvPr/>
-            </p:nvCxnSpPr>
-            <p:spPr>
-              <a:xfrm>
-                <a:off x="2623666" y="743343"/>
-                <a:ext cx="3102752" cy="0"/>
-              </a:xfrm>
-              <a:prstGeom prst="straightConnector1">
-                <a:avLst/>
-              </a:prstGeom>
-              <a:ln w="19050">
-                <a:solidFill>
-                  <a:schemeClr val="tx1">
-                    <a:lumMod val="75000"/>
-                    <a:lumOff val="25000"/>
-                  </a:schemeClr>
-                </a:solidFill>
-                <a:tailEnd type="triangle"/>
-              </a:ln>
-            </p:spPr>
-            <p:style>
-              <a:lnRef idx="1">
-                <a:schemeClr val="accent1"/>
-              </a:lnRef>
-              <a:fillRef idx="0">
-                <a:schemeClr val="accent1"/>
-              </a:fillRef>
-              <a:effectRef idx="0">
-                <a:schemeClr val="accent1"/>
-              </a:effectRef>
-              <a:fontRef idx="minor">
-                <a:schemeClr val="tx1"/>
-              </a:fontRef>
-            </p:style>
-          </p:cxnSp>
-          <p:grpSp>
-            <p:nvGrpSpPr>
-              <p:cNvPr id="30" name="Gruppe 29">
-                <a:extLst>
-                  <a:ext uri="{FF2B5EF4-FFF2-40B4-BE49-F238E27FC236}">
-                    <a16:creationId xmlns:a16="http://schemas.microsoft.com/office/drawing/2014/main" id="{AD90A8BA-C217-4DCC-BED5-2BA29A0F2904}"/>
-                  </a:ext>
-                </a:extLst>
-              </p:cNvPr>
-              <p:cNvGrpSpPr/>
-              <p:nvPr/>
-            </p:nvGrpSpPr>
-            <p:grpSpPr>
-              <a:xfrm>
-                <a:off x="1968266" y="243935"/>
-                <a:ext cx="1104057" cy="5783053"/>
-                <a:chOff x="2756212" y="1733687"/>
-                <a:chExt cx="1104056" cy="5783052"/>
-              </a:xfrm>
-            </p:grpSpPr>
             <p:sp>
               <p:nvSpPr>
-                <p:cNvPr id="12" name="TekstSylinder 11">
+                <p:cNvPr id="91" name="Rektangel 90">
                   <a:extLst>
                     <a:ext uri="{FF2B5EF4-FFF2-40B4-BE49-F238E27FC236}">
-                      <a16:creationId xmlns:a16="http://schemas.microsoft.com/office/drawing/2014/main" id="{3B8FCD46-3AF1-4B6F-820A-0C62D6C40896}"/>
-                    </a:ext>
-                  </a:extLst>
-                </p:cNvPr>
-                <p:cNvSpPr txBox="1"/>
-                <p:nvPr/>
-              </p:nvSpPr>
-              <p:spPr>
-                <a:xfrm>
-                  <a:off x="2756212" y="1733687"/>
-                  <a:ext cx="1104056" cy="338554"/>
-                </a:xfrm>
-                <a:prstGeom prst="rect">
-                  <a:avLst/>
-                </a:prstGeom>
-                <a:solidFill>
-                  <a:schemeClr val="bg2"/>
-                </a:solidFill>
-              </p:spPr>
-              <p:txBody>
-                <a:bodyPr wrap="square" rtlCol="0">
-                  <a:spAutoFit/>
-                </a:bodyPr>
-                <a:lstStyle/>
-                <a:p>
-                  <a:pPr algn="ctr"/>
-                  <a:r>
-                    <a:rPr lang="nb-NO" sz="1600" b="1" dirty="0"/>
-                    <a:t>Participant</a:t>
-                  </a:r>
-                  <a:endParaRPr lang="nb-NO" sz="1801" b="1" dirty="0"/>
-                </a:p>
-              </p:txBody>
-            </p:sp>
-            <p:cxnSp>
-              <p:nvCxnSpPr>
-                <p:cNvPr id="17" name="Rett linje 16">
-                  <a:extLst>
-                    <a:ext uri="{FF2B5EF4-FFF2-40B4-BE49-F238E27FC236}">
-                      <a16:creationId xmlns:a16="http://schemas.microsoft.com/office/drawing/2014/main" id="{E317B0D7-A16C-452D-BFDD-F088DD9658CE}"/>
-                    </a:ext>
-                  </a:extLst>
-                </p:cNvPr>
-                <p:cNvCxnSpPr>
-                  <a:cxnSpLocks/>
-                  <a:endCxn id="98" idx="2"/>
-                </p:cNvCxnSpPr>
-                <p:nvPr/>
-              </p:nvCxnSpPr>
-              <p:spPr>
-                <a:xfrm flipH="1">
-                  <a:off x="3308240" y="2393948"/>
-                  <a:ext cx="3" cy="5122791"/>
-                </a:xfrm>
-                <a:prstGeom prst="line">
-                  <a:avLst/>
-                </a:prstGeom>
-                <a:ln w="19050">
-                  <a:solidFill>
-                    <a:schemeClr val="tx1">
-                      <a:lumMod val="75000"/>
-                      <a:lumOff val="25000"/>
-                    </a:schemeClr>
-                  </a:solidFill>
-                </a:ln>
-              </p:spPr>
-              <p:style>
-                <a:lnRef idx="1">
-                  <a:schemeClr val="accent1"/>
-                </a:lnRef>
-                <a:fillRef idx="0">
-                  <a:schemeClr val="accent1"/>
-                </a:fillRef>
-                <a:effectRef idx="0">
-                  <a:schemeClr val="accent1"/>
-                </a:effectRef>
-                <a:fontRef idx="minor">
-                  <a:schemeClr val="tx1"/>
-                </a:fontRef>
-              </p:style>
-            </p:cxnSp>
-          </p:grpSp>
-          <p:sp>
-            <p:nvSpPr>
-              <p:cNvPr id="21" name="Rektangel 20">
-                <a:extLst>
-                  <a:ext uri="{FF2B5EF4-FFF2-40B4-BE49-F238E27FC236}">
-                    <a16:creationId xmlns:a16="http://schemas.microsoft.com/office/drawing/2014/main" id="{02EE8D92-C8CD-4146-843F-5DADAA14B356}"/>
-                  </a:ext>
-                </a:extLst>
-              </p:cNvPr>
-              <p:cNvSpPr/>
-              <p:nvPr/>
-            </p:nvSpPr>
-            <p:spPr>
-              <a:xfrm>
-                <a:off x="2429618" y="582489"/>
-                <a:ext cx="194048" cy="321708"/>
-              </a:xfrm>
-              <a:prstGeom prst="rect">
-                <a:avLst/>
-              </a:prstGeom>
-              <a:solidFill>
-                <a:schemeClr val="accent6">
-                  <a:lumMod val="60000"/>
-                  <a:lumOff val="40000"/>
-                </a:schemeClr>
-              </a:solidFill>
-              <a:ln>
-                <a:noFill/>
-              </a:ln>
-            </p:spPr>
-            <p:style>
-              <a:lnRef idx="2">
-                <a:schemeClr val="accent1">
-                  <a:shade val="50000"/>
-                </a:schemeClr>
-              </a:lnRef>
-              <a:fillRef idx="1">
-                <a:schemeClr val="accent1"/>
-              </a:fillRef>
-              <a:effectRef idx="0">
-                <a:schemeClr val="accent1"/>
-              </a:effectRef>
-              <a:fontRef idx="minor">
-                <a:schemeClr val="lt1"/>
-              </a:fontRef>
-            </p:style>
-            <p:txBody>
-              <a:bodyPr rot="0" spcFirstLastPara="0" vertOverflow="overflow" horzOverflow="overflow" vert="horz" wrap="square" lIns="91440" tIns="45721" rIns="91440" bIns="45721" numCol="1" spcCol="0" rtlCol="0" fromWordArt="0" anchor="ctr" anchorCtr="0" forceAA="0" compatLnSpc="1">
-                <a:prstTxWarp prst="textNoShape">
-                  <a:avLst/>
-                </a:prstTxWarp>
-                <a:noAutofit/>
-              </a:bodyPr>
-              <a:lstStyle/>
-              <a:p>
-                <a:pPr algn="ctr"/>
-                <a:endParaRPr lang="nb-NO" sz="1801"/>
-              </a:p>
-            </p:txBody>
-          </p:sp>
-          <p:grpSp>
-            <p:nvGrpSpPr>
-              <p:cNvPr id="31" name="Gruppe 30">
-                <a:extLst>
-                  <a:ext uri="{FF2B5EF4-FFF2-40B4-BE49-F238E27FC236}">
-                    <a16:creationId xmlns:a16="http://schemas.microsoft.com/office/drawing/2014/main" id="{7C585534-8A6D-4015-817E-C06469468E37}"/>
-                  </a:ext>
-                </a:extLst>
-              </p:cNvPr>
-              <p:cNvGrpSpPr/>
-              <p:nvPr/>
-            </p:nvGrpSpPr>
-            <p:grpSpPr>
-              <a:xfrm>
-                <a:off x="5412382" y="243937"/>
-                <a:ext cx="834825" cy="844412"/>
-                <a:chOff x="2897176" y="1733687"/>
-                <a:chExt cx="834825" cy="844413"/>
-              </a:xfrm>
-            </p:grpSpPr>
-            <p:sp>
-              <p:nvSpPr>
-                <p:cNvPr id="32" name="TekstSylinder 31">
-                  <a:extLst>
-                    <a:ext uri="{FF2B5EF4-FFF2-40B4-BE49-F238E27FC236}">
-                      <a16:creationId xmlns:a16="http://schemas.microsoft.com/office/drawing/2014/main" id="{7EC4DB8C-76D8-48CA-99A6-C77D48BA6C1B}"/>
-                    </a:ext>
-                  </a:extLst>
-                </p:cNvPr>
-                <p:cNvSpPr txBox="1"/>
-                <p:nvPr/>
-              </p:nvSpPr>
-              <p:spPr>
-                <a:xfrm>
-                  <a:off x="2897176" y="1733687"/>
-                  <a:ext cx="834825" cy="338554"/>
-                </a:xfrm>
-                <a:prstGeom prst="rect">
-                  <a:avLst/>
-                </a:prstGeom>
-                <a:solidFill>
-                  <a:schemeClr val="bg2"/>
-                </a:solidFill>
-              </p:spPr>
-              <p:txBody>
-                <a:bodyPr wrap="square" rtlCol="0">
-                  <a:spAutoFit/>
-                </a:bodyPr>
-                <a:lstStyle/>
-                <a:p>
-                  <a:pPr algn="ctr"/>
-                  <a:r>
-                    <a:rPr lang="nb-NO" sz="1600" b="1" dirty="0"/>
-                    <a:t>Server</a:t>
-                  </a:r>
-                  <a:endParaRPr lang="nb-NO" sz="2400" dirty="0">
-                    <a:latin typeface="Consolas" panose="020B0609020204030204" pitchFamily="49" charset="0"/>
-                  </a:endParaRPr>
-                </a:p>
-              </p:txBody>
-            </p:sp>
-            <p:cxnSp>
-              <p:nvCxnSpPr>
-                <p:cNvPr id="33" name="Rett linje 32">
-                  <a:extLst>
-                    <a:ext uri="{FF2B5EF4-FFF2-40B4-BE49-F238E27FC236}">
-                      <a16:creationId xmlns:a16="http://schemas.microsoft.com/office/drawing/2014/main" id="{E688B77F-8989-4BBD-8226-10C6E809FBC2}"/>
-                    </a:ext>
-                  </a:extLst>
-                </p:cNvPr>
-                <p:cNvCxnSpPr>
-                  <a:cxnSpLocks/>
-                </p:cNvCxnSpPr>
-                <p:nvPr/>
-              </p:nvCxnSpPr>
-              <p:spPr>
-                <a:xfrm>
-                  <a:off x="3308240" y="2393949"/>
-                  <a:ext cx="0" cy="184151"/>
-                </a:xfrm>
-                <a:prstGeom prst="line">
-                  <a:avLst/>
-                </a:prstGeom>
-                <a:ln w="19050">
-                  <a:solidFill>
-                    <a:schemeClr val="tx1">
-                      <a:lumMod val="75000"/>
-                      <a:lumOff val="25000"/>
-                    </a:schemeClr>
-                  </a:solidFill>
-                </a:ln>
-              </p:spPr>
-              <p:style>
-                <a:lnRef idx="1">
-                  <a:schemeClr val="accent1"/>
-                </a:lnRef>
-                <a:fillRef idx="0">
-                  <a:schemeClr val="accent1"/>
-                </a:fillRef>
-                <a:effectRef idx="0">
-                  <a:schemeClr val="accent1"/>
-                </a:effectRef>
-                <a:fontRef idx="minor">
-                  <a:schemeClr val="tx1"/>
-                </a:fontRef>
-              </p:style>
-            </p:cxnSp>
-          </p:grpSp>
-          <p:sp>
-            <p:nvSpPr>
-              <p:cNvPr id="34" name="Rektangel 33">
-                <a:extLst>
-                  <a:ext uri="{FF2B5EF4-FFF2-40B4-BE49-F238E27FC236}">
-                    <a16:creationId xmlns:a16="http://schemas.microsoft.com/office/drawing/2014/main" id="{E17FF565-5CFD-46B0-A506-A89CF34A016B}"/>
-                  </a:ext>
-                </a:extLst>
-              </p:cNvPr>
-              <p:cNvSpPr/>
-              <p:nvPr/>
-            </p:nvSpPr>
-            <p:spPr>
-              <a:xfrm>
-                <a:off x="5726418" y="582489"/>
-                <a:ext cx="194048" cy="321708"/>
-              </a:xfrm>
-              <a:prstGeom prst="rect">
-                <a:avLst/>
-              </a:prstGeom>
-              <a:solidFill>
-                <a:schemeClr val="accent6">
-                  <a:lumMod val="60000"/>
-                  <a:lumOff val="40000"/>
-                </a:schemeClr>
-              </a:solidFill>
-              <a:ln>
-                <a:noFill/>
-              </a:ln>
-            </p:spPr>
-            <p:style>
-              <a:lnRef idx="2">
-                <a:schemeClr val="accent1">
-                  <a:shade val="50000"/>
-                </a:schemeClr>
-              </a:lnRef>
-              <a:fillRef idx="1">
-                <a:schemeClr val="accent1"/>
-              </a:fillRef>
-              <a:effectRef idx="0">
-                <a:schemeClr val="accent1"/>
-              </a:effectRef>
-              <a:fontRef idx="minor">
-                <a:schemeClr val="lt1"/>
-              </a:fontRef>
-            </p:style>
-            <p:txBody>
-              <a:bodyPr rot="0" spcFirstLastPara="0" vertOverflow="overflow" horzOverflow="overflow" vert="horz" wrap="square" lIns="91440" tIns="45721" rIns="91440" bIns="45721" numCol="1" spcCol="0" rtlCol="0" fromWordArt="0" anchor="ctr" anchorCtr="0" forceAA="0" compatLnSpc="1">
-                <a:prstTxWarp prst="textNoShape">
-                  <a:avLst/>
-                </a:prstTxWarp>
-                <a:noAutofit/>
-              </a:bodyPr>
-              <a:lstStyle/>
-              <a:p>
-                <a:pPr algn="ctr"/>
-                <a:endParaRPr lang="nb-NO" sz="1801" dirty="0"/>
-              </a:p>
-            </p:txBody>
-          </p:sp>
-          <p:sp>
-            <p:nvSpPr>
-              <p:cNvPr id="37" name="TekstSylinder 36">
-                <a:extLst>
-                  <a:ext uri="{FF2B5EF4-FFF2-40B4-BE49-F238E27FC236}">
-                    <a16:creationId xmlns:a16="http://schemas.microsoft.com/office/drawing/2014/main" id="{0CA3DC08-35D8-4E5F-8385-27800A36A617}"/>
-                  </a:ext>
-                </a:extLst>
-              </p:cNvPr>
-              <p:cNvSpPr txBox="1"/>
-              <p:nvPr/>
-            </p:nvSpPr>
-            <p:spPr>
-              <a:xfrm>
-                <a:off x="3657238" y="437286"/>
-                <a:ext cx="1029259" cy="307777"/>
-              </a:xfrm>
-              <a:prstGeom prst="rect">
-                <a:avLst/>
-              </a:prstGeom>
-              <a:noFill/>
-            </p:spPr>
-            <p:txBody>
-              <a:bodyPr wrap="square" rtlCol="0">
-                <a:spAutoFit/>
-              </a:bodyPr>
-              <a:lstStyle/>
-              <a:p>
-                <a:r>
-                  <a:rPr lang="nb-NO" sz="1400" dirty="0">
-                    <a:latin typeface="Consolas" panose="020B0609020204030204" pitchFamily="49" charset="0"/>
-                  </a:rPr>
-                  <a:t>Connects</a:t>
-                </a:r>
-              </a:p>
-            </p:txBody>
-          </p:sp>
-          <p:sp>
-            <p:nvSpPr>
-              <p:cNvPr id="39" name="TekstSylinder 38">
-                <a:extLst>
-                  <a:ext uri="{FF2B5EF4-FFF2-40B4-BE49-F238E27FC236}">
-                    <a16:creationId xmlns:a16="http://schemas.microsoft.com/office/drawing/2014/main" id="{8894BFA9-8705-40DD-A0C7-260706606F63}"/>
-                  </a:ext>
-                </a:extLst>
-              </p:cNvPr>
-              <p:cNvSpPr txBox="1"/>
-              <p:nvPr/>
-            </p:nvSpPr>
-            <p:spPr>
-              <a:xfrm>
-                <a:off x="5162288" y="1088348"/>
-                <a:ext cx="1322308" cy="338554"/>
-              </a:xfrm>
-              <a:prstGeom prst="rect">
-                <a:avLst/>
-              </a:prstGeom>
-              <a:solidFill>
-                <a:schemeClr val="bg2"/>
-              </a:solidFill>
-            </p:spPr>
-            <p:txBody>
-              <a:bodyPr wrap="square" rtlCol="0">
-                <a:spAutoFit/>
-              </a:bodyPr>
-              <a:lstStyle/>
-              <a:p>
-                <a:pPr algn="ctr"/>
-                <a:r>
-                  <a:rPr lang="nb-NO" sz="1600" b="1" dirty="0"/>
-                  <a:t>Coordinator</a:t>
-                </a:r>
-                <a:endParaRPr lang="nb-NO" sz="2400" dirty="0">
-                  <a:latin typeface="Consolas" panose="020B0609020204030204" pitchFamily="49" charset="0"/>
-                </a:endParaRPr>
-              </a:p>
-            </p:txBody>
-          </p:sp>
-          <p:cxnSp>
-            <p:nvCxnSpPr>
-              <p:cNvPr id="40" name="Rett linje 39">
-                <a:extLst>
-                  <a:ext uri="{FF2B5EF4-FFF2-40B4-BE49-F238E27FC236}">
-                    <a16:creationId xmlns:a16="http://schemas.microsoft.com/office/drawing/2014/main" id="{2AB89D5B-0816-4F76-B733-03C6F0E82E5B}"/>
-                  </a:ext>
-                </a:extLst>
-              </p:cNvPr>
-              <p:cNvCxnSpPr>
-                <a:cxnSpLocks/>
-                <a:endCxn id="97" idx="2"/>
-              </p:cNvCxnSpPr>
-              <p:nvPr/>
-            </p:nvCxnSpPr>
-            <p:spPr>
-              <a:xfrm flipH="1">
-                <a:off x="5813832" y="1410056"/>
-                <a:ext cx="9610" cy="4616932"/>
-              </a:xfrm>
-              <a:prstGeom prst="line">
-                <a:avLst/>
-              </a:prstGeom>
-              <a:ln w="19050">
-                <a:solidFill>
-                  <a:schemeClr val="tx1">
-                    <a:lumMod val="75000"/>
-                    <a:lumOff val="25000"/>
-                  </a:schemeClr>
-                </a:solidFill>
-              </a:ln>
-            </p:spPr>
-            <p:style>
-              <a:lnRef idx="1">
-                <a:schemeClr val="accent1"/>
-              </a:lnRef>
-              <a:fillRef idx="0">
-                <a:schemeClr val="accent1"/>
-              </a:fillRef>
-              <a:effectRef idx="0">
-                <a:schemeClr val="accent1"/>
-              </a:effectRef>
-              <a:fontRef idx="minor">
-                <a:schemeClr val="tx1"/>
-              </a:fontRef>
-            </p:style>
-          </p:cxnSp>
-          <p:sp>
-            <p:nvSpPr>
-              <p:cNvPr id="42" name="Rektangel 41">
-                <a:extLst>
-                  <a:ext uri="{FF2B5EF4-FFF2-40B4-BE49-F238E27FC236}">
-                    <a16:creationId xmlns:a16="http://schemas.microsoft.com/office/drawing/2014/main" id="{46EC760B-13FA-4703-8043-412E487A1724}"/>
-                  </a:ext>
-                </a:extLst>
-              </p:cNvPr>
-              <p:cNvSpPr/>
-              <p:nvPr/>
-            </p:nvSpPr>
-            <p:spPr>
-              <a:xfrm>
-                <a:off x="2423270" y="1858845"/>
-                <a:ext cx="194048" cy="321708"/>
-              </a:xfrm>
-              <a:prstGeom prst="rect">
-                <a:avLst/>
-              </a:prstGeom>
-              <a:solidFill>
-                <a:schemeClr val="accent6">
-                  <a:lumMod val="60000"/>
-                  <a:lumOff val="40000"/>
-                </a:schemeClr>
-              </a:solidFill>
-              <a:ln>
-                <a:noFill/>
-              </a:ln>
-            </p:spPr>
-            <p:style>
-              <a:lnRef idx="2">
-                <a:schemeClr val="accent1">
-                  <a:shade val="50000"/>
-                </a:schemeClr>
-              </a:lnRef>
-              <a:fillRef idx="1">
-                <a:schemeClr val="accent1"/>
-              </a:fillRef>
-              <a:effectRef idx="0">
-                <a:schemeClr val="accent1"/>
-              </a:effectRef>
-              <a:fontRef idx="minor">
-                <a:schemeClr val="lt1"/>
-              </a:fontRef>
-            </p:style>
-            <p:txBody>
-              <a:bodyPr rot="0" spcFirstLastPara="0" vertOverflow="overflow" horzOverflow="overflow" vert="horz" wrap="square" lIns="91440" tIns="45721" rIns="91440" bIns="45721" numCol="1" spcCol="0" rtlCol="0" fromWordArt="0" anchor="ctr" anchorCtr="0" forceAA="0" compatLnSpc="1">
-                <a:prstTxWarp prst="textNoShape">
-                  <a:avLst/>
-                </a:prstTxWarp>
-                <a:noAutofit/>
-              </a:bodyPr>
-              <a:lstStyle/>
-              <a:p>
-                <a:pPr algn="ctr"/>
-                <a:endParaRPr lang="nb-NO" sz="1801"/>
-              </a:p>
-            </p:txBody>
-          </p:sp>
-          <p:sp>
-            <p:nvSpPr>
-              <p:cNvPr id="43" name="Rektangel 42">
-                <a:extLst>
-                  <a:ext uri="{FF2B5EF4-FFF2-40B4-BE49-F238E27FC236}">
-                    <a16:creationId xmlns:a16="http://schemas.microsoft.com/office/drawing/2014/main" id="{77A3A5AE-4646-4E4D-8EFF-9647FCC65A31}"/>
-                  </a:ext>
-                </a:extLst>
-              </p:cNvPr>
-              <p:cNvSpPr/>
-              <p:nvPr/>
-            </p:nvSpPr>
-            <p:spPr>
-              <a:xfrm>
-                <a:off x="5726418" y="1858844"/>
-                <a:ext cx="194048" cy="338555"/>
-              </a:xfrm>
-              <a:prstGeom prst="rect">
-                <a:avLst/>
-              </a:prstGeom>
-              <a:solidFill>
-                <a:schemeClr val="accent6">
-                  <a:lumMod val="60000"/>
-                  <a:lumOff val="40000"/>
-                </a:schemeClr>
-              </a:solidFill>
-              <a:ln>
-                <a:noFill/>
-              </a:ln>
-            </p:spPr>
-            <p:style>
-              <a:lnRef idx="2">
-                <a:schemeClr val="accent1">
-                  <a:shade val="50000"/>
-                </a:schemeClr>
-              </a:lnRef>
-              <a:fillRef idx="1">
-                <a:schemeClr val="accent1"/>
-              </a:fillRef>
-              <a:effectRef idx="0">
-                <a:schemeClr val="accent1"/>
-              </a:effectRef>
-              <a:fontRef idx="minor">
-                <a:schemeClr val="lt1"/>
-              </a:fontRef>
-            </p:style>
-            <p:txBody>
-              <a:bodyPr rot="0" spcFirstLastPara="0" vertOverflow="overflow" horzOverflow="overflow" vert="horz" wrap="square" lIns="91440" tIns="45721" rIns="91440" bIns="45721" numCol="1" spcCol="0" rtlCol="0" fromWordArt="0" anchor="ctr" anchorCtr="0" forceAA="0" compatLnSpc="1">
-                <a:prstTxWarp prst="textNoShape">
-                  <a:avLst/>
-                </a:prstTxWarp>
-                <a:noAutofit/>
-              </a:bodyPr>
-              <a:lstStyle/>
-              <a:p>
-                <a:pPr algn="ctr"/>
-                <a:endParaRPr lang="nb-NO" sz="1801"/>
-              </a:p>
-            </p:txBody>
-          </p:sp>
-          <p:cxnSp>
-            <p:nvCxnSpPr>
-              <p:cNvPr id="44" name="Rett pilkobling 43">
-                <a:extLst>
-                  <a:ext uri="{FF2B5EF4-FFF2-40B4-BE49-F238E27FC236}">
-                    <a16:creationId xmlns:a16="http://schemas.microsoft.com/office/drawing/2014/main" id="{EA09ED40-F642-4A91-A34D-05A1AC0B6D71}"/>
-                  </a:ext>
-                </a:extLst>
-              </p:cNvPr>
-              <p:cNvCxnSpPr>
-                <a:cxnSpLocks/>
-                <a:stCxn id="42" idx="3"/>
-                <a:endCxn id="43" idx="1"/>
-              </p:cNvCxnSpPr>
-              <p:nvPr/>
-            </p:nvCxnSpPr>
-            <p:spPr>
-              <a:xfrm>
-                <a:off x="2617318" y="2019699"/>
-                <a:ext cx="3109100" cy="8423"/>
-              </a:xfrm>
-              <a:prstGeom prst="straightConnector1">
-                <a:avLst/>
-              </a:prstGeom>
-              <a:ln w="19050">
-                <a:solidFill>
-                  <a:schemeClr val="tx1">
-                    <a:lumMod val="75000"/>
-                    <a:lumOff val="25000"/>
-                  </a:schemeClr>
-                </a:solidFill>
-                <a:tailEnd type="triangle"/>
-              </a:ln>
-            </p:spPr>
-            <p:style>
-              <a:lnRef idx="1">
-                <a:schemeClr val="accent1"/>
-              </a:lnRef>
-              <a:fillRef idx="0">
-                <a:schemeClr val="accent1"/>
-              </a:fillRef>
-              <a:effectRef idx="0">
-                <a:schemeClr val="accent1"/>
-              </a:effectRef>
-              <a:fontRef idx="minor">
-                <a:schemeClr val="tx1"/>
-              </a:fontRef>
-            </p:style>
-          </p:cxnSp>
-          <p:sp>
-            <p:nvSpPr>
-              <p:cNvPr id="49" name="TekstSylinder 48">
-                <a:extLst>
-                  <a:ext uri="{FF2B5EF4-FFF2-40B4-BE49-F238E27FC236}">
-                    <a16:creationId xmlns:a16="http://schemas.microsoft.com/office/drawing/2014/main" id="{E73C1E38-52B5-421B-B3AB-CE101996F18B}"/>
-                  </a:ext>
-                </a:extLst>
-              </p:cNvPr>
-              <p:cNvSpPr txBox="1"/>
-              <p:nvPr/>
-            </p:nvSpPr>
-            <p:spPr>
-              <a:xfrm>
-                <a:off x="3418381" y="1572735"/>
-                <a:ext cx="1561970" cy="430887"/>
-              </a:xfrm>
-              <a:prstGeom prst="rect">
-                <a:avLst/>
-              </a:prstGeom>
-              <a:noFill/>
-            </p:spPr>
-            <p:txBody>
-              <a:bodyPr wrap="square" rtlCol="0">
-                <a:spAutoFit/>
-              </a:bodyPr>
-              <a:lstStyle/>
-              <a:p>
-                <a:pPr algn="ctr"/>
-                <a:r>
-                  <a:rPr lang="en-US" sz="1100" dirty="0">
-                    <a:latin typeface="Consolas" panose="020B0609020204030204" pitchFamily="49" charset="0"/>
-                  </a:rPr>
-                  <a:t>REQUESTING NEW TRANSACTION--</a:t>
-                </a:r>
-                <a:r>
-                  <a:rPr lang="en-US" sz="1100" i="1" dirty="0">
-                    <a:latin typeface="Consolas" panose="020B0609020204030204" pitchFamily="49" charset="0"/>
-                  </a:rPr>
-                  <a:t>query</a:t>
-                </a:r>
-              </a:p>
-            </p:txBody>
-          </p:sp>
-          <p:sp>
-            <p:nvSpPr>
-              <p:cNvPr id="55" name="Rektangel 54">
-                <a:extLst>
-                  <a:ext uri="{FF2B5EF4-FFF2-40B4-BE49-F238E27FC236}">
-                    <a16:creationId xmlns:a16="http://schemas.microsoft.com/office/drawing/2014/main" id="{E9072901-E756-43D4-A13B-C9568A000886}"/>
-                  </a:ext>
-                </a:extLst>
-              </p:cNvPr>
-              <p:cNvSpPr/>
-              <p:nvPr/>
-            </p:nvSpPr>
-            <p:spPr>
-              <a:xfrm>
-                <a:off x="2423270" y="3064816"/>
-                <a:ext cx="194048" cy="321708"/>
-              </a:xfrm>
-              <a:prstGeom prst="rect">
-                <a:avLst/>
-              </a:prstGeom>
-              <a:solidFill>
-                <a:schemeClr val="accent6">
-                  <a:lumMod val="60000"/>
-                  <a:lumOff val="40000"/>
-                </a:schemeClr>
-              </a:solidFill>
-              <a:ln>
-                <a:noFill/>
-              </a:ln>
-            </p:spPr>
-            <p:style>
-              <a:lnRef idx="2">
-                <a:schemeClr val="accent1">
-                  <a:shade val="50000"/>
-                </a:schemeClr>
-              </a:lnRef>
-              <a:fillRef idx="1">
-                <a:schemeClr val="accent1"/>
-              </a:fillRef>
-              <a:effectRef idx="0">
-                <a:schemeClr val="accent1"/>
-              </a:effectRef>
-              <a:fontRef idx="minor">
-                <a:schemeClr val="lt1"/>
-              </a:fontRef>
-            </p:style>
-            <p:txBody>
-              <a:bodyPr rot="0" spcFirstLastPara="0" vertOverflow="overflow" horzOverflow="overflow" vert="horz" wrap="square" lIns="91440" tIns="45721" rIns="91440" bIns="45721" numCol="1" spcCol="0" rtlCol="0" fromWordArt="0" anchor="ctr" anchorCtr="0" forceAA="0" compatLnSpc="1">
-                <a:prstTxWarp prst="textNoShape">
-                  <a:avLst/>
-                </a:prstTxWarp>
-                <a:noAutofit/>
-              </a:bodyPr>
-              <a:lstStyle/>
-              <a:p>
-                <a:pPr algn="ctr"/>
-                <a:endParaRPr lang="nb-NO" sz="1801"/>
-              </a:p>
-            </p:txBody>
-          </p:sp>
-          <p:sp>
-            <p:nvSpPr>
-              <p:cNvPr id="56" name="Rektangel 55">
-                <a:extLst>
-                  <a:ext uri="{FF2B5EF4-FFF2-40B4-BE49-F238E27FC236}">
-                    <a16:creationId xmlns:a16="http://schemas.microsoft.com/office/drawing/2014/main" id="{EB6E651F-56A0-4221-93FB-4A26EBECF58E}"/>
-                  </a:ext>
-                </a:extLst>
-              </p:cNvPr>
-              <p:cNvSpPr/>
-              <p:nvPr/>
-            </p:nvSpPr>
-            <p:spPr>
-              <a:xfrm>
-                <a:off x="5732770" y="3070935"/>
-                <a:ext cx="194048" cy="321708"/>
-              </a:xfrm>
-              <a:prstGeom prst="rect">
-                <a:avLst/>
-              </a:prstGeom>
-              <a:solidFill>
-                <a:schemeClr val="accent6">
-                  <a:lumMod val="60000"/>
-                  <a:lumOff val="40000"/>
-                </a:schemeClr>
-              </a:solidFill>
-              <a:ln>
-                <a:noFill/>
-              </a:ln>
-            </p:spPr>
-            <p:style>
-              <a:lnRef idx="2">
-                <a:schemeClr val="accent1">
-                  <a:shade val="50000"/>
-                </a:schemeClr>
-              </a:lnRef>
-              <a:fillRef idx="1">
-                <a:schemeClr val="accent1"/>
-              </a:fillRef>
-              <a:effectRef idx="0">
-                <a:schemeClr val="accent1"/>
-              </a:effectRef>
-              <a:fontRef idx="minor">
-                <a:schemeClr val="lt1"/>
-              </a:fontRef>
-            </p:style>
-            <p:txBody>
-              <a:bodyPr rot="0" spcFirstLastPara="0" vertOverflow="overflow" horzOverflow="overflow" vert="horz" wrap="square" lIns="91440" tIns="45721" rIns="91440" bIns="45721" numCol="1" spcCol="0" rtlCol="0" fromWordArt="0" anchor="ctr" anchorCtr="0" forceAA="0" compatLnSpc="1">
-                <a:prstTxWarp prst="textNoShape">
-                  <a:avLst/>
-                </a:prstTxWarp>
-                <a:noAutofit/>
-              </a:bodyPr>
-              <a:lstStyle/>
-              <a:p>
-                <a:pPr algn="ctr"/>
-                <a:endParaRPr lang="nb-NO" sz="1801"/>
-              </a:p>
-            </p:txBody>
-          </p:sp>
-          <p:cxnSp>
-            <p:nvCxnSpPr>
-              <p:cNvPr id="57" name="Rett pilkobling 56">
-                <a:extLst>
-                  <a:ext uri="{FF2B5EF4-FFF2-40B4-BE49-F238E27FC236}">
-                    <a16:creationId xmlns:a16="http://schemas.microsoft.com/office/drawing/2014/main" id="{9368E755-F425-4F3B-A890-2DEFFFFD4D3A}"/>
-                  </a:ext>
-                </a:extLst>
-              </p:cNvPr>
-              <p:cNvCxnSpPr>
-                <a:cxnSpLocks/>
-                <a:stCxn id="56" idx="1"/>
-                <a:endCxn id="55" idx="3"/>
-              </p:cNvCxnSpPr>
-              <p:nvPr/>
-            </p:nvCxnSpPr>
-            <p:spPr>
-              <a:xfrm flipH="1" flipV="1">
-                <a:off x="2617318" y="3225670"/>
-                <a:ext cx="3115452" cy="6119"/>
-              </a:xfrm>
-              <a:prstGeom prst="straightConnector1">
-                <a:avLst/>
-              </a:prstGeom>
-              <a:ln w="19050">
-                <a:solidFill>
-                  <a:schemeClr val="tx1">
-                    <a:lumMod val="75000"/>
-                    <a:lumOff val="25000"/>
-                  </a:schemeClr>
-                </a:solidFill>
-                <a:tailEnd type="triangle"/>
-              </a:ln>
-            </p:spPr>
-            <p:style>
-              <a:lnRef idx="1">
-                <a:schemeClr val="accent1"/>
-              </a:lnRef>
-              <a:fillRef idx="0">
-                <a:schemeClr val="accent1"/>
-              </a:fillRef>
-              <a:effectRef idx="0">
-                <a:schemeClr val="accent1"/>
-              </a:effectRef>
-              <a:fontRef idx="minor">
-                <a:schemeClr val="tx1"/>
-              </a:fontRef>
-            </p:style>
-          </p:cxnSp>
-          <p:sp>
-            <p:nvSpPr>
-              <p:cNvPr id="60" name="TekstSylinder 59">
-                <a:extLst>
-                  <a:ext uri="{FF2B5EF4-FFF2-40B4-BE49-F238E27FC236}">
-                    <a16:creationId xmlns:a16="http://schemas.microsoft.com/office/drawing/2014/main" id="{1FFE9268-ACF9-4A2A-9090-D8DBA979BB1D}"/>
-                  </a:ext>
-                </a:extLst>
-              </p:cNvPr>
-              <p:cNvSpPr txBox="1"/>
-              <p:nvPr/>
-            </p:nvSpPr>
-            <p:spPr>
-              <a:xfrm>
-                <a:off x="3310922" y="2831787"/>
-                <a:ext cx="1753749" cy="400110"/>
-              </a:xfrm>
-              <a:prstGeom prst="rect">
-                <a:avLst/>
-              </a:prstGeom>
-              <a:noFill/>
-            </p:spPr>
-            <p:txBody>
-              <a:bodyPr wrap="square" rtlCol="0">
-                <a:spAutoFit/>
-              </a:bodyPr>
-              <a:lstStyle/>
-              <a:p>
-                <a:pPr algn="ctr"/>
-                <a:r>
-                  <a:rPr lang="en-US" sz="1000" dirty="0">
-                    <a:latin typeface="Consolas" panose="020B0609020204030204" pitchFamily="49" charset="0"/>
-                  </a:rPr>
-                  <a:t>NEW TRANSACTION--query --READY TO COMMIT?</a:t>
-                </a:r>
-                <a:endParaRPr lang="en-US" sz="1000" i="1" dirty="0">
-                  <a:latin typeface="Consolas" panose="020B0609020204030204" pitchFamily="49" charset="0"/>
-                </a:endParaRPr>
-              </a:p>
-            </p:txBody>
-          </p:sp>
-          <p:sp>
-            <p:nvSpPr>
-              <p:cNvPr id="61" name="Rektangel 60">
-                <a:extLst>
-                  <a:ext uri="{FF2B5EF4-FFF2-40B4-BE49-F238E27FC236}">
-                    <a16:creationId xmlns:a16="http://schemas.microsoft.com/office/drawing/2014/main" id="{4EC5EE4E-67AE-4F1A-BD8F-1DB72B5F70E7}"/>
-                  </a:ext>
-                </a:extLst>
-              </p:cNvPr>
-              <p:cNvSpPr/>
-              <p:nvPr/>
-            </p:nvSpPr>
-            <p:spPr>
-              <a:xfrm>
-                <a:off x="2429622" y="3710869"/>
-                <a:ext cx="194048" cy="321708"/>
-              </a:xfrm>
-              <a:prstGeom prst="rect">
-                <a:avLst/>
-              </a:prstGeom>
-              <a:solidFill>
-                <a:schemeClr val="accent6">
-                  <a:lumMod val="60000"/>
-                  <a:lumOff val="40000"/>
-                </a:schemeClr>
-              </a:solidFill>
-              <a:ln>
-                <a:noFill/>
-              </a:ln>
-            </p:spPr>
-            <p:style>
-              <a:lnRef idx="2">
-                <a:schemeClr val="accent1">
-                  <a:shade val="50000"/>
-                </a:schemeClr>
-              </a:lnRef>
-              <a:fillRef idx="1">
-                <a:schemeClr val="accent1"/>
-              </a:fillRef>
-              <a:effectRef idx="0">
-                <a:schemeClr val="accent1"/>
-              </a:effectRef>
-              <a:fontRef idx="minor">
-                <a:schemeClr val="lt1"/>
-              </a:fontRef>
-            </p:style>
-            <p:txBody>
-              <a:bodyPr rot="0" spcFirstLastPara="0" vertOverflow="overflow" horzOverflow="overflow" vert="horz" wrap="square" lIns="91440" tIns="45721" rIns="91440" bIns="45721" numCol="1" spcCol="0" rtlCol="0" fromWordArt="0" anchor="ctr" anchorCtr="0" forceAA="0" compatLnSpc="1">
-                <a:prstTxWarp prst="textNoShape">
-                  <a:avLst/>
-                </a:prstTxWarp>
-                <a:noAutofit/>
-              </a:bodyPr>
-              <a:lstStyle/>
-              <a:p>
-                <a:pPr algn="ctr"/>
-                <a:endParaRPr lang="nb-NO" sz="1801"/>
-              </a:p>
-            </p:txBody>
-          </p:sp>
-          <p:sp>
-            <p:nvSpPr>
-              <p:cNvPr id="62" name="Rektangel 61">
-                <a:extLst>
-                  <a:ext uri="{FF2B5EF4-FFF2-40B4-BE49-F238E27FC236}">
-                    <a16:creationId xmlns:a16="http://schemas.microsoft.com/office/drawing/2014/main" id="{C622CDA5-8873-4CC2-B8FD-A9CAF8BF8263}"/>
-                  </a:ext>
-                </a:extLst>
-              </p:cNvPr>
-              <p:cNvSpPr/>
-              <p:nvPr/>
-            </p:nvSpPr>
-            <p:spPr>
-              <a:xfrm>
-                <a:off x="5732770" y="3710868"/>
-                <a:ext cx="194048" cy="338555"/>
-              </a:xfrm>
-              <a:prstGeom prst="rect">
-                <a:avLst/>
-              </a:prstGeom>
-              <a:solidFill>
-                <a:schemeClr val="accent6">
-                  <a:lumMod val="60000"/>
-                  <a:lumOff val="40000"/>
-                </a:schemeClr>
-              </a:solidFill>
-              <a:ln>
-                <a:noFill/>
-              </a:ln>
-            </p:spPr>
-            <p:style>
-              <a:lnRef idx="2">
-                <a:schemeClr val="accent1">
-                  <a:shade val="50000"/>
-                </a:schemeClr>
-              </a:lnRef>
-              <a:fillRef idx="1">
-                <a:schemeClr val="accent1"/>
-              </a:fillRef>
-              <a:effectRef idx="0">
-                <a:schemeClr val="accent1"/>
-              </a:effectRef>
-              <a:fontRef idx="minor">
-                <a:schemeClr val="lt1"/>
-              </a:fontRef>
-            </p:style>
-            <p:txBody>
-              <a:bodyPr rot="0" spcFirstLastPara="0" vertOverflow="overflow" horzOverflow="overflow" vert="horz" wrap="square" lIns="91440" tIns="45721" rIns="91440" bIns="45721" numCol="1" spcCol="0" rtlCol="0" fromWordArt="0" anchor="ctr" anchorCtr="0" forceAA="0" compatLnSpc="1">
-                <a:prstTxWarp prst="textNoShape">
-                  <a:avLst/>
-                </a:prstTxWarp>
-                <a:noAutofit/>
-              </a:bodyPr>
-              <a:lstStyle/>
-              <a:p>
-                <a:pPr algn="ctr"/>
-                <a:endParaRPr lang="nb-NO" sz="1801"/>
-              </a:p>
-            </p:txBody>
-          </p:sp>
-          <p:cxnSp>
-            <p:nvCxnSpPr>
-              <p:cNvPr id="63" name="Rett pilkobling 62">
-                <a:extLst>
-                  <a:ext uri="{FF2B5EF4-FFF2-40B4-BE49-F238E27FC236}">
-                    <a16:creationId xmlns:a16="http://schemas.microsoft.com/office/drawing/2014/main" id="{6E8DD516-EABA-4D1C-AE59-1F131AB8FF1B}"/>
-                  </a:ext>
-                </a:extLst>
-              </p:cNvPr>
-              <p:cNvCxnSpPr>
-                <a:cxnSpLocks/>
-                <a:stCxn id="61" idx="3"/>
-                <a:endCxn id="62" idx="1"/>
-              </p:cNvCxnSpPr>
-              <p:nvPr/>
-            </p:nvCxnSpPr>
-            <p:spPr>
-              <a:xfrm>
-                <a:off x="2623670" y="3871723"/>
-                <a:ext cx="3109100" cy="8423"/>
-              </a:xfrm>
-              <a:prstGeom prst="straightConnector1">
-                <a:avLst/>
-              </a:prstGeom>
-              <a:ln w="19050">
-                <a:solidFill>
-                  <a:schemeClr val="tx1">
-                    <a:lumMod val="75000"/>
-                    <a:lumOff val="25000"/>
-                  </a:schemeClr>
-                </a:solidFill>
-                <a:tailEnd type="triangle"/>
-              </a:ln>
-            </p:spPr>
-            <p:style>
-              <a:lnRef idx="1">
-                <a:schemeClr val="accent1"/>
-              </a:lnRef>
-              <a:fillRef idx="0">
-                <a:schemeClr val="accent1"/>
-              </a:fillRef>
-              <a:effectRef idx="0">
-                <a:schemeClr val="accent1"/>
-              </a:effectRef>
-              <a:fontRef idx="minor">
-                <a:schemeClr val="tx1"/>
-              </a:fontRef>
-            </p:style>
-          </p:cxnSp>
-          <p:sp>
-            <p:nvSpPr>
-              <p:cNvPr id="64" name="TekstSylinder 63">
-                <a:extLst>
-                  <a:ext uri="{FF2B5EF4-FFF2-40B4-BE49-F238E27FC236}">
-                    <a16:creationId xmlns:a16="http://schemas.microsoft.com/office/drawing/2014/main" id="{9267BB14-F3BD-4E9A-8108-558A979658E1}"/>
-                  </a:ext>
-                </a:extLst>
-              </p:cNvPr>
-              <p:cNvSpPr txBox="1"/>
-              <p:nvPr/>
-            </p:nvSpPr>
-            <p:spPr>
-              <a:xfrm>
-                <a:off x="3868352" y="3545264"/>
-                <a:ext cx="506752" cy="307777"/>
-              </a:xfrm>
-              <a:prstGeom prst="rect">
-                <a:avLst/>
-              </a:prstGeom>
-              <a:noFill/>
-            </p:spPr>
-            <p:txBody>
-              <a:bodyPr wrap="square" rtlCol="0">
-                <a:spAutoFit/>
-              </a:bodyPr>
-              <a:lstStyle/>
-              <a:p>
-                <a:r>
-                  <a:rPr lang="en-US" sz="1400" dirty="0">
-                    <a:latin typeface="Consolas" panose="020B0609020204030204" pitchFamily="49" charset="0"/>
-                  </a:rPr>
-                  <a:t>YES</a:t>
-                </a:r>
-                <a:endParaRPr lang="en-US" sz="1051" dirty="0">
-                  <a:latin typeface="Consolas" panose="020B0609020204030204" pitchFamily="49" charset="0"/>
-                </a:endParaRPr>
-              </a:p>
-            </p:txBody>
-          </p:sp>
-          <p:grpSp>
-            <p:nvGrpSpPr>
-              <p:cNvPr id="72" name="Gruppe 71">
-                <a:extLst>
-                  <a:ext uri="{FF2B5EF4-FFF2-40B4-BE49-F238E27FC236}">
-                    <a16:creationId xmlns:a16="http://schemas.microsoft.com/office/drawing/2014/main" id="{395FD6A9-44C5-4408-98D5-3AEA0A7B58E5}"/>
-                  </a:ext>
-                </a:extLst>
-              </p:cNvPr>
-              <p:cNvGrpSpPr/>
-              <p:nvPr/>
-            </p:nvGrpSpPr>
-            <p:grpSpPr>
-              <a:xfrm>
-                <a:off x="2080787" y="2291098"/>
-                <a:ext cx="4194865" cy="1921159"/>
-                <a:chOff x="6587972" y="2553293"/>
-                <a:chExt cx="3315390" cy="1921159"/>
-              </a:xfrm>
-            </p:grpSpPr>
-            <p:sp>
-              <p:nvSpPr>
-                <p:cNvPr id="68" name="Rektangel 67">
-                  <a:extLst>
-                    <a:ext uri="{FF2B5EF4-FFF2-40B4-BE49-F238E27FC236}">
-                      <a16:creationId xmlns:a16="http://schemas.microsoft.com/office/drawing/2014/main" id="{4F4B7AEB-0655-4011-B8EE-379E6936BA5D}"/>
+                      <a16:creationId xmlns:a16="http://schemas.microsoft.com/office/drawing/2014/main" id="{C07AB7EC-F872-47EC-8397-ABB266A09ED6}"/>
                     </a:ext>
                   </a:extLst>
                 </p:cNvPr>
@@ -4945,18 +5153,20 @@
               </p:nvSpPr>
               <p:spPr>
                 <a:xfrm>
-                  <a:off x="6587972" y="2568295"/>
-                  <a:ext cx="3315390" cy="1906157"/>
+                  <a:off x="2429622" y="5062747"/>
+                  <a:ext cx="194048" cy="321708"/>
                 </a:xfrm>
                 <a:prstGeom prst="rect">
                   <a:avLst/>
                 </a:prstGeom>
-                <a:noFill/>
+                <a:solidFill>
+                  <a:schemeClr val="accent6">
+                    <a:lumMod val="60000"/>
+                    <a:lumOff val="40000"/>
+                  </a:schemeClr>
+                </a:solidFill>
                 <a:ln>
-                  <a:solidFill>
-                    <a:schemeClr val="tx1"/>
-                  </a:solidFill>
-                  <a:prstDash val="dash"/>
+                  <a:noFill/>
                 </a:ln>
               </p:spPr>
               <p:style>
@@ -4985,16 +5195,118 @@
                 <a:lstStyle/>
                 <a:p>
                   <a:pPr algn="ctr"/>
-                  <a:endParaRPr lang="nb-NO" sz="1801" dirty="0"/>
+                  <a:endParaRPr lang="nb-NO" sz="1801"/>
+                </a:p>
+              </p:txBody>
+            </p:sp>
+            <p:cxnSp>
+              <p:nvCxnSpPr>
+                <p:cNvPr id="92" name="Rett pilkobling 91">
+                  <a:extLst>
+                    <a:ext uri="{FF2B5EF4-FFF2-40B4-BE49-F238E27FC236}">
+                      <a16:creationId xmlns:a16="http://schemas.microsoft.com/office/drawing/2014/main" id="{9CD2BBF5-129B-42F0-945B-1A7470872E7B}"/>
+                    </a:ext>
+                  </a:extLst>
+                </p:cNvPr>
+                <p:cNvCxnSpPr>
+                  <a:cxnSpLocks/>
+                  <a:stCxn id="90" idx="1"/>
+                  <a:endCxn id="91" idx="3"/>
+                </p:cNvCxnSpPr>
+                <p:nvPr/>
+              </p:nvCxnSpPr>
+              <p:spPr>
+                <a:xfrm flipH="1">
+                  <a:off x="2623670" y="5223601"/>
+                  <a:ext cx="3099490" cy="0"/>
+                </a:xfrm>
+                <a:prstGeom prst="straightConnector1">
+                  <a:avLst/>
+                </a:prstGeom>
+                <a:ln w="19050">
+                  <a:solidFill>
+                    <a:schemeClr val="tx1">
+                      <a:lumMod val="75000"/>
+                      <a:lumOff val="25000"/>
+                    </a:schemeClr>
+                  </a:solidFill>
+                  <a:tailEnd type="triangle"/>
+                </a:ln>
+              </p:spPr>
+              <p:style>
+                <a:lnRef idx="1">
+                  <a:schemeClr val="accent1"/>
+                </a:lnRef>
+                <a:fillRef idx="0">
+                  <a:schemeClr val="accent1"/>
+                </a:fillRef>
+                <a:effectRef idx="0">
+                  <a:schemeClr val="accent1"/>
+                </a:effectRef>
+                <a:fontRef idx="minor">
+                  <a:schemeClr val="tx1"/>
+                </a:fontRef>
+              </p:style>
+            </p:cxnSp>
+            <p:sp>
+              <p:nvSpPr>
+                <p:cNvPr id="93" name="TekstSylinder 92">
+                  <a:extLst>
+                    <a:ext uri="{FF2B5EF4-FFF2-40B4-BE49-F238E27FC236}">
+                      <a16:creationId xmlns:a16="http://schemas.microsoft.com/office/drawing/2014/main" id="{8B32C98A-65CB-4B51-B045-F867805ACF06}"/>
+                    </a:ext>
+                  </a:extLst>
+                </p:cNvPr>
+                <p:cNvSpPr txBox="1"/>
+                <p:nvPr/>
+              </p:nvSpPr>
+              <p:spPr>
+                <a:xfrm>
+                  <a:off x="3475277" y="4819072"/>
+                  <a:ext cx="1388247" cy="400110"/>
+                </a:xfrm>
+                <a:prstGeom prst="rect">
+                  <a:avLst/>
+                </a:prstGeom>
+                <a:noFill/>
+              </p:spPr>
+              <p:txBody>
+                <a:bodyPr wrap="square" rtlCol="0">
+                  <a:spAutoFit/>
+                </a:bodyPr>
+                <a:lstStyle/>
+                <a:p>
+                  <a:pPr algn="ctr"/>
+                  <a:r>
+                    <a:rPr lang="en-US" sz="1000" dirty="0">
+                      <a:latin typeface="Consolas" panose="020B0609020204030204" pitchFamily="49" charset="0"/>
+                    </a:rPr>
+                    <a:t>TRANSACTION--</a:t>
+                  </a:r>
+                  <a:r>
+                    <a:rPr lang="en-US" sz="1000" i="1" dirty="0">
+                      <a:latin typeface="Consolas" panose="020B0609020204030204" pitchFamily="49" charset="0"/>
+                    </a:rPr>
+                    <a:t>query</a:t>
+                  </a:r>
+                  <a:r>
+                    <a:rPr lang="en-US" sz="1000" dirty="0">
+                      <a:latin typeface="Consolas" panose="020B0609020204030204" pitchFamily="49" charset="0"/>
+                    </a:rPr>
+                    <a:t>--COMMIT</a:t>
+                  </a:r>
+                  <a:endParaRPr lang="en-US" sz="1000" i="1" dirty="0">
+                    <a:latin typeface="Consolas" panose="020B0609020204030204" pitchFamily="49" charset="0"/>
+                  </a:endParaRPr>
                 </a:p>
               </p:txBody>
             </p:sp>
             <p:sp>
               <p:nvSpPr>
-                <p:cNvPr id="69" name="Rektangel 68">
+                <p:cNvPr id="97" name="Rektangel 96">
                   <a:extLst>
                     <a:ext uri="{FF2B5EF4-FFF2-40B4-BE49-F238E27FC236}">
-                      <a16:creationId xmlns:a16="http://schemas.microsoft.com/office/drawing/2014/main" id="{E20F2656-D8FB-4459-9DB6-4D0B50A5C75E}"/>
+                      <a16:creationId xmlns:a16="http://schemas.microsoft.com/office/drawing/2014/main" id="{53D67232-385D-4E34-AAC4-8B829681E3FE}"/>
                     </a:ext>
                   </a:extLst>
                 </p:cNvPr>
@@ -5003,463 +5315,420 @@
               </p:nvSpPr>
               <p:spPr>
                 <a:xfrm>
-                  <a:off x="6587972" y="2553293"/>
-                  <a:ext cx="3315390" cy="400110"/>
+                  <a:off x="5716808" y="5705280"/>
+                  <a:ext cx="194048" cy="321708"/>
                 </a:xfrm>
                 <a:prstGeom prst="rect">
                   <a:avLst/>
                 </a:prstGeom>
+                <a:solidFill>
+                  <a:schemeClr val="accent6">
+                    <a:lumMod val="60000"/>
+                    <a:lumOff val="40000"/>
+                  </a:schemeClr>
+                </a:solidFill>
+                <a:ln>
+                  <a:noFill/>
+                </a:ln>
+              </p:spPr>
+              <p:style>
+                <a:lnRef idx="2">
+                  <a:schemeClr val="accent1">
+                    <a:shade val="50000"/>
+                  </a:schemeClr>
+                </a:lnRef>
+                <a:fillRef idx="1">
+                  <a:schemeClr val="accent1"/>
+                </a:fillRef>
+                <a:effectRef idx="0">
+                  <a:schemeClr val="accent1"/>
+                </a:effectRef>
+                <a:fontRef idx="minor">
+                  <a:schemeClr val="lt1"/>
+                </a:fontRef>
+              </p:style>
+              <p:txBody>
+                <a:bodyPr rot="0" spcFirstLastPara="0" vertOverflow="overflow" horzOverflow="overflow" vert="horz" wrap="square" lIns="91440" tIns="45721" rIns="91440" bIns="45721" numCol="1" spcCol="0" rtlCol="0" fromWordArt="0" anchor="ctr" anchorCtr="0" forceAA="0" compatLnSpc="1">
+                  <a:prstTxWarp prst="textNoShape">
+                    <a:avLst/>
+                  </a:prstTxWarp>
+                  <a:noAutofit/>
+                </a:bodyPr>
+                <a:lstStyle/>
+                <a:p>
+                  <a:pPr algn="ctr"/>
+                  <a:endParaRPr lang="nb-NO" sz="1801"/>
+                </a:p>
+              </p:txBody>
+            </p:sp>
+            <p:sp>
+              <p:nvSpPr>
+                <p:cNvPr id="98" name="Rektangel 97">
+                  <a:extLst>
+                    <a:ext uri="{FF2B5EF4-FFF2-40B4-BE49-F238E27FC236}">
+                      <a16:creationId xmlns:a16="http://schemas.microsoft.com/office/drawing/2014/main" id="{A9E1BCDC-A82A-469B-9FFC-8E1341196E15}"/>
+                    </a:ext>
+                  </a:extLst>
+                </p:cNvPr>
+                <p:cNvSpPr/>
+                <p:nvPr/>
+              </p:nvSpPr>
+              <p:spPr>
+                <a:xfrm>
+                  <a:off x="2423270" y="5705280"/>
+                  <a:ext cx="194048" cy="321708"/>
+                </a:xfrm>
+                <a:prstGeom prst="rect">
+                  <a:avLst/>
+                </a:prstGeom>
+                <a:solidFill>
+                  <a:schemeClr val="accent6">
+                    <a:lumMod val="60000"/>
+                    <a:lumOff val="40000"/>
+                  </a:schemeClr>
+                </a:solidFill>
+                <a:ln>
+                  <a:noFill/>
+                </a:ln>
+              </p:spPr>
+              <p:style>
+                <a:lnRef idx="2">
+                  <a:schemeClr val="accent1">
+                    <a:shade val="50000"/>
+                  </a:schemeClr>
+                </a:lnRef>
+                <a:fillRef idx="1">
+                  <a:schemeClr val="accent1"/>
+                </a:fillRef>
+                <a:effectRef idx="0">
+                  <a:schemeClr val="accent1"/>
+                </a:effectRef>
+                <a:fontRef idx="minor">
+                  <a:schemeClr val="lt1"/>
+                </a:fontRef>
+              </p:style>
+              <p:txBody>
+                <a:bodyPr rot="0" spcFirstLastPara="0" vertOverflow="overflow" horzOverflow="overflow" vert="horz" wrap="square" lIns="91440" tIns="45721" rIns="91440" bIns="45721" numCol="1" spcCol="0" rtlCol="0" fromWordArt="0" anchor="ctr" anchorCtr="0" forceAA="0" compatLnSpc="1">
+                  <a:prstTxWarp prst="textNoShape">
+                    <a:avLst/>
+                  </a:prstTxWarp>
+                  <a:noAutofit/>
+                </a:bodyPr>
+                <a:lstStyle/>
+                <a:p>
+                  <a:pPr algn="ctr"/>
+                  <a:endParaRPr lang="nb-NO" sz="1801"/>
+                </a:p>
+              </p:txBody>
+            </p:sp>
+            <p:cxnSp>
+              <p:nvCxnSpPr>
+                <p:cNvPr id="99" name="Rett pilkobling 98">
+                  <a:extLst>
+                    <a:ext uri="{FF2B5EF4-FFF2-40B4-BE49-F238E27FC236}">
+                      <a16:creationId xmlns:a16="http://schemas.microsoft.com/office/drawing/2014/main" id="{1301264A-C80C-4D38-B8C7-C445BDECF17E}"/>
+                    </a:ext>
+                  </a:extLst>
+                </p:cNvPr>
+                <p:cNvCxnSpPr>
+                  <a:cxnSpLocks/>
+                  <a:stCxn id="98" idx="3"/>
+                  <a:endCxn id="97" idx="1"/>
+                </p:cNvCxnSpPr>
+                <p:nvPr/>
+              </p:nvCxnSpPr>
+              <p:spPr>
+                <a:xfrm>
+                  <a:off x="2617318" y="5866134"/>
+                  <a:ext cx="3099490" cy="0"/>
+                </a:xfrm>
+                <a:prstGeom prst="straightConnector1">
+                  <a:avLst/>
+                </a:prstGeom>
+                <a:ln w="19050">
+                  <a:solidFill>
+                    <a:schemeClr val="tx1">
+                      <a:lumMod val="75000"/>
+                      <a:lumOff val="25000"/>
+                    </a:schemeClr>
+                  </a:solidFill>
+                  <a:tailEnd type="triangle"/>
+                </a:ln>
+              </p:spPr>
+              <p:style>
+                <a:lnRef idx="1">
+                  <a:schemeClr val="accent1"/>
+                </a:lnRef>
+                <a:fillRef idx="0">
+                  <a:schemeClr val="accent1"/>
+                </a:fillRef>
+                <a:effectRef idx="0">
+                  <a:schemeClr val="accent1"/>
+                </a:effectRef>
+                <a:fontRef idx="minor">
+                  <a:schemeClr val="tx1"/>
+                </a:fontRef>
+              </p:style>
+            </p:cxnSp>
+            <p:sp>
+              <p:nvSpPr>
+                <p:cNvPr id="100" name="TekstSylinder 99">
+                  <a:extLst>
+                    <a:ext uri="{FF2B5EF4-FFF2-40B4-BE49-F238E27FC236}">
+                      <a16:creationId xmlns:a16="http://schemas.microsoft.com/office/drawing/2014/main" id="{4D2C1A66-2021-4957-B8A1-A3C33351C515}"/>
+                    </a:ext>
+                  </a:extLst>
+                </p:cNvPr>
+                <p:cNvSpPr txBox="1"/>
+                <p:nvPr/>
+              </p:nvSpPr>
+              <p:spPr>
+                <a:xfrm>
+                  <a:off x="3472939" y="5615493"/>
+                  <a:ext cx="1388247" cy="246221"/>
+                </a:xfrm>
+                <a:prstGeom prst="rect">
+                  <a:avLst/>
+                </a:prstGeom>
+                <a:noFill/>
               </p:spPr>
               <p:txBody>
-                <a:bodyPr wrap="square">
+                <a:bodyPr wrap="square" rtlCol="0">
                   <a:spAutoFit/>
                 </a:bodyPr>
                 <a:lstStyle/>
                 <a:p>
                   <a:pPr algn="ctr"/>
                   <a:r>
-                    <a:rPr lang="nb-NO" sz="2000" b="1" dirty="0">
-                      <a:solidFill>
-                        <a:schemeClr val="tx1">
-                          <a:lumMod val="85000"/>
-                          <a:lumOff val="15000"/>
-                        </a:schemeClr>
-                      </a:solidFill>
+                    <a:rPr lang="en-US" sz="1000" dirty="0">
                       <a:latin typeface="Consolas" panose="020B0609020204030204" pitchFamily="49" charset="0"/>
                     </a:rPr>
-                    <a:t>Phase one</a:t>
+                    <a:t>COMMITTED</a:t>
                   </a:r>
-                  <a:endParaRPr lang="nb-NO" sz="2000" dirty="0">
-                    <a:solidFill>
-                      <a:schemeClr val="tx1">
-                        <a:lumMod val="85000"/>
-                        <a:lumOff val="15000"/>
-                      </a:schemeClr>
-                    </a:solidFill>
-                    <a:latin typeface="Consolas" panose="020B0609020204030204" pitchFamily="49" charset="0"/>
-                  </a:endParaRPr>
                 </a:p>
               </p:txBody>
             </p:sp>
           </p:grpSp>
-          <p:sp>
-            <p:nvSpPr>
-              <p:cNvPr id="90" name="Rektangel 89">
-                <a:extLst>
-                  <a:ext uri="{FF2B5EF4-FFF2-40B4-BE49-F238E27FC236}">
-                    <a16:creationId xmlns:a16="http://schemas.microsoft.com/office/drawing/2014/main" id="{114374EE-5496-405F-A9B4-44BA930DAD7C}"/>
-                  </a:ext>
-                </a:extLst>
-              </p:cNvPr>
-              <p:cNvSpPr/>
-              <p:nvPr/>
-            </p:nvSpPr>
-            <p:spPr>
-              <a:xfrm>
-                <a:off x="5723160" y="5062747"/>
-                <a:ext cx="194048" cy="321708"/>
-              </a:xfrm>
-              <a:prstGeom prst="rect">
+        </p:grpSp>
+        <p:sp>
+          <p:nvSpPr>
+            <p:cNvPr id="48" name="Rektangel 47">
+              <a:extLst>
+                <a:ext uri="{FF2B5EF4-FFF2-40B4-BE49-F238E27FC236}">
+                  <a16:creationId xmlns:a16="http://schemas.microsoft.com/office/drawing/2014/main" id="{80F1D7EF-4EB6-4CC1-8C22-2A4D694A10DB}"/>
+                </a:ext>
+              </a:extLst>
+            </p:cNvPr>
+            <p:cNvSpPr/>
+            <p:nvPr/>
+          </p:nvSpPr>
+          <p:spPr>
+            <a:xfrm>
+              <a:off x="5716808" y="6394251"/>
+              <a:ext cx="194048" cy="321708"/>
+            </a:xfrm>
+            <a:prstGeom prst="rect">
+              <a:avLst/>
+            </a:prstGeom>
+            <a:solidFill>
+              <a:schemeClr val="accent6">
+                <a:lumMod val="60000"/>
+                <a:lumOff val="40000"/>
+              </a:schemeClr>
+            </a:solidFill>
+            <a:ln>
+              <a:noFill/>
+            </a:ln>
+          </p:spPr>
+          <p:style>
+            <a:lnRef idx="2">
+              <a:schemeClr val="accent1">
+                <a:shade val="50000"/>
+              </a:schemeClr>
+            </a:lnRef>
+            <a:fillRef idx="1">
+              <a:schemeClr val="accent1"/>
+            </a:fillRef>
+            <a:effectRef idx="0">
+              <a:schemeClr val="accent1"/>
+            </a:effectRef>
+            <a:fontRef idx="minor">
+              <a:schemeClr val="lt1"/>
+            </a:fontRef>
+          </p:style>
+          <p:txBody>
+            <a:bodyPr rot="0" spcFirstLastPara="0" vertOverflow="overflow" horzOverflow="overflow" vert="horz" wrap="square" lIns="91440" tIns="45721" rIns="91440" bIns="45721" numCol="1" spcCol="0" rtlCol="0" fromWordArt="0" anchor="ctr" anchorCtr="0" forceAA="0" compatLnSpc="1">
+              <a:prstTxWarp prst="textNoShape">
                 <a:avLst/>
-              </a:prstGeom>
+              </a:prstTxWarp>
+              <a:noAutofit/>
+            </a:bodyPr>
+            <a:lstStyle/>
+            <a:p>
+              <a:pPr algn="ctr"/>
+              <a:endParaRPr lang="nb-NO" sz="1801"/>
+            </a:p>
+          </p:txBody>
+        </p:sp>
+        <p:sp>
+          <p:nvSpPr>
+            <p:cNvPr id="50" name="Rektangel 49">
+              <a:extLst>
+                <a:ext uri="{FF2B5EF4-FFF2-40B4-BE49-F238E27FC236}">
+                  <a16:creationId xmlns:a16="http://schemas.microsoft.com/office/drawing/2014/main" id="{0A3FE520-3AA7-4385-ADA9-ECC017E972E7}"/>
+                </a:ext>
+              </a:extLst>
+            </p:cNvPr>
+            <p:cNvSpPr/>
+            <p:nvPr/>
+          </p:nvSpPr>
+          <p:spPr>
+            <a:xfrm>
+              <a:off x="2423270" y="6394251"/>
+              <a:ext cx="194048" cy="321708"/>
+            </a:xfrm>
+            <a:prstGeom prst="rect">
+              <a:avLst/>
+            </a:prstGeom>
+            <a:solidFill>
+              <a:schemeClr val="accent6">
+                <a:lumMod val="60000"/>
+                <a:lumOff val="40000"/>
+              </a:schemeClr>
+            </a:solidFill>
+            <a:ln>
+              <a:noFill/>
+            </a:ln>
+          </p:spPr>
+          <p:style>
+            <a:lnRef idx="2">
+              <a:schemeClr val="accent1">
+                <a:shade val="50000"/>
+              </a:schemeClr>
+            </a:lnRef>
+            <a:fillRef idx="1">
+              <a:schemeClr val="accent1"/>
+            </a:fillRef>
+            <a:effectRef idx="0">
+              <a:schemeClr val="accent1"/>
+            </a:effectRef>
+            <a:fontRef idx="minor">
+              <a:schemeClr val="lt1"/>
+            </a:fontRef>
+          </p:style>
+          <p:txBody>
+            <a:bodyPr rot="0" spcFirstLastPara="0" vertOverflow="overflow" horzOverflow="overflow" vert="horz" wrap="square" lIns="91440" tIns="45721" rIns="91440" bIns="45721" numCol="1" spcCol="0" rtlCol="0" fromWordArt="0" anchor="ctr" anchorCtr="0" forceAA="0" compatLnSpc="1">
+              <a:prstTxWarp prst="textNoShape">
+                <a:avLst/>
+              </a:prstTxWarp>
+              <a:noAutofit/>
+            </a:bodyPr>
+            <a:lstStyle/>
+            <a:p>
+              <a:pPr algn="ctr"/>
+              <a:endParaRPr lang="nb-NO" sz="1801"/>
+            </a:p>
+          </p:txBody>
+        </p:sp>
+        <p:cxnSp>
+          <p:nvCxnSpPr>
+            <p:cNvPr id="51" name="Rett pilkobling 50">
+              <a:extLst>
+                <a:ext uri="{FF2B5EF4-FFF2-40B4-BE49-F238E27FC236}">
+                  <a16:creationId xmlns:a16="http://schemas.microsoft.com/office/drawing/2014/main" id="{A2DAEAF5-F189-46BB-A4D0-1E694DFBF460}"/>
+                </a:ext>
+              </a:extLst>
+            </p:cNvPr>
+            <p:cNvCxnSpPr>
+              <a:cxnSpLocks/>
+              <a:stCxn id="48" idx="1"/>
+              <a:endCxn id="50" idx="3"/>
+            </p:cNvCxnSpPr>
+            <p:nvPr/>
+          </p:nvCxnSpPr>
+          <p:spPr>
+            <a:xfrm flipH="1">
+              <a:off x="2617318" y="6555105"/>
+              <a:ext cx="3099490" cy="0"/>
+            </a:xfrm>
+            <a:prstGeom prst="straightConnector1">
+              <a:avLst/>
+            </a:prstGeom>
+            <a:ln w="19050">
               <a:solidFill>
-                <a:schemeClr val="accent6">
-                  <a:lumMod val="60000"/>
-                  <a:lumOff val="40000"/>
+                <a:schemeClr val="tx1">
+                  <a:lumMod val="75000"/>
+                  <a:lumOff val="25000"/>
                 </a:schemeClr>
               </a:solidFill>
-              <a:ln>
-                <a:noFill/>
-              </a:ln>
-            </p:spPr>
-            <p:style>
-              <a:lnRef idx="2">
-                <a:schemeClr val="accent1">
-                  <a:shade val="50000"/>
-                </a:schemeClr>
-              </a:lnRef>
-              <a:fillRef idx="1">
-                <a:schemeClr val="accent1"/>
-              </a:fillRef>
-              <a:effectRef idx="0">
-                <a:schemeClr val="accent1"/>
-              </a:effectRef>
-              <a:fontRef idx="minor">
-                <a:schemeClr val="lt1"/>
-              </a:fontRef>
-            </p:style>
-            <p:txBody>
-              <a:bodyPr rot="0" spcFirstLastPara="0" vertOverflow="overflow" horzOverflow="overflow" vert="horz" wrap="square" lIns="91440" tIns="45721" rIns="91440" bIns="45721" numCol="1" spcCol="0" rtlCol="0" fromWordArt="0" anchor="ctr" anchorCtr="0" forceAA="0" compatLnSpc="1">
-                <a:prstTxWarp prst="textNoShape">
-                  <a:avLst/>
-                </a:prstTxWarp>
-                <a:noAutofit/>
-              </a:bodyPr>
-              <a:lstStyle/>
-              <a:p>
-                <a:pPr algn="ctr"/>
-                <a:endParaRPr lang="nb-NO" sz="1801"/>
-              </a:p>
-            </p:txBody>
-          </p:sp>
-          <p:sp>
-            <p:nvSpPr>
-              <p:cNvPr id="91" name="Rektangel 90">
-                <a:extLst>
-                  <a:ext uri="{FF2B5EF4-FFF2-40B4-BE49-F238E27FC236}">
-                    <a16:creationId xmlns:a16="http://schemas.microsoft.com/office/drawing/2014/main" id="{C07AB7EC-F872-47EC-8397-ABB266A09ED6}"/>
-                  </a:ext>
-                </a:extLst>
-              </p:cNvPr>
-              <p:cNvSpPr/>
-              <p:nvPr/>
-            </p:nvSpPr>
-            <p:spPr>
-              <a:xfrm>
-                <a:off x="2429622" y="5062747"/>
-                <a:ext cx="194048" cy="321708"/>
-              </a:xfrm>
-              <a:prstGeom prst="rect">
-                <a:avLst/>
-              </a:prstGeom>
-              <a:solidFill>
-                <a:schemeClr val="accent6">
-                  <a:lumMod val="60000"/>
-                  <a:lumOff val="40000"/>
-                </a:schemeClr>
-              </a:solidFill>
-              <a:ln>
-                <a:noFill/>
-              </a:ln>
-            </p:spPr>
-            <p:style>
-              <a:lnRef idx="2">
-                <a:schemeClr val="accent1">
-                  <a:shade val="50000"/>
-                </a:schemeClr>
-              </a:lnRef>
-              <a:fillRef idx="1">
-                <a:schemeClr val="accent1"/>
-              </a:fillRef>
-              <a:effectRef idx="0">
-                <a:schemeClr val="accent1"/>
-              </a:effectRef>
-              <a:fontRef idx="minor">
-                <a:schemeClr val="lt1"/>
-              </a:fontRef>
-            </p:style>
-            <p:txBody>
-              <a:bodyPr rot="0" spcFirstLastPara="0" vertOverflow="overflow" horzOverflow="overflow" vert="horz" wrap="square" lIns="91440" tIns="45721" rIns="91440" bIns="45721" numCol="1" spcCol="0" rtlCol="0" fromWordArt="0" anchor="ctr" anchorCtr="0" forceAA="0" compatLnSpc="1">
-                <a:prstTxWarp prst="textNoShape">
-                  <a:avLst/>
-                </a:prstTxWarp>
-                <a:noAutofit/>
-              </a:bodyPr>
-              <a:lstStyle/>
-              <a:p>
-                <a:pPr algn="ctr"/>
-                <a:endParaRPr lang="nb-NO" sz="1801"/>
-              </a:p>
-            </p:txBody>
-          </p:sp>
-          <p:cxnSp>
-            <p:nvCxnSpPr>
-              <p:cNvPr id="92" name="Rett pilkobling 91">
-                <a:extLst>
-                  <a:ext uri="{FF2B5EF4-FFF2-40B4-BE49-F238E27FC236}">
-                    <a16:creationId xmlns:a16="http://schemas.microsoft.com/office/drawing/2014/main" id="{9CD2BBF5-129B-42F0-945B-1A7470872E7B}"/>
-                  </a:ext>
-                </a:extLst>
-              </p:cNvPr>
-              <p:cNvCxnSpPr>
-                <a:cxnSpLocks/>
-                <a:stCxn id="90" idx="1"/>
-                <a:endCxn id="91" idx="3"/>
-              </p:cNvCxnSpPr>
-              <p:nvPr/>
-            </p:nvCxnSpPr>
-            <p:spPr>
-              <a:xfrm flipH="1">
-                <a:off x="2623670" y="5223601"/>
-                <a:ext cx="3099490" cy="0"/>
-              </a:xfrm>
-              <a:prstGeom prst="straightConnector1">
-                <a:avLst/>
-              </a:prstGeom>
-              <a:ln w="19050">
-                <a:solidFill>
-                  <a:schemeClr val="tx1">
-                    <a:lumMod val="75000"/>
-                    <a:lumOff val="25000"/>
-                  </a:schemeClr>
-                </a:solidFill>
-                <a:tailEnd type="triangle"/>
-              </a:ln>
-            </p:spPr>
-            <p:style>
-              <a:lnRef idx="1">
-                <a:schemeClr val="accent1"/>
-              </a:lnRef>
-              <a:fillRef idx="0">
-                <a:schemeClr val="accent1"/>
-              </a:fillRef>
-              <a:effectRef idx="0">
-                <a:schemeClr val="accent1"/>
-              </a:effectRef>
-              <a:fontRef idx="minor">
-                <a:schemeClr val="tx1"/>
-              </a:fontRef>
-            </p:style>
-          </p:cxnSp>
-          <p:sp>
-            <p:nvSpPr>
-              <p:cNvPr id="93" name="TekstSylinder 92">
-                <a:extLst>
-                  <a:ext uri="{FF2B5EF4-FFF2-40B4-BE49-F238E27FC236}">
-                    <a16:creationId xmlns:a16="http://schemas.microsoft.com/office/drawing/2014/main" id="{8B32C98A-65CB-4B51-B045-F867805ACF06}"/>
-                  </a:ext>
-                </a:extLst>
-              </p:cNvPr>
-              <p:cNvSpPr txBox="1"/>
-              <p:nvPr/>
-            </p:nvSpPr>
-            <p:spPr>
-              <a:xfrm>
-                <a:off x="3475277" y="4819072"/>
-                <a:ext cx="1388247" cy="400110"/>
-              </a:xfrm>
-              <a:prstGeom prst="rect">
-                <a:avLst/>
-              </a:prstGeom>
-              <a:noFill/>
-            </p:spPr>
-            <p:txBody>
-              <a:bodyPr wrap="square" rtlCol="0">
-                <a:spAutoFit/>
-              </a:bodyPr>
-              <a:lstStyle/>
-              <a:p>
-                <a:pPr algn="ctr"/>
-                <a:r>
-                  <a:rPr lang="en-US" sz="1000" dirty="0">
-                    <a:latin typeface="Consolas" panose="020B0609020204030204" pitchFamily="49" charset="0"/>
-                  </a:rPr>
-                  <a:t>TRANSACTION--query--COMMIT</a:t>
-                </a:r>
-                <a:endParaRPr lang="en-US" sz="1000" i="1" dirty="0">
+              <a:tailEnd type="triangle"/>
+            </a:ln>
+          </p:spPr>
+          <p:style>
+            <a:lnRef idx="1">
+              <a:schemeClr val="accent1"/>
+            </a:lnRef>
+            <a:fillRef idx="0">
+              <a:schemeClr val="accent1"/>
+            </a:fillRef>
+            <a:effectRef idx="0">
+              <a:schemeClr val="accent1"/>
+            </a:effectRef>
+            <a:fontRef idx="minor">
+              <a:schemeClr val="tx1"/>
+            </a:fontRef>
+          </p:style>
+        </p:cxnSp>
+        <p:sp>
+          <p:nvSpPr>
+            <p:cNvPr id="52" name="TekstSylinder 51">
+              <a:extLst>
+                <a:ext uri="{FF2B5EF4-FFF2-40B4-BE49-F238E27FC236}">
+                  <a16:creationId xmlns:a16="http://schemas.microsoft.com/office/drawing/2014/main" id="{BF30B86B-41D8-4B09-963D-F5EEC0567570}"/>
+                </a:ext>
+              </a:extLst>
+            </p:cNvPr>
+            <p:cNvSpPr txBox="1"/>
+            <p:nvPr/>
+          </p:nvSpPr>
+          <p:spPr>
+            <a:xfrm>
+              <a:off x="3164809" y="6286949"/>
+              <a:ext cx="2069112" cy="246221"/>
+            </a:xfrm>
+            <a:prstGeom prst="rect">
+              <a:avLst/>
+            </a:prstGeom>
+            <a:noFill/>
+          </p:spPr>
+          <p:txBody>
+            <a:bodyPr wrap="square" rtlCol="0">
+              <a:spAutoFit/>
+            </a:bodyPr>
+            <a:lstStyle/>
+            <a:p>
+              <a:pPr algn="ctr"/>
+              <a:r>
+                <a:rPr lang="en-US" sz="1000" dirty="0">
                   <a:latin typeface="Consolas" panose="020B0609020204030204" pitchFamily="49" charset="0"/>
-                </a:endParaRPr>
-              </a:p>
-            </p:txBody>
-          </p:sp>
-          <p:sp>
-            <p:nvSpPr>
-              <p:cNvPr id="97" name="Rektangel 96">
-                <a:extLst>
-                  <a:ext uri="{FF2B5EF4-FFF2-40B4-BE49-F238E27FC236}">
-                    <a16:creationId xmlns:a16="http://schemas.microsoft.com/office/drawing/2014/main" id="{53D67232-385D-4E34-AAC4-8B829681E3FE}"/>
-                  </a:ext>
-                </a:extLst>
-              </p:cNvPr>
-              <p:cNvSpPr/>
-              <p:nvPr/>
-            </p:nvSpPr>
-            <p:spPr>
-              <a:xfrm>
-                <a:off x="5716808" y="5705280"/>
-                <a:ext cx="194048" cy="321708"/>
-              </a:xfrm>
-              <a:prstGeom prst="rect">
-                <a:avLst/>
-              </a:prstGeom>
-              <a:solidFill>
-                <a:schemeClr val="accent6">
-                  <a:lumMod val="60000"/>
-                  <a:lumOff val="40000"/>
-                </a:schemeClr>
-              </a:solidFill>
-              <a:ln>
-                <a:noFill/>
-              </a:ln>
-            </p:spPr>
-            <p:style>
-              <a:lnRef idx="2">
-                <a:schemeClr val="accent1">
-                  <a:shade val="50000"/>
-                </a:schemeClr>
-              </a:lnRef>
-              <a:fillRef idx="1">
-                <a:schemeClr val="accent1"/>
-              </a:fillRef>
-              <a:effectRef idx="0">
-                <a:schemeClr val="accent1"/>
-              </a:effectRef>
-              <a:fontRef idx="minor">
-                <a:schemeClr val="lt1"/>
-              </a:fontRef>
-            </p:style>
-            <p:txBody>
-              <a:bodyPr rot="0" spcFirstLastPara="0" vertOverflow="overflow" horzOverflow="overflow" vert="horz" wrap="square" lIns="91440" tIns="45721" rIns="91440" bIns="45721" numCol="1" spcCol="0" rtlCol="0" fromWordArt="0" anchor="ctr" anchorCtr="0" forceAA="0" compatLnSpc="1">
-                <a:prstTxWarp prst="textNoShape">
-                  <a:avLst/>
-                </a:prstTxWarp>
-                <a:noAutofit/>
-              </a:bodyPr>
-              <a:lstStyle/>
-              <a:p>
-                <a:pPr algn="ctr"/>
-                <a:endParaRPr lang="nb-NO" sz="1801"/>
-              </a:p>
-            </p:txBody>
-          </p:sp>
-          <p:sp>
-            <p:nvSpPr>
-              <p:cNvPr id="98" name="Rektangel 97">
-                <a:extLst>
-                  <a:ext uri="{FF2B5EF4-FFF2-40B4-BE49-F238E27FC236}">
-                    <a16:creationId xmlns:a16="http://schemas.microsoft.com/office/drawing/2014/main" id="{A9E1BCDC-A82A-469B-9FFC-8E1341196E15}"/>
-                  </a:ext>
-                </a:extLst>
-              </p:cNvPr>
-              <p:cNvSpPr/>
-              <p:nvPr/>
-            </p:nvSpPr>
-            <p:spPr>
-              <a:xfrm>
-                <a:off x="2423270" y="5705280"/>
-                <a:ext cx="194048" cy="321708"/>
-              </a:xfrm>
-              <a:prstGeom prst="rect">
-                <a:avLst/>
-              </a:prstGeom>
-              <a:solidFill>
-                <a:schemeClr val="accent6">
-                  <a:lumMod val="60000"/>
-                  <a:lumOff val="40000"/>
-                </a:schemeClr>
-              </a:solidFill>
-              <a:ln>
-                <a:noFill/>
-              </a:ln>
-            </p:spPr>
-            <p:style>
-              <a:lnRef idx="2">
-                <a:schemeClr val="accent1">
-                  <a:shade val="50000"/>
-                </a:schemeClr>
-              </a:lnRef>
-              <a:fillRef idx="1">
-                <a:schemeClr val="accent1"/>
-              </a:fillRef>
-              <a:effectRef idx="0">
-                <a:schemeClr val="accent1"/>
-              </a:effectRef>
-              <a:fontRef idx="minor">
-                <a:schemeClr val="lt1"/>
-              </a:fontRef>
-            </p:style>
-            <p:txBody>
-              <a:bodyPr rot="0" spcFirstLastPara="0" vertOverflow="overflow" horzOverflow="overflow" vert="horz" wrap="square" lIns="91440" tIns="45721" rIns="91440" bIns="45721" numCol="1" spcCol="0" rtlCol="0" fromWordArt="0" anchor="ctr" anchorCtr="0" forceAA="0" compatLnSpc="1">
-                <a:prstTxWarp prst="textNoShape">
-                  <a:avLst/>
-                </a:prstTxWarp>
-                <a:noAutofit/>
-              </a:bodyPr>
-              <a:lstStyle/>
-              <a:p>
-                <a:pPr algn="ctr"/>
-                <a:endParaRPr lang="nb-NO" sz="1801"/>
-              </a:p>
-            </p:txBody>
-          </p:sp>
-          <p:cxnSp>
-            <p:nvCxnSpPr>
-              <p:cNvPr id="99" name="Rett pilkobling 98">
-                <a:extLst>
-                  <a:ext uri="{FF2B5EF4-FFF2-40B4-BE49-F238E27FC236}">
-                    <a16:creationId xmlns:a16="http://schemas.microsoft.com/office/drawing/2014/main" id="{1301264A-C80C-4D38-B8C7-C445BDECF17E}"/>
-                  </a:ext>
-                </a:extLst>
-              </p:cNvPr>
-              <p:cNvCxnSpPr>
-                <a:cxnSpLocks/>
-                <a:stCxn id="98" idx="3"/>
-                <a:endCxn id="97" idx="1"/>
-              </p:cNvCxnSpPr>
-              <p:nvPr/>
-            </p:nvCxnSpPr>
-            <p:spPr>
-              <a:xfrm>
-                <a:off x="2617318" y="5866134"/>
-                <a:ext cx="3099490" cy="0"/>
-              </a:xfrm>
-              <a:prstGeom prst="straightConnector1">
-                <a:avLst/>
-              </a:prstGeom>
-              <a:ln w="19050">
-                <a:solidFill>
-                  <a:schemeClr val="tx1">
-                    <a:lumMod val="75000"/>
-                    <a:lumOff val="25000"/>
-                  </a:schemeClr>
-                </a:solidFill>
-                <a:tailEnd type="triangle"/>
-              </a:ln>
-            </p:spPr>
-            <p:style>
-              <a:lnRef idx="1">
-                <a:schemeClr val="accent1"/>
-              </a:lnRef>
-              <a:fillRef idx="0">
-                <a:schemeClr val="accent1"/>
-              </a:fillRef>
-              <a:effectRef idx="0">
-                <a:schemeClr val="accent1"/>
-              </a:effectRef>
-              <a:fontRef idx="minor">
-                <a:schemeClr val="tx1"/>
-              </a:fontRef>
-            </p:style>
-          </p:cxnSp>
-          <p:sp>
-            <p:nvSpPr>
-              <p:cNvPr id="100" name="TekstSylinder 99">
-                <a:extLst>
-                  <a:ext uri="{FF2B5EF4-FFF2-40B4-BE49-F238E27FC236}">
-                    <a16:creationId xmlns:a16="http://schemas.microsoft.com/office/drawing/2014/main" id="{4D2C1A66-2021-4957-B8A1-A3C33351C515}"/>
-                  </a:ext>
-                </a:extLst>
-              </p:cNvPr>
-              <p:cNvSpPr txBox="1"/>
-              <p:nvPr/>
-            </p:nvSpPr>
-            <p:spPr>
-              <a:xfrm>
-                <a:off x="3472939" y="5615493"/>
-                <a:ext cx="1388247" cy="246221"/>
-              </a:xfrm>
-              <a:prstGeom prst="rect">
-                <a:avLst/>
-              </a:prstGeom>
-              <a:noFill/>
-            </p:spPr>
-            <p:txBody>
-              <a:bodyPr wrap="square" rtlCol="0">
-                <a:spAutoFit/>
-              </a:bodyPr>
-              <a:lstStyle/>
-              <a:p>
-                <a:pPr algn="ctr"/>
-                <a:r>
-                  <a:rPr lang="en-US" sz="1000" dirty="0">
-                    <a:latin typeface="Consolas" panose="020B0609020204030204" pitchFamily="49" charset="0"/>
-                  </a:rPr>
-                  <a:t>COMMITTED</a:t>
-                </a:r>
-              </a:p>
-            </p:txBody>
-          </p:sp>
-        </p:grpSp>
+                </a:rPr>
+                <a:t>TRANSACTION--</a:t>
+              </a:r>
+              <a:r>
+                <a:rPr lang="en-US" sz="1000" i="1" dirty="0">
+                  <a:latin typeface="Consolas" panose="020B0609020204030204" pitchFamily="49" charset="0"/>
+                </a:rPr>
+                <a:t>query</a:t>
+              </a:r>
+              <a:r>
+                <a:rPr lang="en-US" sz="1000" dirty="0">
+                  <a:latin typeface="Consolas" panose="020B0609020204030204" pitchFamily="49" charset="0"/>
+                </a:rPr>
+                <a:t>--SUCCESS</a:t>
+              </a:r>
+            </a:p>
+          </p:txBody>
+        </p:sp>
       </p:grpSp>
     </p:spTree>
     <p:extLst>

--- a/documentation/figures/tpcp.pptx
+++ b/documentation/figures/tpcp.pptx
@@ -6,6 +6,8 @@
   </p:sldMasterIdLst>
   <p:sldIdLst>
     <p:sldId id="256" r:id="rId2"/>
+    <p:sldId id="257" r:id="rId3"/>
+    <p:sldId id="258" r:id="rId4"/>
   </p:sldIdLst>
   <p:sldSz cx="12192000" cy="6858000"/>
   <p:notesSz cx="6858000" cy="9144000"/>
@@ -259,7 +261,7 @@
           <a:p>
             <a:fld id="{8638525D-337E-4D4A-BB33-AFBDCCEFF2CC}" type="datetimeFigureOut">
               <a:rPr lang="nb-NO" smtClean="0"/>
-              <a:t>19.04.2020</a:t>
+              <a:t>21.04.2020</a:t>
             </a:fld>
             <a:endParaRPr lang="nb-NO"/>
           </a:p>
@@ -457,7 +459,7 @@
           <a:p>
             <a:fld id="{8638525D-337E-4D4A-BB33-AFBDCCEFF2CC}" type="datetimeFigureOut">
               <a:rPr lang="nb-NO" smtClean="0"/>
-              <a:t>19.04.2020</a:t>
+              <a:t>21.04.2020</a:t>
             </a:fld>
             <a:endParaRPr lang="nb-NO"/>
           </a:p>
@@ -665,7 +667,7 @@
           <a:p>
             <a:fld id="{8638525D-337E-4D4A-BB33-AFBDCCEFF2CC}" type="datetimeFigureOut">
               <a:rPr lang="nb-NO" smtClean="0"/>
-              <a:t>19.04.2020</a:t>
+              <a:t>21.04.2020</a:t>
             </a:fld>
             <a:endParaRPr lang="nb-NO"/>
           </a:p>
@@ -863,7 +865,7 @@
           <a:p>
             <a:fld id="{8638525D-337E-4D4A-BB33-AFBDCCEFF2CC}" type="datetimeFigureOut">
               <a:rPr lang="nb-NO" smtClean="0"/>
-              <a:t>19.04.2020</a:t>
+              <a:t>21.04.2020</a:t>
             </a:fld>
             <a:endParaRPr lang="nb-NO"/>
           </a:p>
@@ -1138,7 +1140,7 @@
           <a:p>
             <a:fld id="{8638525D-337E-4D4A-BB33-AFBDCCEFF2CC}" type="datetimeFigureOut">
               <a:rPr lang="nb-NO" smtClean="0"/>
-              <a:t>19.04.2020</a:t>
+              <a:t>21.04.2020</a:t>
             </a:fld>
             <a:endParaRPr lang="nb-NO"/>
           </a:p>
@@ -1403,7 +1405,7 @@
           <a:p>
             <a:fld id="{8638525D-337E-4D4A-BB33-AFBDCCEFF2CC}" type="datetimeFigureOut">
               <a:rPr lang="nb-NO" smtClean="0"/>
-              <a:t>19.04.2020</a:t>
+              <a:t>21.04.2020</a:t>
             </a:fld>
             <a:endParaRPr lang="nb-NO"/>
           </a:p>
@@ -1815,7 +1817,7 @@
           <a:p>
             <a:fld id="{8638525D-337E-4D4A-BB33-AFBDCCEFF2CC}" type="datetimeFigureOut">
               <a:rPr lang="nb-NO" smtClean="0"/>
-              <a:t>19.04.2020</a:t>
+              <a:t>21.04.2020</a:t>
             </a:fld>
             <a:endParaRPr lang="nb-NO"/>
           </a:p>
@@ -1956,7 +1958,7 @@
           <a:p>
             <a:fld id="{8638525D-337E-4D4A-BB33-AFBDCCEFF2CC}" type="datetimeFigureOut">
               <a:rPr lang="nb-NO" smtClean="0"/>
-              <a:t>19.04.2020</a:t>
+              <a:t>21.04.2020</a:t>
             </a:fld>
             <a:endParaRPr lang="nb-NO"/>
           </a:p>
@@ -2069,7 +2071,7 @@
           <a:p>
             <a:fld id="{8638525D-337E-4D4A-BB33-AFBDCCEFF2CC}" type="datetimeFigureOut">
               <a:rPr lang="nb-NO" smtClean="0"/>
-              <a:t>19.04.2020</a:t>
+              <a:t>21.04.2020</a:t>
             </a:fld>
             <a:endParaRPr lang="nb-NO"/>
           </a:p>
@@ -2380,7 +2382,7 @@
           <a:p>
             <a:fld id="{8638525D-337E-4D4A-BB33-AFBDCCEFF2CC}" type="datetimeFigureOut">
               <a:rPr lang="nb-NO" smtClean="0"/>
-              <a:t>19.04.2020</a:t>
+              <a:t>21.04.2020</a:t>
             </a:fld>
             <a:endParaRPr lang="nb-NO"/>
           </a:p>
@@ -2668,7 +2670,7 @@
           <a:p>
             <a:fld id="{8638525D-337E-4D4A-BB33-AFBDCCEFF2CC}" type="datetimeFigureOut">
               <a:rPr lang="nb-NO" smtClean="0"/>
-              <a:t>19.04.2020</a:t>
+              <a:t>21.04.2020</a:t>
             </a:fld>
             <a:endParaRPr lang="nb-NO"/>
           </a:p>
@@ -2909,7 +2911,7 @@
           <a:p>
             <a:fld id="{8638525D-337E-4D4A-BB33-AFBDCCEFF2CC}" type="datetimeFigureOut">
               <a:rPr lang="nb-NO" smtClean="0"/>
-              <a:t>19.04.2020</a:t>
+              <a:t>21.04.2020</a:t>
             </a:fld>
             <a:endParaRPr lang="nb-NO"/>
           </a:p>
@@ -5743,6 +5745,4031 @@
 </p:sld>
 </file>
 
+<file path=ppt/slides/slide2.xml><?xml version="1.0" encoding="utf-8"?>
+<p:sld xmlns:a="http://schemas.openxmlformats.org/drawingml/2006/main" xmlns:r="http://schemas.openxmlformats.org/officeDocument/2006/relationships" xmlns:p="http://schemas.openxmlformats.org/presentationml/2006/main">
+  <p:cSld>
+    <p:spTree>
+      <p:nvGrpSpPr>
+        <p:cNvPr id="1" name=""/>
+        <p:cNvGrpSpPr/>
+        <p:nvPr/>
+      </p:nvGrpSpPr>
+      <p:grpSpPr>
+        <a:xfrm>
+          <a:off x="0" y="0"/>
+          <a:ext cx="0" cy="0"/>
+          <a:chOff x="0" y="0"/>
+          <a:chExt cx="0" cy="0"/>
+        </a:xfrm>
+      </p:grpSpPr>
+      <p:grpSp>
+        <p:nvGrpSpPr>
+          <p:cNvPr id="52" name="Gruppe 51">
+            <a:extLst>
+              <a:ext uri="{FF2B5EF4-FFF2-40B4-BE49-F238E27FC236}">
+                <a16:creationId xmlns:a16="http://schemas.microsoft.com/office/drawing/2014/main" id="{11A0F111-8201-4012-BC87-81C21BD19F4C}"/>
+              </a:ext>
+            </a:extLst>
+          </p:cNvPr>
+          <p:cNvGrpSpPr/>
+          <p:nvPr/>
+        </p:nvGrpSpPr>
+        <p:grpSpPr>
+          <a:xfrm>
+            <a:off x="1885938" y="330200"/>
+            <a:ext cx="4626855" cy="5623602"/>
+            <a:chOff x="1885938" y="330200"/>
+            <a:chExt cx="4626855" cy="5623602"/>
+          </a:xfrm>
+        </p:grpSpPr>
+        <p:grpSp>
+          <p:nvGrpSpPr>
+            <p:cNvPr id="53" name="Gruppe 52">
+              <a:extLst>
+                <a:ext uri="{FF2B5EF4-FFF2-40B4-BE49-F238E27FC236}">
+                  <a16:creationId xmlns:a16="http://schemas.microsoft.com/office/drawing/2014/main" id="{AB007DA3-DB20-4284-8577-F7DD2AB25C23}"/>
+                </a:ext>
+              </a:extLst>
+            </p:cNvPr>
+            <p:cNvGrpSpPr/>
+            <p:nvPr/>
+          </p:nvGrpSpPr>
+          <p:grpSpPr>
+            <a:xfrm>
+              <a:off x="1885938" y="330200"/>
+              <a:ext cx="4626855" cy="5623602"/>
+              <a:chOff x="1885938" y="330200"/>
+              <a:chExt cx="4626855" cy="5623602"/>
+            </a:xfrm>
+          </p:grpSpPr>
+          <p:sp>
+            <p:nvSpPr>
+              <p:cNvPr id="58" name="Rektangel 57">
+                <a:extLst>
+                  <a:ext uri="{FF2B5EF4-FFF2-40B4-BE49-F238E27FC236}">
+                    <a16:creationId xmlns:a16="http://schemas.microsoft.com/office/drawing/2014/main" id="{93A0EF97-BC05-47A6-90DB-53FB95500329}"/>
+                  </a:ext>
+                </a:extLst>
+              </p:cNvPr>
+              <p:cNvSpPr/>
+              <p:nvPr/>
+            </p:nvSpPr>
+            <p:spPr>
+              <a:xfrm>
+                <a:off x="1885938" y="330200"/>
+                <a:ext cx="4626855" cy="5623602"/>
+              </a:xfrm>
+              <a:prstGeom prst="rect">
+                <a:avLst/>
+              </a:prstGeom>
+              <a:solidFill>
+                <a:srgbClr val="FBFBFB"/>
+              </a:solidFill>
+              <a:ln>
+                <a:noFill/>
+              </a:ln>
+            </p:spPr>
+            <p:style>
+              <a:lnRef idx="2">
+                <a:schemeClr val="accent1">
+                  <a:shade val="50000"/>
+                </a:schemeClr>
+              </a:lnRef>
+              <a:fillRef idx="1">
+                <a:schemeClr val="accent1"/>
+              </a:fillRef>
+              <a:effectRef idx="0">
+                <a:schemeClr val="accent1"/>
+              </a:effectRef>
+              <a:fontRef idx="minor">
+                <a:schemeClr val="lt1"/>
+              </a:fontRef>
+            </p:style>
+            <p:txBody>
+              <a:bodyPr rot="0" spcFirstLastPara="0" vertOverflow="overflow" horzOverflow="overflow" vert="horz" wrap="square" lIns="91440" tIns="45721" rIns="91440" bIns="45721" numCol="1" spcCol="0" rtlCol="0" fromWordArt="0" anchor="ctr" anchorCtr="0" forceAA="0" compatLnSpc="1">
+                <a:prstTxWarp prst="textNoShape">
+                  <a:avLst/>
+                </a:prstTxWarp>
+                <a:noAutofit/>
+              </a:bodyPr>
+              <a:lstStyle/>
+              <a:p>
+                <a:pPr algn="ctr"/>
+                <a:endParaRPr lang="nb-NO" sz="1801"/>
+              </a:p>
+            </p:txBody>
+          </p:sp>
+          <p:grpSp>
+            <p:nvGrpSpPr>
+              <p:cNvPr id="59" name="Gruppe 58">
+                <a:extLst>
+                  <a:ext uri="{FF2B5EF4-FFF2-40B4-BE49-F238E27FC236}">
+                    <a16:creationId xmlns:a16="http://schemas.microsoft.com/office/drawing/2014/main" id="{A32CD286-ECC9-4009-92F1-32DF5F706F36}"/>
+                  </a:ext>
+                </a:extLst>
+              </p:cNvPr>
+              <p:cNvGrpSpPr/>
+              <p:nvPr/>
+            </p:nvGrpSpPr>
+            <p:grpSpPr>
+              <a:xfrm>
+                <a:off x="1968266" y="447135"/>
+                <a:ext cx="4516330" cy="5394644"/>
+                <a:chOff x="1968266" y="447135"/>
+                <a:chExt cx="4516330" cy="5394644"/>
+              </a:xfrm>
+            </p:grpSpPr>
+            <p:grpSp>
+              <p:nvGrpSpPr>
+                <p:cNvPr id="60" name="Gruppe 59">
+                  <a:extLst>
+                    <a:ext uri="{FF2B5EF4-FFF2-40B4-BE49-F238E27FC236}">
+                      <a16:creationId xmlns:a16="http://schemas.microsoft.com/office/drawing/2014/main" id="{3139C590-72CE-4988-98A6-7FF76E16D3F4}"/>
+                    </a:ext>
+                  </a:extLst>
+                </p:cNvPr>
+                <p:cNvGrpSpPr/>
+                <p:nvPr/>
+              </p:nvGrpSpPr>
+              <p:grpSpPr>
+                <a:xfrm>
+                  <a:off x="2029598" y="3375888"/>
+                  <a:ext cx="4297242" cy="1925072"/>
+                  <a:chOff x="7459730" y="1973223"/>
+                  <a:chExt cx="3632708" cy="1925072"/>
+                </a:xfrm>
+              </p:grpSpPr>
+              <p:grpSp>
+                <p:nvGrpSpPr>
+                  <p:cNvPr id="96" name="Gruppe 95">
+                    <a:extLst>
+                      <a:ext uri="{FF2B5EF4-FFF2-40B4-BE49-F238E27FC236}">
+                        <a16:creationId xmlns:a16="http://schemas.microsoft.com/office/drawing/2014/main" id="{02C36E48-8D97-4583-BDC4-AD133302DE1B}"/>
+                      </a:ext>
+                    </a:extLst>
+                  </p:cNvPr>
+                  <p:cNvGrpSpPr/>
+                  <p:nvPr/>
+                </p:nvGrpSpPr>
+                <p:grpSpPr>
+                  <a:xfrm>
+                    <a:off x="7506629" y="2050718"/>
+                    <a:ext cx="3538910" cy="1847577"/>
+                    <a:chOff x="6587972" y="1850745"/>
+                    <a:chExt cx="3315390" cy="1847577"/>
+                  </a:xfrm>
+                </p:grpSpPr>
+                <p:sp>
+                  <p:nvSpPr>
+                    <p:cNvPr id="98" name="Rektangel 97">
+                      <a:extLst>
+                        <a:ext uri="{FF2B5EF4-FFF2-40B4-BE49-F238E27FC236}">
+                          <a16:creationId xmlns:a16="http://schemas.microsoft.com/office/drawing/2014/main" id="{D68AF63A-458B-405E-80F3-379CA9B782E1}"/>
+                        </a:ext>
+                      </a:extLst>
+                    </p:cNvPr>
+                    <p:cNvSpPr/>
+                    <p:nvPr/>
+                  </p:nvSpPr>
+                  <p:spPr>
+                    <a:xfrm>
+                      <a:off x="6587972" y="1850745"/>
+                      <a:ext cx="3315390" cy="1847577"/>
+                    </a:xfrm>
+                    <a:prstGeom prst="rect">
+                      <a:avLst/>
+                    </a:prstGeom>
+                    <a:noFill/>
+                    <a:ln>
+                      <a:solidFill>
+                        <a:schemeClr val="tx1"/>
+                      </a:solidFill>
+                      <a:prstDash val="dash"/>
+                    </a:ln>
+                  </p:spPr>
+                  <p:style>
+                    <a:lnRef idx="2">
+                      <a:schemeClr val="accent1">
+                        <a:shade val="50000"/>
+                      </a:schemeClr>
+                    </a:lnRef>
+                    <a:fillRef idx="1">
+                      <a:schemeClr val="accent1"/>
+                    </a:fillRef>
+                    <a:effectRef idx="0">
+                      <a:schemeClr val="accent1"/>
+                    </a:effectRef>
+                    <a:fontRef idx="minor">
+                      <a:schemeClr val="lt1"/>
+                    </a:fontRef>
+                  </p:style>
+                  <p:txBody>
+                    <a:bodyPr rot="0" spcFirstLastPara="0" vertOverflow="overflow" horzOverflow="overflow" vert="horz" wrap="square" lIns="91440" tIns="45721" rIns="91440" bIns="45721" numCol="1" spcCol="0" rtlCol="0" fromWordArt="0" anchor="ctr" anchorCtr="0" forceAA="0" compatLnSpc="1">
+                      <a:prstTxWarp prst="textNoShape">
+                        <a:avLst/>
+                      </a:prstTxWarp>
+                      <a:noAutofit/>
+                    </a:bodyPr>
+                    <a:lstStyle/>
+                    <a:p>
+                      <a:pPr algn="ctr"/>
+                      <a:endParaRPr lang="nb-NO" sz="1801"/>
+                    </a:p>
+                  </p:txBody>
+                </p:sp>
+                <p:sp>
+                  <p:nvSpPr>
+                    <p:cNvPr id="99" name="Rektangel 98">
+                      <a:extLst>
+                        <a:ext uri="{FF2B5EF4-FFF2-40B4-BE49-F238E27FC236}">
+                          <a16:creationId xmlns:a16="http://schemas.microsoft.com/office/drawing/2014/main" id="{52C376FF-F0CD-4FA2-A79F-4806442B405B}"/>
+                        </a:ext>
+                      </a:extLst>
+                    </p:cNvPr>
+                    <p:cNvSpPr/>
+                    <p:nvPr/>
+                  </p:nvSpPr>
+                  <p:spPr>
+                    <a:xfrm>
+                      <a:off x="6587972" y="1927818"/>
+                      <a:ext cx="3315390" cy="553998"/>
+                    </a:xfrm>
+                    <a:prstGeom prst="rect">
+                      <a:avLst/>
+                    </a:prstGeom>
+                  </p:spPr>
+                  <p:txBody>
+                    <a:bodyPr wrap="square">
+                      <a:spAutoFit/>
+                    </a:bodyPr>
+                    <a:lstStyle/>
+                    <a:p>
+                      <a:pPr algn="ctr"/>
+                      <a:r>
+                        <a:rPr lang="nb-NO" sz="2000" b="1" dirty="0">
+                          <a:solidFill>
+                            <a:schemeClr val="tx1">
+                              <a:lumMod val="85000"/>
+                              <a:lumOff val="15000"/>
+                            </a:schemeClr>
+                          </a:solidFill>
+                          <a:latin typeface="Consolas" panose="020B0609020204030204" pitchFamily="49" charset="0"/>
+                        </a:rPr>
+                        <a:t>Phase two</a:t>
+                      </a:r>
+                      <a:br>
+                        <a:rPr lang="nb-NO" sz="2000" b="1" dirty="0">
+                          <a:solidFill>
+                            <a:schemeClr val="tx1">
+                              <a:lumMod val="85000"/>
+                              <a:lumOff val="15000"/>
+                            </a:schemeClr>
+                          </a:solidFill>
+                          <a:latin typeface="Consolas" panose="020B0609020204030204" pitchFamily="49" charset="0"/>
+                        </a:rPr>
+                      </a:br>
+                      <a:r>
+                        <a:rPr lang="nb-NO" sz="900" b="1" dirty="0" err="1">
+                          <a:solidFill>
+                            <a:schemeClr val="tx1">
+                              <a:lumMod val="50000"/>
+                              <a:lumOff val="50000"/>
+                            </a:schemeClr>
+                          </a:solidFill>
+                          <a:latin typeface="Consolas" panose="020B0609020204030204" pitchFamily="49" charset="0"/>
+                        </a:rPr>
+                        <a:t>When</a:t>
+                      </a:r>
+                      <a:r>
+                        <a:rPr lang="nb-NO" sz="900" b="1" dirty="0">
+                          <a:solidFill>
+                            <a:schemeClr val="tx1">
+                              <a:lumMod val="50000"/>
+                              <a:lumOff val="50000"/>
+                            </a:schemeClr>
+                          </a:solidFill>
+                          <a:latin typeface="Consolas" panose="020B0609020204030204" pitchFamily="49" charset="0"/>
+                        </a:rPr>
+                        <a:t> </a:t>
+                      </a:r>
+                      <a:r>
+                        <a:rPr lang="nb-NO" sz="900" b="1" dirty="0" err="1">
+                          <a:solidFill>
+                            <a:schemeClr val="tx1">
+                              <a:lumMod val="50000"/>
+                              <a:lumOff val="50000"/>
+                            </a:schemeClr>
+                          </a:solidFill>
+                          <a:latin typeface="Consolas" panose="020B0609020204030204" pitchFamily="49" charset="0"/>
+                        </a:rPr>
+                        <a:t>another</a:t>
+                      </a:r>
+                      <a:r>
+                        <a:rPr lang="nb-NO" sz="900" b="1" dirty="0">
+                          <a:solidFill>
+                            <a:schemeClr val="tx1">
+                              <a:lumMod val="50000"/>
+                              <a:lumOff val="50000"/>
+                            </a:schemeClr>
+                          </a:solidFill>
+                          <a:latin typeface="Consolas" panose="020B0609020204030204" pitchFamily="49" charset="0"/>
+                        </a:rPr>
+                        <a:t> </a:t>
+                      </a:r>
+                      <a:r>
+                        <a:rPr lang="nb-NO" sz="900" b="1" dirty="0" err="1">
+                          <a:solidFill>
+                            <a:schemeClr val="tx1">
+                              <a:lumMod val="50000"/>
+                              <a:lumOff val="50000"/>
+                            </a:schemeClr>
+                          </a:solidFill>
+                          <a:latin typeface="Consolas" panose="020B0609020204030204" pitchFamily="49" charset="0"/>
+                        </a:rPr>
+                        <a:t>participant</a:t>
+                      </a:r>
+                      <a:r>
+                        <a:rPr lang="nb-NO" sz="900" b="1" dirty="0">
+                          <a:solidFill>
+                            <a:schemeClr val="tx1">
+                              <a:lumMod val="50000"/>
+                              <a:lumOff val="50000"/>
+                            </a:schemeClr>
+                          </a:solidFill>
+                          <a:latin typeface="Consolas" panose="020B0609020204030204" pitchFamily="49" charset="0"/>
+                        </a:rPr>
+                        <a:t> </a:t>
+                      </a:r>
+                      <a:r>
+                        <a:rPr lang="nb-NO" sz="900" b="1" dirty="0" err="1">
+                          <a:solidFill>
+                            <a:schemeClr val="tx1">
+                              <a:lumMod val="50000"/>
+                              <a:lumOff val="50000"/>
+                            </a:schemeClr>
+                          </a:solidFill>
+                          <a:latin typeface="Consolas" panose="020B0609020204030204" pitchFamily="49" charset="0"/>
+                        </a:rPr>
+                        <a:t>answers</a:t>
+                      </a:r>
+                      <a:r>
+                        <a:rPr lang="nb-NO" sz="900" b="1" dirty="0">
+                          <a:solidFill>
+                            <a:schemeClr val="tx1">
+                              <a:lumMod val="50000"/>
+                              <a:lumOff val="50000"/>
+                            </a:schemeClr>
+                          </a:solidFill>
+                          <a:latin typeface="Consolas" panose="020B0609020204030204" pitchFamily="49" charset="0"/>
+                        </a:rPr>
+                        <a:t> NO</a:t>
+                      </a:r>
+                      <a:endParaRPr lang="nb-NO" sz="2000" dirty="0">
+                        <a:solidFill>
+                          <a:schemeClr val="tx1">
+                            <a:lumMod val="50000"/>
+                            <a:lumOff val="50000"/>
+                          </a:schemeClr>
+                        </a:solidFill>
+                        <a:latin typeface="Consolas" panose="020B0609020204030204" pitchFamily="49" charset="0"/>
+                      </a:endParaRPr>
+                    </a:p>
+                  </p:txBody>
+                </p:sp>
+              </p:grpSp>
+              <p:sp>
+                <p:nvSpPr>
+                  <p:cNvPr id="97" name="Rektangel 96">
+                    <a:extLst>
+                      <a:ext uri="{FF2B5EF4-FFF2-40B4-BE49-F238E27FC236}">
+                        <a16:creationId xmlns:a16="http://schemas.microsoft.com/office/drawing/2014/main" id="{B7DEC940-ABFF-45EC-BD39-3F5A9501692A}"/>
+                      </a:ext>
+                    </a:extLst>
+                  </p:cNvPr>
+                  <p:cNvSpPr/>
+                  <p:nvPr/>
+                </p:nvSpPr>
+                <p:spPr>
+                  <a:xfrm>
+                    <a:off x="7459730" y="1973223"/>
+                    <a:ext cx="3632708" cy="154990"/>
+                  </a:xfrm>
+                  <a:prstGeom prst="rect">
+                    <a:avLst/>
+                  </a:prstGeom>
+                  <a:solidFill>
+                    <a:srgbClr val="FBFBFB"/>
+                  </a:solidFill>
+                  <a:ln>
+                    <a:noFill/>
+                  </a:ln>
+                </p:spPr>
+                <p:style>
+                  <a:lnRef idx="2">
+                    <a:schemeClr val="accent1">
+                      <a:shade val="50000"/>
+                    </a:schemeClr>
+                  </a:lnRef>
+                  <a:fillRef idx="1">
+                    <a:schemeClr val="accent1"/>
+                  </a:fillRef>
+                  <a:effectRef idx="0">
+                    <a:schemeClr val="accent1"/>
+                  </a:effectRef>
+                  <a:fontRef idx="minor">
+                    <a:schemeClr val="lt1"/>
+                  </a:fontRef>
+                </p:style>
+                <p:txBody>
+                  <a:bodyPr rot="0" spcFirstLastPara="0" vertOverflow="overflow" horzOverflow="overflow" vert="horz" wrap="square" lIns="91440" tIns="45721" rIns="91440" bIns="45721" numCol="1" spcCol="0" rtlCol="0" fromWordArt="0" anchor="ctr" anchorCtr="0" forceAA="0" compatLnSpc="1">
+                    <a:prstTxWarp prst="textNoShape">
+                      <a:avLst/>
+                    </a:prstTxWarp>
+                    <a:noAutofit/>
+                  </a:bodyPr>
+                  <a:lstStyle/>
+                  <a:p>
+                    <a:pPr algn="ctr"/>
+                    <a:endParaRPr lang="nb-NO" sz="1801"/>
+                  </a:p>
+                </p:txBody>
+              </p:sp>
+            </p:grpSp>
+            <p:cxnSp>
+              <p:nvCxnSpPr>
+                <p:cNvPr id="61" name="Rett pilkobling 60">
+                  <a:extLst>
+                    <a:ext uri="{FF2B5EF4-FFF2-40B4-BE49-F238E27FC236}">
+                      <a16:creationId xmlns:a16="http://schemas.microsoft.com/office/drawing/2014/main" id="{090B5DA0-6718-44F5-BCA4-1894AACAC253}"/>
+                    </a:ext>
+                  </a:extLst>
+                </p:cNvPr>
+                <p:cNvCxnSpPr>
+                  <a:cxnSpLocks/>
+                  <a:stCxn id="63" idx="3"/>
+                  <a:endCxn id="65" idx="1"/>
+                </p:cNvCxnSpPr>
+                <p:nvPr/>
+              </p:nvCxnSpPr>
+              <p:spPr>
+                <a:xfrm>
+                  <a:off x="2623666" y="946543"/>
+                  <a:ext cx="3102752" cy="0"/>
+                </a:xfrm>
+                <a:prstGeom prst="straightConnector1">
+                  <a:avLst/>
+                </a:prstGeom>
+                <a:ln w="19050">
+                  <a:solidFill>
+                    <a:schemeClr val="tx1">
+                      <a:lumMod val="75000"/>
+                      <a:lumOff val="25000"/>
+                    </a:schemeClr>
+                  </a:solidFill>
+                  <a:tailEnd type="triangle"/>
+                </a:ln>
+              </p:spPr>
+              <p:style>
+                <a:lnRef idx="1">
+                  <a:schemeClr val="accent1"/>
+                </a:lnRef>
+                <a:fillRef idx="0">
+                  <a:schemeClr val="accent1"/>
+                </a:fillRef>
+                <a:effectRef idx="0">
+                  <a:schemeClr val="accent1"/>
+                </a:effectRef>
+                <a:fontRef idx="minor">
+                  <a:schemeClr val="tx1"/>
+                </a:fontRef>
+              </p:style>
+            </p:cxnSp>
+            <p:grpSp>
+              <p:nvGrpSpPr>
+                <p:cNvPr id="62" name="Gruppe 61">
+                  <a:extLst>
+                    <a:ext uri="{FF2B5EF4-FFF2-40B4-BE49-F238E27FC236}">
+                      <a16:creationId xmlns:a16="http://schemas.microsoft.com/office/drawing/2014/main" id="{E3A7CEAE-C948-46AB-9370-44FB500996F1}"/>
+                    </a:ext>
+                  </a:extLst>
+                </p:cNvPr>
+                <p:cNvGrpSpPr/>
+                <p:nvPr/>
+              </p:nvGrpSpPr>
+              <p:grpSpPr>
+                <a:xfrm>
+                  <a:off x="1968266" y="447135"/>
+                  <a:ext cx="1104057" cy="5394644"/>
+                  <a:chOff x="2756212" y="1936887"/>
+                  <a:chExt cx="1104056" cy="5394643"/>
+                </a:xfrm>
+              </p:grpSpPr>
+              <p:sp>
+                <p:nvSpPr>
+                  <p:cNvPr id="94" name="TekstSylinder 93">
+                    <a:extLst>
+                      <a:ext uri="{FF2B5EF4-FFF2-40B4-BE49-F238E27FC236}">
+                        <a16:creationId xmlns:a16="http://schemas.microsoft.com/office/drawing/2014/main" id="{0234CFA1-146E-442D-A0EE-A1A4BB4E71F6}"/>
+                      </a:ext>
+                    </a:extLst>
+                  </p:cNvPr>
+                  <p:cNvSpPr txBox="1"/>
+                  <p:nvPr/>
+                </p:nvSpPr>
+                <p:spPr>
+                  <a:xfrm>
+                    <a:off x="2756212" y="1936887"/>
+                    <a:ext cx="1104056" cy="338554"/>
+                  </a:xfrm>
+                  <a:prstGeom prst="rect">
+                    <a:avLst/>
+                  </a:prstGeom>
+                  <a:solidFill>
+                    <a:schemeClr val="bg2"/>
+                  </a:solidFill>
+                </p:spPr>
+                <p:txBody>
+                  <a:bodyPr wrap="square" rtlCol="0">
+                    <a:spAutoFit/>
+                  </a:bodyPr>
+                  <a:lstStyle/>
+                  <a:p>
+                    <a:pPr algn="ctr"/>
+                    <a:r>
+                      <a:rPr lang="nb-NO" sz="1600" b="1" dirty="0"/>
+                      <a:t>Participant</a:t>
+                    </a:r>
+                    <a:endParaRPr lang="nb-NO" sz="1801" b="1" dirty="0"/>
+                  </a:p>
+                </p:txBody>
+              </p:sp>
+              <p:cxnSp>
+                <p:nvCxnSpPr>
+                  <p:cNvPr id="95" name="Rett linje 94">
+                    <a:extLst>
+                      <a:ext uri="{FF2B5EF4-FFF2-40B4-BE49-F238E27FC236}">
+                        <a16:creationId xmlns:a16="http://schemas.microsoft.com/office/drawing/2014/main" id="{7AECDE06-C8F5-4659-B1C9-F69A0844E24C}"/>
+                      </a:ext>
+                    </a:extLst>
+                  </p:cNvPr>
+                  <p:cNvCxnSpPr>
+                    <a:cxnSpLocks/>
+                    <a:stCxn id="63" idx="2"/>
+                    <a:endCxn id="55" idx="2"/>
+                  </p:cNvCxnSpPr>
+                  <p:nvPr/>
+                </p:nvCxnSpPr>
+                <p:spPr>
+                  <a:xfrm flipH="1">
+                    <a:off x="3308240" y="2597149"/>
+                    <a:ext cx="6348" cy="4734381"/>
+                  </a:xfrm>
+                  <a:prstGeom prst="line">
+                    <a:avLst/>
+                  </a:prstGeom>
+                  <a:ln w="19050">
+                    <a:solidFill>
+                      <a:schemeClr val="tx1">
+                        <a:lumMod val="75000"/>
+                        <a:lumOff val="25000"/>
+                      </a:schemeClr>
+                    </a:solidFill>
+                  </a:ln>
+                </p:spPr>
+                <p:style>
+                  <a:lnRef idx="1">
+                    <a:schemeClr val="accent1"/>
+                  </a:lnRef>
+                  <a:fillRef idx="0">
+                    <a:schemeClr val="accent1"/>
+                  </a:fillRef>
+                  <a:effectRef idx="0">
+                    <a:schemeClr val="accent1"/>
+                  </a:effectRef>
+                  <a:fontRef idx="minor">
+                    <a:schemeClr val="tx1"/>
+                  </a:fontRef>
+                </p:style>
+              </p:cxnSp>
+            </p:grpSp>
+            <p:sp>
+              <p:nvSpPr>
+                <p:cNvPr id="63" name="Rektangel 62">
+                  <a:extLst>
+                    <a:ext uri="{FF2B5EF4-FFF2-40B4-BE49-F238E27FC236}">
+                      <a16:creationId xmlns:a16="http://schemas.microsoft.com/office/drawing/2014/main" id="{F30AA534-F853-4F4D-9AA2-BFB47AE83CAC}"/>
+                    </a:ext>
+                  </a:extLst>
+                </p:cNvPr>
+                <p:cNvSpPr/>
+                <p:nvPr/>
+              </p:nvSpPr>
+              <p:spPr>
+                <a:xfrm>
+                  <a:off x="2429618" y="785689"/>
+                  <a:ext cx="194048" cy="321708"/>
+                </a:xfrm>
+                <a:prstGeom prst="rect">
+                  <a:avLst/>
+                </a:prstGeom>
+                <a:solidFill>
+                  <a:schemeClr val="accent6">
+                    <a:lumMod val="60000"/>
+                    <a:lumOff val="40000"/>
+                  </a:schemeClr>
+                </a:solidFill>
+                <a:ln>
+                  <a:noFill/>
+                </a:ln>
+              </p:spPr>
+              <p:style>
+                <a:lnRef idx="2">
+                  <a:schemeClr val="accent1">
+                    <a:shade val="50000"/>
+                  </a:schemeClr>
+                </a:lnRef>
+                <a:fillRef idx="1">
+                  <a:schemeClr val="accent1"/>
+                </a:fillRef>
+                <a:effectRef idx="0">
+                  <a:schemeClr val="accent1"/>
+                </a:effectRef>
+                <a:fontRef idx="minor">
+                  <a:schemeClr val="lt1"/>
+                </a:fontRef>
+              </p:style>
+              <p:txBody>
+                <a:bodyPr rot="0" spcFirstLastPara="0" vertOverflow="overflow" horzOverflow="overflow" vert="horz" wrap="square" lIns="91440" tIns="45721" rIns="91440" bIns="45721" numCol="1" spcCol="0" rtlCol="0" fromWordArt="0" anchor="ctr" anchorCtr="0" forceAA="0" compatLnSpc="1">
+                  <a:prstTxWarp prst="textNoShape">
+                    <a:avLst/>
+                  </a:prstTxWarp>
+                  <a:noAutofit/>
+                </a:bodyPr>
+                <a:lstStyle/>
+                <a:p>
+                  <a:pPr algn="ctr"/>
+                  <a:endParaRPr lang="nb-NO" sz="1801"/>
+                </a:p>
+              </p:txBody>
+            </p:sp>
+            <p:grpSp>
+              <p:nvGrpSpPr>
+                <p:cNvPr id="64" name="Gruppe 63">
+                  <a:extLst>
+                    <a:ext uri="{FF2B5EF4-FFF2-40B4-BE49-F238E27FC236}">
+                      <a16:creationId xmlns:a16="http://schemas.microsoft.com/office/drawing/2014/main" id="{B8F93825-F58A-4806-A64B-C82C692D506B}"/>
+                    </a:ext>
+                  </a:extLst>
+                </p:cNvPr>
+                <p:cNvGrpSpPr/>
+                <p:nvPr/>
+              </p:nvGrpSpPr>
+              <p:grpSpPr>
+                <a:xfrm>
+                  <a:off x="5412382" y="447137"/>
+                  <a:ext cx="834825" cy="641212"/>
+                  <a:chOff x="2897176" y="1936887"/>
+                  <a:chExt cx="834825" cy="641213"/>
+                </a:xfrm>
+              </p:grpSpPr>
+              <p:sp>
+                <p:nvSpPr>
+                  <p:cNvPr id="92" name="TekstSylinder 91">
+                    <a:extLst>
+                      <a:ext uri="{FF2B5EF4-FFF2-40B4-BE49-F238E27FC236}">
+                        <a16:creationId xmlns:a16="http://schemas.microsoft.com/office/drawing/2014/main" id="{5B5ED27D-7E41-4881-B9F5-97B44B33C445}"/>
+                      </a:ext>
+                    </a:extLst>
+                  </p:cNvPr>
+                  <p:cNvSpPr txBox="1"/>
+                  <p:nvPr/>
+                </p:nvSpPr>
+                <p:spPr>
+                  <a:xfrm>
+                    <a:off x="2897176" y="1936887"/>
+                    <a:ext cx="834825" cy="338554"/>
+                  </a:xfrm>
+                  <a:prstGeom prst="rect">
+                    <a:avLst/>
+                  </a:prstGeom>
+                  <a:solidFill>
+                    <a:schemeClr val="bg2"/>
+                  </a:solidFill>
+                </p:spPr>
+                <p:txBody>
+                  <a:bodyPr wrap="square" rtlCol="0">
+                    <a:spAutoFit/>
+                  </a:bodyPr>
+                  <a:lstStyle/>
+                  <a:p>
+                    <a:pPr algn="ctr"/>
+                    <a:r>
+                      <a:rPr lang="nb-NO" sz="1600" b="1" dirty="0"/>
+                      <a:t>Server</a:t>
+                    </a:r>
+                    <a:endParaRPr lang="nb-NO" sz="2400" dirty="0">
+                      <a:latin typeface="Consolas" panose="020B0609020204030204" pitchFamily="49" charset="0"/>
+                    </a:endParaRPr>
+                  </a:p>
+                </p:txBody>
+              </p:sp>
+              <p:cxnSp>
+                <p:nvCxnSpPr>
+                  <p:cNvPr id="93" name="Rett linje 92">
+                    <a:extLst>
+                      <a:ext uri="{FF2B5EF4-FFF2-40B4-BE49-F238E27FC236}">
+                        <a16:creationId xmlns:a16="http://schemas.microsoft.com/office/drawing/2014/main" id="{3D332327-8B43-47EC-9671-3D260A151B53}"/>
+                      </a:ext>
+                    </a:extLst>
+                  </p:cNvPr>
+                  <p:cNvCxnSpPr>
+                    <a:cxnSpLocks/>
+                  </p:cNvCxnSpPr>
+                  <p:nvPr/>
+                </p:nvCxnSpPr>
+                <p:spPr>
+                  <a:xfrm>
+                    <a:off x="3308240" y="2393949"/>
+                    <a:ext cx="0" cy="184151"/>
+                  </a:xfrm>
+                  <a:prstGeom prst="line">
+                    <a:avLst/>
+                  </a:prstGeom>
+                  <a:ln w="19050">
+                    <a:solidFill>
+                      <a:schemeClr val="tx1">
+                        <a:lumMod val="75000"/>
+                        <a:lumOff val="25000"/>
+                      </a:schemeClr>
+                    </a:solidFill>
+                  </a:ln>
+                </p:spPr>
+                <p:style>
+                  <a:lnRef idx="1">
+                    <a:schemeClr val="accent1"/>
+                  </a:lnRef>
+                  <a:fillRef idx="0">
+                    <a:schemeClr val="accent1"/>
+                  </a:fillRef>
+                  <a:effectRef idx="0">
+                    <a:schemeClr val="accent1"/>
+                  </a:effectRef>
+                  <a:fontRef idx="minor">
+                    <a:schemeClr val="tx1"/>
+                  </a:fontRef>
+                </p:style>
+              </p:cxnSp>
+            </p:grpSp>
+            <p:sp>
+              <p:nvSpPr>
+                <p:cNvPr id="65" name="Rektangel 64">
+                  <a:extLst>
+                    <a:ext uri="{FF2B5EF4-FFF2-40B4-BE49-F238E27FC236}">
+                      <a16:creationId xmlns:a16="http://schemas.microsoft.com/office/drawing/2014/main" id="{79438D81-DC98-478A-952F-5CD13E0BD69F}"/>
+                    </a:ext>
+                  </a:extLst>
+                </p:cNvPr>
+                <p:cNvSpPr/>
+                <p:nvPr/>
+              </p:nvSpPr>
+              <p:spPr>
+                <a:xfrm>
+                  <a:off x="5726418" y="785689"/>
+                  <a:ext cx="194048" cy="321708"/>
+                </a:xfrm>
+                <a:prstGeom prst="rect">
+                  <a:avLst/>
+                </a:prstGeom>
+                <a:solidFill>
+                  <a:schemeClr val="accent6">
+                    <a:lumMod val="60000"/>
+                    <a:lumOff val="40000"/>
+                  </a:schemeClr>
+                </a:solidFill>
+                <a:ln>
+                  <a:noFill/>
+                </a:ln>
+              </p:spPr>
+              <p:style>
+                <a:lnRef idx="2">
+                  <a:schemeClr val="accent1">
+                    <a:shade val="50000"/>
+                  </a:schemeClr>
+                </a:lnRef>
+                <a:fillRef idx="1">
+                  <a:schemeClr val="accent1"/>
+                </a:fillRef>
+                <a:effectRef idx="0">
+                  <a:schemeClr val="accent1"/>
+                </a:effectRef>
+                <a:fontRef idx="minor">
+                  <a:schemeClr val="lt1"/>
+                </a:fontRef>
+              </p:style>
+              <p:txBody>
+                <a:bodyPr rot="0" spcFirstLastPara="0" vertOverflow="overflow" horzOverflow="overflow" vert="horz" wrap="square" lIns="91440" tIns="45721" rIns="91440" bIns="45721" numCol="1" spcCol="0" rtlCol="0" fromWordArt="0" anchor="ctr" anchorCtr="0" forceAA="0" compatLnSpc="1">
+                  <a:prstTxWarp prst="textNoShape">
+                    <a:avLst/>
+                  </a:prstTxWarp>
+                  <a:noAutofit/>
+                </a:bodyPr>
+                <a:lstStyle/>
+                <a:p>
+                  <a:pPr algn="ctr"/>
+                  <a:endParaRPr lang="nb-NO" sz="1801" dirty="0"/>
+                </a:p>
+              </p:txBody>
+            </p:sp>
+            <p:sp>
+              <p:nvSpPr>
+                <p:cNvPr id="66" name="TekstSylinder 65">
+                  <a:extLst>
+                    <a:ext uri="{FF2B5EF4-FFF2-40B4-BE49-F238E27FC236}">
+                      <a16:creationId xmlns:a16="http://schemas.microsoft.com/office/drawing/2014/main" id="{8BD43394-1E69-4E53-8EAD-8CE656F42ED3}"/>
+                    </a:ext>
+                  </a:extLst>
+                </p:cNvPr>
+                <p:cNvSpPr txBox="1"/>
+                <p:nvPr/>
+              </p:nvSpPr>
+              <p:spPr>
+                <a:xfrm>
+                  <a:off x="3657238" y="640486"/>
+                  <a:ext cx="1029259" cy="307777"/>
+                </a:xfrm>
+                <a:prstGeom prst="rect">
+                  <a:avLst/>
+                </a:prstGeom>
+                <a:noFill/>
+              </p:spPr>
+              <p:txBody>
+                <a:bodyPr wrap="square" rtlCol="0">
+                  <a:spAutoFit/>
+                </a:bodyPr>
+                <a:lstStyle/>
+                <a:p>
+                  <a:r>
+                    <a:rPr lang="nb-NO" sz="1400" dirty="0">
+                      <a:latin typeface="Consolas" panose="020B0609020204030204" pitchFamily="49" charset="0"/>
+                    </a:rPr>
+                    <a:t>Connects</a:t>
+                  </a:r>
+                </a:p>
+              </p:txBody>
+            </p:sp>
+            <p:cxnSp>
+              <p:nvCxnSpPr>
+                <p:cNvPr id="68" name="Rett linje 67">
+                  <a:extLst>
+                    <a:ext uri="{FF2B5EF4-FFF2-40B4-BE49-F238E27FC236}">
+                      <a16:creationId xmlns:a16="http://schemas.microsoft.com/office/drawing/2014/main" id="{F64009C1-55B7-4AF6-892E-F2F5142D7BF8}"/>
+                    </a:ext>
+                  </a:extLst>
+                </p:cNvPr>
+                <p:cNvCxnSpPr>
+                  <a:cxnSpLocks/>
+                  <a:stCxn id="65" idx="2"/>
+                  <a:endCxn id="54" idx="2"/>
+                </p:cNvCxnSpPr>
+                <p:nvPr/>
+              </p:nvCxnSpPr>
+              <p:spPr>
+                <a:xfrm flipH="1">
+                  <a:off x="5813832" y="1107397"/>
+                  <a:ext cx="9610" cy="4734382"/>
+                </a:xfrm>
+                <a:prstGeom prst="line">
+                  <a:avLst/>
+                </a:prstGeom>
+                <a:ln w="19050">
+                  <a:solidFill>
+                    <a:schemeClr val="tx1">
+                      <a:lumMod val="75000"/>
+                      <a:lumOff val="25000"/>
+                    </a:schemeClr>
+                  </a:solidFill>
+                </a:ln>
+              </p:spPr>
+              <p:style>
+                <a:lnRef idx="1">
+                  <a:schemeClr val="accent1"/>
+                </a:lnRef>
+                <a:fillRef idx="0">
+                  <a:schemeClr val="accent1"/>
+                </a:fillRef>
+                <a:effectRef idx="0">
+                  <a:schemeClr val="accent1"/>
+                </a:effectRef>
+                <a:fontRef idx="minor">
+                  <a:schemeClr val="tx1"/>
+                </a:fontRef>
+              </p:style>
+            </p:cxnSp>
+            <p:sp>
+              <p:nvSpPr>
+                <p:cNvPr id="69" name="Rektangel 68">
+                  <a:extLst>
+                    <a:ext uri="{FF2B5EF4-FFF2-40B4-BE49-F238E27FC236}">
+                      <a16:creationId xmlns:a16="http://schemas.microsoft.com/office/drawing/2014/main" id="{96674993-2335-488E-8988-49BD4E003974}"/>
+                    </a:ext>
+                  </a:extLst>
+                </p:cNvPr>
+                <p:cNvSpPr/>
+                <p:nvPr/>
+              </p:nvSpPr>
+              <p:spPr>
+                <a:xfrm>
+                  <a:off x="2423270" y="1858845"/>
+                  <a:ext cx="194048" cy="321708"/>
+                </a:xfrm>
+                <a:prstGeom prst="rect">
+                  <a:avLst/>
+                </a:prstGeom>
+                <a:solidFill>
+                  <a:schemeClr val="accent6">
+                    <a:lumMod val="60000"/>
+                    <a:lumOff val="40000"/>
+                  </a:schemeClr>
+                </a:solidFill>
+                <a:ln>
+                  <a:noFill/>
+                </a:ln>
+              </p:spPr>
+              <p:style>
+                <a:lnRef idx="2">
+                  <a:schemeClr val="accent1">
+                    <a:shade val="50000"/>
+                  </a:schemeClr>
+                </a:lnRef>
+                <a:fillRef idx="1">
+                  <a:schemeClr val="accent1"/>
+                </a:fillRef>
+                <a:effectRef idx="0">
+                  <a:schemeClr val="accent1"/>
+                </a:effectRef>
+                <a:fontRef idx="minor">
+                  <a:schemeClr val="lt1"/>
+                </a:fontRef>
+              </p:style>
+              <p:txBody>
+                <a:bodyPr rot="0" spcFirstLastPara="0" vertOverflow="overflow" horzOverflow="overflow" vert="horz" wrap="square" lIns="91440" tIns="45721" rIns="91440" bIns="45721" numCol="1" spcCol="0" rtlCol="0" fromWordArt="0" anchor="ctr" anchorCtr="0" forceAA="0" compatLnSpc="1">
+                  <a:prstTxWarp prst="textNoShape">
+                    <a:avLst/>
+                  </a:prstTxWarp>
+                  <a:noAutofit/>
+                </a:bodyPr>
+                <a:lstStyle/>
+                <a:p>
+                  <a:pPr algn="ctr"/>
+                  <a:endParaRPr lang="nb-NO" sz="1801"/>
+                </a:p>
+              </p:txBody>
+            </p:sp>
+            <p:sp>
+              <p:nvSpPr>
+                <p:cNvPr id="70" name="Rektangel 69">
+                  <a:extLst>
+                    <a:ext uri="{FF2B5EF4-FFF2-40B4-BE49-F238E27FC236}">
+                      <a16:creationId xmlns:a16="http://schemas.microsoft.com/office/drawing/2014/main" id="{1A397838-98C7-4903-A6A4-F0E377C1D981}"/>
+                    </a:ext>
+                  </a:extLst>
+                </p:cNvPr>
+                <p:cNvSpPr/>
+                <p:nvPr/>
+              </p:nvSpPr>
+              <p:spPr>
+                <a:xfrm>
+                  <a:off x="5726418" y="1858844"/>
+                  <a:ext cx="194048" cy="338555"/>
+                </a:xfrm>
+                <a:prstGeom prst="rect">
+                  <a:avLst/>
+                </a:prstGeom>
+                <a:solidFill>
+                  <a:schemeClr val="accent6">
+                    <a:lumMod val="60000"/>
+                    <a:lumOff val="40000"/>
+                  </a:schemeClr>
+                </a:solidFill>
+                <a:ln>
+                  <a:noFill/>
+                </a:ln>
+              </p:spPr>
+              <p:style>
+                <a:lnRef idx="2">
+                  <a:schemeClr val="accent1">
+                    <a:shade val="50000"/>
+                  </a:schemeClr>
+                </a:lnRef>
+                <a:fillRef idx="1">
+                  <a:schemeClr val="accent1"/>
+                </a:fillRef>
+                <a:effectRef idx="0">
+                  <a:schemeClr val="accent1"/>
+                </a:effectRef>
+                <a:fontRef idx="minor">
+                  <a:schemeClr val="lt1"/>
+                </a:fontRef>
+              </p:style>
+              <p:txBody>
+                <a:bodyPr rot="0" spcFirstLastPara="0" vertOverflow="overflow" horzOverflow="overflow" vert="horz" wrap="square" lIns="91440" tIns="45721" rIns="91440" bIns="45721" numCol="1" spcCol="0" rtlCol="0" fromWordArt="0" anchor="ctr" anchorCtr="0" forceAA="0" compatLnSpc="1">
+                  <a:prstTxWarp prst="textNoShape">
+                    <a:avLst/>
+                  </a:prstTxWarp>
+                  <a:noAutofit/>
+                </a:bodyPr>
+                <a:lstStyle/>
+                <a:p>
+                  <a:pPr algn="ctr"/>
+                  <a:endParaRPr lang="nb-NO" sz="1801"/>
+                </a:p>
+              </p:txBody>
+            </p:sp>
+            <p:cxnSp>
+              <p:nvCxnSpPr>
+                <p:cNvPr id="71" name="Rett pilkobling 70">
+                  <a:extLst>
+                    <a:ext uri="{FF2B5EF4-FFF2-40B4-BE49-F238E27FC236}">
+                      <a16:creationId xmlns:a16="http://schemas.microsoft.com/office/drawing/2014/main" id="{02970665-A2FA-4D5A-A412-3CE25D808246}"/>
+                    </a:ext>
+                  </a:extLst>
+                </p:cNvPr>
+                <p:cNvCxnSpPr>
+                  <a:cxnSpLocks/>
+                  <a:stCxn id="69" idx="3"/>
+                  <a:endCxn id="70" idx="1"/>
+                </p:cNvCxnSpPr>
+                <p:nvPr/>
+              </p:nvCxnSpPr>
+              <p:spPr>
+                <a:xfrm>
+                  <a:off x="2617318" y="2019699"/>
+                  <a:ext cx="3109100" cy="8423"/>
+                </a:xfrm>
+                <a:prstGeom prst="straightConnector1">
+                  <a:avLst/>
+                </a:prstGeom>
+                <a:ln w="19050">
+                  <a:solidFill>
+                    <a:schemeClr val="tx1">
+                      <a:lumMod val="75000"/>
+                      <a:lumOff val="25000"/>
+                    </a:schemeClr>
+                  </a:solidFill>
+                  <a:tailEnd type="triangle"/>
+                </a:ln>
+              </p:spPr>
+              <p:style>
+                <a:lnRef idx="1">
+                  <a:schemeClr val="accent1"/>
+                </a:lnRef>
+                <a:fillRef idx="0">
+                  <a:schemeClr val="accent1"/>
+                </a:fillRef>
+                <a:effectRef idx="0">
+                  <a:schemeClr val="accent1"/>
+                </a:effectRef>
+                <a:fontRef idx="minor">
+                  <a:schemeClr val="tx1"/>
+                </a:fontRef>
+              </p:style>
+            </p:cxnSp>
+            <p:sp>
+              <p:nvSpPr>
+                <p:cNvPr id="72" name="TekstSylinder 71">
+                  <a:extLst>
+                    <a:ext uri="{FF2B5EF4-FFF2-40B4-BE49-F238E27FC236}">
+                      <a16:creationId xmlns:a16="http://schemas.microsoft.com/office/drawing/2014/main" id="{722182FF-00D0-42DD-9FCF-30993C34792F}"/>
+                    </a:ext>
+                  </a:extLst>
+                </p:cNvPr>
+                <p:cNvSpPr txBox="1"/>
+                <p:nvPr/>
+              </p:nvSpPr>
+              <p:spPr>
+                <a:xfrm>
+                  <a:off x="3418381" y="1572735"/>
+                  <a:ext cx="1561970" cy="430887"/>
+                </a:xfrm>
+                <a:prstGeom prst="rect">
+                  <a:avLst/>
+                </a:prstGeom>
+                <a:noFill/>
+              </p:spPr>
+              <p:txBody>
+                <a:bodyPr wrap="square" rtlCol="0">
+                  <a:spAutoFit/>
+                </a:bodyPr>
+                <a:lstStyle/>
+                <a:p>
+                  <a:pPr algn="ctr"/>
+                  <a:r>
+                    <a:rPr lang="en-US" sz="1100" dirty="0">
+                      <a:latin typeface="Consolas" panose="020B0609020204030204" pitchFamily="49" charset="0"/>
+                    </a:rPr>
+                    <a:t>REQUESTING NEW TRANSACTION--</a:t>
+                  </a:r>
+                  <a:r>
+                    <a:rPr lang="en-US" sz="1100" i="1" dirty="0">
+                      <a:latin typeface="Consolas" panose="020B0609020204030204" pitchFamily="49" charset="0"/>
+                    </a:rPr>
+                    <a:t>query</a:t>
+                  </a:r>
+                </a:p>
+              </p:txBody>
+            </p:sp>
+            <p:sp>
+              <p:nvSpPr>
+                <p:cNvPr id="73" name="Rektangel 72">
+                  <a:extLst>
+                    <a:ext uri="{FF2B5EF4-FFF2-40B4-BE49-F238E27FC236}">
+                      <a16:creationId xmlns:a16="http://schemas.microsoft.com/office/drawing/2014/main" id="{36D3A96C-6BE7-433E-9B62-44A7CEFA3818}"/>
+                    </a:ext>
+                  </a:extLst>
+                </p:cNvPr>
+                <p:cNvSpPr/>
+                <p:nvPr/>
+              </p:nvSpPr>
+              <p:spPr>
+                <a:xfrm>
+                  <a:off x="2423270" y="3064816"/>
+                  <a:ext cx="194048" cy="321708"/>
+                </a:xfrm>
+                <a:prstGeom prst="rect">
+                  <a:avLst/>
+                </a:prstGeom>
+                <a:solidFill>
+                  <a:schemeClr val="accent6">
+                    <a:lumMod val="60000"/>
+                    <a:lumOff val="40000"/>
+                  </a:schemeClr>
+                </a:solidFill>
+                <a:ln>
+                  <a:noFill/>
+                </a:ln>
+              </p:spPr>
+              <p:style>
+                <a:lnRef idx="2">
+                  <a:schemeClr val="accent1">
+                    <a:shade val="50000"/>
+                  </a:schemeClr>
+                </a:lnRef>
+                <a:fillRef idx="1">
+                  <a:schemeClr val="accent1"/>
+                </a:fillRef>
+                <a:effectRef idx="0">
+                  <a:schemeClr val="accent1"/>
+                </a:effectRef>
+                <a:fontRef idx="minor">
+                  <a:schemeClr val="lt1"/>
+                </a:fontRef>
+              </p:style>
+              <p:txBody>
+                <a:bodyPr rot="0" spcFirstLastPara="0" vertOverflow="overflow" horzOverflow="overflow" vert="horz" wrap="square" lIns="91440" tIns="45721" rIns="91440" bIns="45721" numCol="1" spcCol="0" rtlCol="0" fromWordArt="0" anchor="ctr" anchorCtr="0" forceAA="0" compatLnSpc="1">
+                  <a:prstTxWarp prst="textNoShape">
+                    <a:avLst/>
+                  </a:prstTxWarp>
+                  <a:noAutofit/>
+                </a:bodyPr>
+                <a:lstStyle/>
+                <a:p>
+                  <a:pPr algn="ctr"/>
+                  <a:endParaRPr lang="nb-NO" sz="1801"/>
+                </a:p>
+              </p:txBody>
+            </p:sp>
+            <p:sp>
+              <p:nvSpPr>
+                <p:cNvPr id="74" name="Rektangel 73">
+                  <a:extLst>
+                    <a:ext uri="{FF2B5EF4-FFF2-40B4-BE49-F238E27FC236}">
+                      <a16:creationId xmlns:a16="http://schemas.microsoft.com/office/drawing/2014/main" id="{F8F45739-34D9-4BF2-B110-D486252EC69E}"/>
+                    </a:ext>
+                  </a:extLst>
+                </p:cNvPr>
+                <p:cNvSpPr/>
+                <p:nvPr/>
+              </p:nvSpPr>
+              <p:spPr>
+                <a:xfrm>
+                  <a:off x="5732770" y="3070935"/>
+                  <a:ext cx="194048" cy="321708"/>
+                </a:xfrm>
+                <a:prstGeom prst="rect">
+                  <a:avLst/>
+                </a:prstGeom>
+                <a:solidFill>
+                  <a:schemeClr val="accent6">
+                    <a:lumMod val="60000"/>
+                    <a:lumOff val="40000"/>
+                  </a:schemeClr>
+                </a:solidFill>
+                <a:ln>
+                  <a:noFill/>
+                </a:ln>
+              </p:spPr>
+              <p:style>
+                <a:lnRef idx="2">
+                  <a:schemeClr val="accent1">
+                    <a:shade val="50000"/>
+                  </a:schemeClr>
+                </a:lnRef>
+                <a:fillRef idx="1">
+                  <a:schemeClr val="accent1"/>
+                </a:fillRef>
+                <a:effectRef idx="0">
+                  <a:schemeClr val="accent1"/>
+                </a:effectRef>
+                <a:fontRef idx="minor">
+                  <a:schemeClr val="lt1"/>
+                </a:fontRef>
+              </p:style>
+              <p:txBody>
+                <a:bodyPr rot="0" spcFirstLastPara="0" vertOverflow="overflow" horzOverflow="overflow" vert="horz" wrap="square" lIns="91440" tIns="45721" rIns="91440" bIns="45721" numCol="1" spcCol="0" rtlCol="0" fromWordArt="0" anchor="ctr" anchorCtr="0" forceAA="0" compatLnSpc="1">
+                  <a:prstTxWarp prst="textNoShape">
+                    <a:avLst/>
+                  </a:prstTxWarp>
+                  <a:noAutofit/>
+                </a:bodyPr>
+                <a:lstStyle/>
+                <a:p>
+                  <a:pPr algn="ctr"/>
+                  <a:endParaRPr lang="nb-NO" sz="1801"/>
+                </a:p>
+              </p:txBody>
+            </p:sp>
+            <p:cxnSp>
+              <p:nvCxnSpPr>
+                <p:cNvPr id="75" name="Rett pilkobling 74">
+                  <a:extLst>
+                    <a:ext uri="{FF2B5EF4-FFF2-40B4-BE49-F238E27FC236}">
+                      <a16:creationId xmlns:a16="http://schemas.microsoft.com/office/drawing/2014/main" id="{48DE1501-0B1D-49EF-8533-09B6D5FEEC99}"/>
+                    </a:ext>
+                  </a:extLst>
+                </p:cNvPr>
+                <p:cNvCxnSpPr>
+                  <a:cxnSpLocks/>
+                  <a:stCxn id="74" idx="1"/>
+                  <a:endCxn id="73" idx="3"/>
+                </p:cNvCxnSpPr>
+                <p:nvPr/>
+              </p:nvCxnSpPr>
+              <p:spPr>
+                <a:xfrm flipH="1" flipV="1">
+                  <a:off x="2617318" y="3225670"/>
+                  <a:ext cx="3115452" cy="6119"/>
+                </a:xfrm>
+                <a:prstGeom prst="straightConnector1">
+                  <a:avLst/>
+                </a:prstGeom>
+                <a:ln w="19050">
+                  <a:solidFill>
+                    <a:schemeClr val="tx1">
+                      <a:lumMod val="75000"/>
+                      <a:lumOff val="25000"/>
+                    </a:schemeClr>
+                  </a:solidFill>
+                  <a:tailEnd type="triangle"/>
+                </a:ln>
+              </p:spPr>
+              <p:style>
+                <a:lnRef idx="1">
+                  <a:schemeClr val="accent1"/>
+                </a:lnRef>
+                <a:fillRef idx="0">
+                  <a:schemeClr val="accent1"/>
+                </a:fillRef>
+                <a:effectRef idx="0">
+                  <a:schemeClr val="accent1"/>
+                </a:effectRef>
+                <a:fontRef idx="minor">
+                  <a:schemeClr val="tx1"/>
+                </a:fontRef>
+              </p:style>
+            </p:cxnSp>
+            <p:sp>
+              <p:nvSpPr>
+                <p:cNvPr id="76" name="TekstSylinder 75">
+                  <a:extLst>
+                    <a:ext uri="{FF2B5EF4-FFF2-40B4-BE49-F238E27FC236}">
+                      <a16:creationId xmlns:a16="http://schemas.microsoft.com/office/drawing/2014/main" id="{1531F902-4D28-44AD-B0F0-8E788E784211}"/>
+                    </a:ext>
+                  </a:extLst>
+                </p:cNvPr>
+                <p:cNvSpPr txBox="1"/>
+                <p:nvPr/>
+              </p:nvSpPr>
+              <p:spPr>
+                <a:xfrm>
+                  <a:off x="3310922" y="2831787"/>
+                  <a:ext cx="1753749" cy="400110"/>
+                </a:xfrm>
+                <a:prstGeom prst="rect">
+                  <a:avLst/>
+                </a:prstGeom>
+                <a:noFill/>
+              </p:spPr>
+              <p:txBody>
+                <a:bodyPr wrap="square" rtlCol="0">
+                  <a:spAutoFit/>
+                </a:bodyPr>
+                <a:lstStyle/>
+                <a:p>
+                  <a:pPr algn="ctr"/>
+                  <a:r>
+                    <a:rPr lang="en-US" sz="1000" dirty="0">
+                      <a:latin typeface="Consolas" panose="020B0609020204030204" pitchFamily="49" charset="0"/>
+                    </a:rPr>
+                    <a:t>NEW TRANSACTION--</a:t>
+                  </a:r>
+                  <a:r>
+                    <a:rPr lang="en-US" sz="1000" i="1" dirty="0">
+                      <a:latin typeface="Consolas" panose="020B0609020204030204" pitchFamily="49" charset="0"/>
+                    </a:rPr>
+                    <a:t>query</a:t>
+                  </a:r>
+                  <a:r>
+                    <a:rPr lang="en-US" sz="1000" dirty="0">
+                      <a:latin typeface="Consolas" panose="020B0609020204030204" pitchFamily="49" charset="0"/>
+                    </a:rPr>
+                    <a:t> --READY TO COMMIT?</a:t>
+                  </a:r>
+                  <a:endParaRPr lang="en-US" sz="1000" i="1" dirty="0">
+                    <a:latin typeface="Consolas" panose="020B0609020204030204" pitchFamily="49" charset="0"/>
+                  </a:endParaRPr>
+                </a:p>
+              </p:txBody>
+            </p:sp>
+            <p:grpSp>
+              <p:nvGrpSpPr>
+                <p:cNvPr id="81" name="Gruppe 80">
+                  <a:extLst>
+                    <a:ext uri="{FF2B5EF4-FFF2-40B4-BE49-F238E27FC236}">
+                      <a16:creationId xmlns:a16="http://schemas.microsoft.com/office/drawing/2014/main" id="{7D24EFCF-2089-4CD3-A6A2-1375F7C30BA1}"/>
+                    </a:ext>
+                  </a:extLst>
+                </p:cNvPr>
+                <p:cNvGrpSpPr/>
+                <p:nvPr/>
+              </p:nvGrpSpPr>
+              <p:grpSpPr>
+                <a:xfrm>
+                  <a:off x="2080787" y="2291098"/>
+                  <a:ext cx="4194865" cy="1203831"/>
+                  <a:chOff x="6587972" y="2553293"/>
+                  <a:chExt cx="3315390" cy="1203831"/>
+                </a:xfrm>
+              </p:grpSpPr>
+              <p:sp>
+                <p:nvSpPr>
+                  <p:cNvPr id="90" name="Rektangel 89">
+                    <a:extLst>
+                      <a:ext uri="{FF2B5EF4-FFF2-40B4-BE49-F238E27FC236}">
+                        <a16:creationId xmlns:a16="http://schemas.microsoft.com/office/drawing/2014/main" id="{8B31F063-368C-4484-85BE-E7D220B78521}"/>
+                      </a:ext>
+                    </a:extLst>
+                  </p:cNvPr>
+                  <p:cNvSpPr/>
+                  <p:nvPr/>
+                </p:nvSpPr>
+                <p:spPr>
+                  <a:xfrm>
+                    <a:off x="6587972" y="2568296"/>
+                    <a:ext cx="3315390" cy="1188828"/>
+                  </a:xfrm>
+                  <a:prstGeom prst="rect">
+                    <a:avLst/>
+                  </a:prstGeom>
+                  <a:noFill/>
+                  <a:ln>
+                    <a:solidFill>
+                      <a:schemeClr val="tx1"/>
+                    </a:solidFill>
+                    <a:prstDash val="dash"/>
+                  </a:ln>
+                </p:spPr>
+                <p:style>
+                  <a:lnRef idx="2">
+                    <a:schemeClr val="accent1">
+                      <a:shade val="50000"/>
+                    </a:schemeClr>
+                  </a:lnRef>
+                  <a:fillRef idx="1">
+                    <a:schemeClr val="accent1"/>
+                  </a:fillRef>
+                  <a:effectRef idx="0">
+                    <a:schemeClr val="accent1"/>
+                  </a:effectRef>
+                  <a:fontRef idx="minor">
+                    <a:schemeClr val="lt1"/>
+                  </a:fontRef>
+                </p:style>
+                <p:txBody>
+                  <a:bodyPr rot="0" spcFirstLastPara="0" vertOverflow="overflow" horzOverflow="overflow" vert="horz" wrap="square" lIns="91440" tIns="45721" rIns="91440" bIns="45721" numCol="1" spcCol="0" rtlCol="0" fromWordArt="0" anchor="ctr" anchorCtr="0" forceAA="0" compatLnSpc="1">
+                    <a:prstTxWarp prst="textNoShape">
+                      <a:avLst/>
+                    </a:prstTxWarp>
+                    <a:noAutofit/>
+                  </a:bodyPr>
+                  <a:lstStyle/>
+                  <a:p>
+                    <a:pPr algn="ctr"/>
+                    <a:endParaRPr lang="nb-NO" sz="1801" dirty="0"/>
+                  </a:p>
+                </p:txBody>
+              </p:sp>
+              <p:sp>
+                <p:nvSpPr>
+                  <p:cNvPr id="91" name="Rektangel 90">
+                    <a:extLst>
+                      <a:ext uri="{FF2B5EF4-FFF2-40B4-BE49-F238E27FC236}">
+                        <a16:creationId xmlns:a16="http://schemas.microsoft.com/office/drawing/2014/main" id="{0292DAD7-5F7D-458A-8D0E-772476E9EC5B}"/>
+                      </a:ext>
+                    </a:extLst>
+                  </p:cNvPr>
+                  <p:cNvSpPr/>
+                  <p:nvPr/>
+                </p:nvSpPr>
+                <p:spPr>
+                  <a:xfrm>
+                    <a:off x="6587972" y="2553293"/>
+                    <a:ext cx="3315390" cy="400110"/>
+                  </a:xfrm>
+                  <a:prstGeom prst="rect">
+                    <a:avLst/>
+                  </a:prstGeom>
+                </p:spPr>
+                <p:txBody>
+                  <a:bodyPr wrap="square">
+                    <a:spAutoFit/>
+                  </a:bodyPr>
+                  <a:lstStyle/>
+                  <a:p>
+                    <a:pPr algn="ctr"/>
+                    <a:r>
+                      <a:rPr lang="nb-NO" sz="2000" b="1" dirty="0">
+                        <a:solidFill>
+                          <a:schemeClr val="tx1">
+                            <a:lumMod val="85000"/>
+                            <a:lumOff val="15000"/>
+                          </a:schemeClr>
+                        </a:solidFill>
+                        <a:latin typeface="Consolas" panose="020B0609020204030204" pitchFamily="49" charset="0"/>
+                      </a:rPr>
+                      <a:t>Phase one</a:t>
+                    </a:r>
+                    <a:endParaRPr lang="nb-NO" sz="2000" dirty="0">
+                      <a:solidFill>
+                        <a:schemeClr val="tx1">
+                          <a:lumMod val="85000"/>
+                          <a:lumOff val="15000"/>
+                        </a:schemeClr>
+                      </a:solidFill>
+                      <a:latin typeface="Consolas" panose="020B0609020204030204" pitchFamily="49" charset="0"/>
+                    </a:endParaRPr>
+                  </a:p>
+                </p:txBody>
+              </p:sp>
+            </p:grpSp>
+            <p:sp>
+              <p:nvSpPr>
+                <p:cNvPr id="82" name="Rektangel 81">
+                  <a:extLst>
+                    <a:ext uri="{FF2B5EF4-FFF2-40B4-BE49-F238E27FC236}">
+                      <a16:creationId xmlns:a16="http://schemas.microsoft.com/office/drawing/2014/main" id="{3D302B4F-0907-4F25-A91D-95E0861EEA89}"/>
+                    </a:ext>
+                  </a:extLst>
+                </p:cNvPr>
+                <p:cNvSpPr/>
+                <p:nvPr/>
+              </p:nvSpPr>
+              <p:spPr>
+                <a:xfrm>
+                  <a:off x="5716808" y="4344756"/>
+                  <a:ext cx="194048" cy="321708"/>
+                </a:xfrm>
+                <a:prstGeom prst="rect">
+                  <a:avLst/>
+                </a:prstGeom>
+                <a:solidFill>
+                  <a:schemeClr val="accent6">
+                    <a:lumMod val="60000"/>
+                    <a:lumOff val="40000"/>
+                  </a:schemeClr>
+                </a:solidFill>
+                <a:ln>
+                  <a:noFill/>
+                </a:ln>
+              </p:spPr>
+              <p:style>
+                <a:lnRef idx="2">
+                  <a:schemeClr val="accent1">
+                    <a:shade val="50000"/>
+                  </a:schemeClr>
+                </a:lnRef>
+                <a:fillRef idx="1">
+                  <a:schemeClr val="accent1"/>
+                </a:fillRef>
+                <a:effectRef idx="0">
+                  <a:schemeClr val="accent1"/>
+                </a:effectRef>
+                <a:fontRef idx="minor">
+                  <a:schemeClr val="lt1"/>
+                </a:fontRef>
+              </p:style>
+              <p:txBody>
+                <a:bodyPr rot="0" spcFirstLastPara="0" vertOverflow="overflow" horzOverflow="overflow" vert="horz" wrap="square" lIns="91440" tIns="45721" rIns="91440" bIns="45721" numCol="1" spcCol="0" rtlCol="0" fromWordArt="0" anchor="ctr" anchorCtr="0" forceAA="0" compatLnSpc="1">
+                  <a:prstTxWarp prst="textNoShape">
+                    <a:avLst/>
+                  </a:prstTxWarp>
+                  <a:noAutofit/>
+                </a:bodyPr>
+                <a:lstStyle/>
+                <a:p>
+                  <a:pPr algn="ctr"/>
+                  <a:endParaRPr lang="nb-NO" sz="1801"/>
+                </a:p>
+              </p:txBody>
+            </p:sp>
+            <p:sp>
+              <p:nvSpPr>
+                <p:cNvPr id="83" name="Rektangel 82">
+                  <a:extLst>
+                    <a:ext uri="{FF2B5EF4-FFF2-40B4-BE49-F238E27FC236}">
+                      <a16:creationId xmlns:a16="http://schemas.microsoft.com/office/drawing/2014/main" id="{9CCD1C4B-971B-4C08-BC9E-1D97BEDCDC4F}"/>
+                    </a:ext>
+                  </a:extLst>
+                </p:cNvPr>
+                <p:cNvSpPr/>
+                <p:nvPr/>
+              </p:nvSpPr>
+              <p:spPr>
+                <a:xfrm>
+                  <a:off x="2429622" y="4345197"/>
+                  <a:ext cx="194048" cy="321708"/>
+                </a:xfrm>
+                <a:prstGeom prst="rect">
+                  <a:avLst/>
+                </a:prstGeom>
+                <a:solidFill>
+                  <a:schemeClr val="accent6">
+                    <a:lumMod val="60000"/>
+                    <a:lumOff val="40000"/>
+                  </a:schemeClr>
+                </a:solidFill>
+                <a:ln>
+                  <a:noFill/>
+                </a:ln>
+              </p:spPr>
+              <p:style>
+                <a:lnRef idx="2">
+                  <a:schemeClr val="accent1">
+                    <a:shade val="50000"/>
+                  </a:schemeClr>
+                </a:lnRef>
+                <a:fillRef idx="1">
+                  <a:schemeClr val="accent1"/>
+                </a:fillRef>
+                <a:effectRef idx="0">
+                  <a:schemeClr val="accent1"/>
+                </a:effectRef>
+                <a:fontRef idx="minor">
+                  <a:schemeClr val="lt1"/>
+                </a:fontRef>
+              </p:style>
+              <p:txBody>
+                <a:bodyPr rot="0" spcFirstLastPara="0" vertOverflow="overflow" horzOverflow="overflow" vert="horz" wrap="square" lIns="91440" tIns="45721" rIns="91440" bIns="45721" numCol="1" spcCol="0" rtlCol="0" fromWordArt="0" anchor="ctr" anchorCtr="0" forceAA="0" compatLnSpc="1">
+                  <a:prstTxWarp prst="textNoShape">
+                    <a:avLst/>
+                  </a:prstTxWarp>
+                  <a:noAutofit/>
+                </a:bodyPr>
+                <a:lstStyle/>
+                <a:p>
+                  <a:pPr algn="ctr"/>
+                  <a:endParaRPr lang="nb-NO" sz="1801"/>
+                </a:p>
+              </p:txBody>
+            </p:sp>
+            <p:cxnSp>
+              <p:nvCxnSpPr>
+                <p:cNvPr id="84" name="Rett pilkobling 83">
+                  <a:extLst>
+                    <a:ext uri="{FF2B5EF4-FFF2-40B4-BE49-F238E27FC236}">
+                      <a16:creationId xmlns:a16="http://schemas.microsoft.com/office/drawing/2014/main" id="{33B0F77B-DDE2-4E8C-B26B-2E0CF255F9DD}"/>
+                    </a:ext>
+                  </a:extLst>
+                </p:cNvPr>
+                <p:cNvCxnSpPr>
+                  <a:cxnSpLocks/>
+                  <a:endCxn id="83" idx="3"/>
+                </p:cNvCxnSpPr>
+                <p:nvPr/>
+              </p:nvCxnSpPr>
+              <p:spPr>
+                <a:xfrm flipH="1">
+                  <a:off x="2623670" y="4506051"/>
+                  <a:ext cx="3099490" cy="0"/>
+                </a:xfrm>
+                <a:prstGeom prst="straightConnector1">
+                  <a:avLst/>
+                </a:prstGeom>
+                <a:ln w="19050">
+                  <a:solidFill>
+                    <a:schemeClr val="tx1">
+                      <a:lumMod val="75000"/>
+                      <a:lumOff val="25000"/>
+                    </a:schemeClr>
+                  </a:solidFill>
+                  <a:tailEnd type="triangle"/>
+                </a:ln>
+              </p:spPr>
+              <p:style>
+                <a:lnRef idx="1">
+                  <a:schemeClr val="accent1"/>
+                </a:lnRef>
+                <a:fillRef idx="0">
+                  <a:schemeClr val="accent1"/>
+                </a:fillRef>
+                <a:effectRef idx="0">
+                  <a:schemeClr val="accent1"/>
+                </a:effectRef>
+                <a:fontRef idx="minor">
+                  <a:schemeClr val="tx1"/>
+                </a:fontRef>
+              </p:style>
+            </p:cxnSp>
+            <p:sp>
+              <p:nvSpPr>
+                <p:cNvPr id="85" name="TekstSylinder 84">
+                  <a:extLst>
+                    <a:ext uri="{FF2B5EF4-FFF2-40B4-BE49-F238E27FC236}">
+                      <a16:creationId xmlns:a16="http://schemas.microsoft.com/office/drawing/2014/main" id="{A1625B3E-58AC-46CA-82E6-DEC20E1D1C43}"/>
+                    </a:ext>
+                  </a:extLst>
+                </p:cNvPr>
+                <p:cNvSpPr txBox="1"/>
+                <p:nvPr/>
+              </p:nvSpPr>
+              <p:spPr>
+                <a:xfrm>
+                  <a:off x="3475277" y="4101522"/>
+                  <a:ext cx="1388247" cy="400110"/>
+                </a:xfrm>
+                <a:prstGeom prst="rect">
+                  <a:avLst/>
+                </a:prstGeom>
+                <a:noFill/>
+              </p:spPr>
+              <p:txBody>
+                <a:bodyPr wrap="square" rtlCol="0">
+                  <a:spAutoFit/>
+                </a:bodyPr>
+                <a:lstStyle/>
+                <a:p>
+                  <a:pPr algn="ctr"/>
+                  <a:r>
+                    <a:rPr lang="en-US" sz="1000" dirty="0">
+                      <a:latin typeface="Consolas" panose="020B0609020204030204" pitchFamily="49" charset="0"/>
+                    </a:rPr>
+                    <a:t>TRANSACTION--</a:t>
+                  </a:r>
+                  <a:r>
+                    <a:rPr lang="en-US" sz="1000" i="1" dirty="0">
+                      <a:latin typeface="Consolas" panose="020B0609020204030204" pitchFamily="49" charset="0"/>
+                    </a:rPr>
+                    <a:t>query</a:t>
+                  </a:r>
+                  <a:r>
+                    <a:rPr lang="en-US" sz="1000" dirty="0">
+                      <a:latin typeface="Consolas" panose="020B0609020204030204" pitchFamily="49" charset="0"/>
+                    </a:rPr>
+                    <a:t>--ROLLBACK</a:t>
+                  </a:r>
+                  <a:endParaRPr lang="en-US" sz="1000" i="1" dirty="0">
+                    <a:latin typeface="Consolas" panose="020B0609020204030204" pitchFamily="49" charset="0"/>
+                  </a:endParaRPr>
+                </a:p>
+              </p:txBody>
+            </p:sp>
+            <p:sp>
+              <p:nvSpPr>
+                <p:cNvPr id="86" name="Rektangel 85">
+                  <a:extLst>
+                    <a:ext uri="{FF2B5EF4-FFF2-40B4-BE49-F238E27FC236}">
+                      <a16:creationId xmlns:a16="http://schemas.microsoft.com/office/drawing/2014/main" id="{1C284103-22AC-4B59-BDB6-381F309F9C12}"/>
+                    </a:ext>
+                  </a:extLst>
+                </p:cNvPr>
+                <p:cNvSpPr/>
+                <p:nvPr/>
+              </p:nvSpPr>
+              <p:spPr>
+                <a:xfrm>
+                  <a:off x="5716808" y="4869198"/>
+                  <a:ext cx="194048" cy="321708"/>
+                </a:xfrm>
+                <a:prstGeom prst="rect">
+                  <a:avLst/>
+                </a:prstGeom>
+                <a:solidFill>
+                  <a:schemeClr val="accent6">
+                    <a:lumMod val="60000"/>
+                    <a:lumOff val="40000"/>
+                  </a:schemeClr>
+                </a:solidFill>
+                <a:ln>
+                  <a:noFill/>
+                </a:ln>
+              </p:spPr>
+              <p:style>
+                <a:lnRef idx="2">
+                  <a:schemeClr val="accent1">
+                    <a:shade val="50000"/>
+                  </a:schemeClr>
+                </a:lnRef>
+                <a:fillRef idx="1">
+                  <a:schemeClr val="accent1"/>
+                </a:fillRef>
+                <a:effectRef idx="0">
+                  <a:schemeClr val="accent1"/>
+                </a:effectRef>
+                <a:fontRef idx="minor">
+                  <a:schemeClr val="lt1"/>
+                </a:fontRef>
+              </p:style>
+              <p:txBody>
+                <a:bodyPr rot="0" spcFirstLastPara="0" vertOverflow="overflow" horzOverflow="overflow" vert="horz" wrap="square" lIns="91440" tIns="45721" rIns="91440" bIns="45721" numCol="1" spcCol="0" rtlCol="0" fromWordArt="0" anchor="ctr" anchorCtr="0" forceAA="0" compatLnSpc="1">
+                  <a:prstTxWarp prst="textNoShape">
+                    <a:avLst/>
+                  </a:prstTxWarp>
+                  <a:noAutofit/>
+                </a:bodyPr>
+                <a:lstStyle/>
+                <a:p>
+                  <a:pPr algn="ctr"/>
+                  <a:endParaRPr lang="nb-NO" sz="1801"/>
+                </a:p>
+              </p:txBody>
+            </p:sp>
+            <p:sp>
+              <p:nvSpPr>
+                <p:cNvPr id="87" name="Rektangel 86">
+                  <a:extLst>
+                    <a:ext uri="{FF2B5EF4-FFF2-40B4-BE49-F238E27FC236}">
+                      <a16:creationId xmlns:a16="http://schemas.microsoft.com/office/drawing/2014/main" id="{21848C4E-59E9-4C20-9DEE-77096FCD446B}"/>
+                    </a:ext>
+                  </a:extLst>
+                </p:cNvPr>
+                <p:cNvSpPr/>
+                <p:nvPr/>
+              </p:nvSpPr>
+              <p:spPr>
+                <a:xfrm>
+                  <a:off x="2423270" y="4869198"/>
+                  <a:ext cx="194048" cy="321708"/>
+                </a:xfrm>
+                <a:prstGeom prst="rect">
+                  <a:avLst/>
+                </a:prstGeom>
+                <a:solidFill>
+                  <a:schemeClr val="accent6">
+                    <a:lumMod val="60000"/>
+                    <a:lumOff val="40000"/>
+                  </a:schemeClr>
+                </a:solidFill>
+                <a:ln>
+                  <a:noFill/>
+                </a:ln>
+              </p:spPr>
+              <p:style>
+                <a:lnRef idx="2">
+                  <a:schemeClr val="accent1">
+                    <a:shade val="50000"/>
+                  </a:schemeClr>
+                </a:lnRef>
+                <a:fillRef idx="1">
+                  <a:schemeClr val="accent1"/>
+                </a:fillRef>
+                <a:effectRef idx="0">
+                  <a:schemeClr val="accent1"/>
+                </a:effectRef>
+                <a:fontRef idx="minor">
+                  <a:schemeClr val="lt1"/>
+                </a:fontRef>
+              </p:style>
+              <p:txBody>
+                <a:bodyPr rot="0" spcFirstLastPara="0" vertOverflow="overflow" horzOverflow="overflow" vert="horz" wrap="square" lIns="91440" tIns="45721" rIns="91440" bIns="45721" numCol="1" spcCol="0" rtlCol="0" fromWordArt="0" anchor="ctr" anchorCtr="0" forceAA="0" compatLnSpc="1">
+                  <a:prstTxWarp prst="textNoShape">
+                    <a:avLst/>
+                  </a:prstTxWarp>
+                  <a:noAutofit/>
+                </a:bodyPr>
+                <a:lstStyle/>
+                <a:p>
+                  <a:pPr algn="ctr"/>
+                  <a:endParaRPr lang="nb-NO" sz="1801"/>
+                </a:p>
+              </p:txBody>
+            </p:sp>
+            <p:cxnSp>
+              <p:nvCxnSpPr>
+                <p:cNvPr id="88" name="Rett pilkobling 87">
+                  <a:extLst>
+                    <a:ext uri="{FF2B5EF4-FFF2-40B4-BE49-F238E27FC236}">
+                      <a16:creationId xmlns:a16="http://schemas.microsoft.com/office/drawing/2014/main" id="{9677E701-8FC4-44D7-B169-E194453C126C}"/>
+                    </a:ext>
+                  </a:extLst>
+                </p:cNvPr>
+                <p:cNvCxnSpPr>
+                  <a:cxnSpLocks/>
+                  <a:stCxn id="87" idx="3"/>
+                  <a:endCxn id="86" idx="1"/>
+                </p:cNvCxnSpPr>
+                <p:nvPr/>
+              </p:nvCxnSpPr>
+              <p:spPr>
+                <a:xfrm>
+                  <a:off x="2617318" y="5030052"/>
+                  <a:ext cx="3099490" cy="0"/>
+                </a:xfrm>
+                <a:prstGeom prst="straightConnector1">
+                  <a:avLst/>
+                </a:prstGeom>
+                <a:ln w="19050">
+                  <a:solidFill>
+                    <a:schemeClr val="tx1">
+                      <a:lumMod val="75000"/>
+                      <a:lumOff val="25000"/>
+                    </a:schemeClr>
+                  </a:solidFill>
+                  <a:tailEnd type="triangle"/>
+                </a:ln>
+              </p:spPr>
+              <p:style>
+                <a:lnRef idx="1">
+                  <a:schemeClr val="accent1"/>
+                </a:lnRef>
+                <a:fillRef idx="0">
+                  <a:schemeClr val="accent1"/>
+                </a:fillRef>
+                <a:effectRef idx="0">
+                  <a:schemeClr val="accent1"/>
+                </a:effectRef>
+                <a:fontRef idx="minor">
+                  <a:schemeClr val="tx1"/>
+                </a:fontRef>
+              </p:style>
+            </p:cxnSp>
+            <p:sp>
+              <p:nvSpPr>
+                <p:cNvPr id="89" name="TekstSylinder 88">
+                  <a:extLst>
+                    <a:ext uri="{FF2B5EF4-FFF2-40B4-BE49-F238E27FC236}">
+                      <a16:creationId xmlns:a16="http://schemas.microsoft.com/office/drawing/2014/main" id="{DEB3B371-6828-4F4D-BA5D-53945854DFB7}"/>
+                    </a:ext>
+                  </a:extLst>
+                </p:cNvPr>
+                <p:cNvSpPr txBox="1"/>
+                <p:nvPr/>
+              </p:nvSpPr>
+              <p:spPr>
+                <a:xfrm>
+                  <a:off x="3499788" y="4773334"/>
+                  <a:ext cx="1388247" cy="246221"/>
+                </a:xfrm>
+                <a:prstGeom prst="rect">
+                  <a:avLst/>
+                </a:prstGeom>
+                <a:noFill/>
+              </p:spPr>
+              <p:txBody>
+                <a:bodyPr wrap="square" rtlCol="0">
+                  <a:spAutoFit/>
+                </a:bodyPr>
+                <a:lstStyle/>
+                <a:p>
+                  <a:pPr algn="ctr"/>
+                  <a:r>
+                    <a:rPr lang="en-US" sz="1000" dirty="0">
+                      <a:latin typeface="Consolas" panose="020B0609020204030204" pitchFamily="49" charset="0"/>
+                    </a:rPr>
+                    <a:t>ROLLBACKED</a:t>
+                  </a:r>
+                </a:p>
+              </p:txBody>
+            </p:sp>
+            <p:sp>
+              <p:nvSpPr>
+                <p:cNvPr id="67" name="TekstSylinder 66">
+                  <a:extLst>
+                    <a:ext uri="{FF2B5EF4-FFF2-40B4-BE49-F238E27FC236}">
+                      <a16:creationId xmlns:a16="http://schemas.microsoft.com/office/drawing/2014/main" id="{DC34EC25-BB95-4CDC-8ED8-FAD0C41AE3C0}"/>
+                    </a:ext>
+                  </a:extLst>
+                </p:cNvPr>
+                <p:cNvSpPr txBox="1"/>
+                <p:nvPr/>
+              </p:nvSpPr>
+              <p:spPr>
+                <a:xfrm>
+                  <a:off x="5162288" y="1291548"/>
+                  <a:ext cx="1322308" cy="338554"/>
+                </a:xfrm>
+                <a:prstGeom prst="rect">
+                  <a:avLst/>
+                </a:prstGeom>
+                <a:solidFill>
+                  <a:schemeClr val="bg2"/>
+                </a:solidFill>
+              </p:spPr>
+              <p:txBody>
+                <a:bodyPr wrap="square" rtlCol="0">
+                  <a:spAutoFit/>
+                </a:bodyPr>
+                <a:lstStyle/>
+                <a:p>
+                  <a:pPr algn="ctr"/>
+                  <a:r>
+                    <a:rPr lang="nb-NO" sz="1600" b="1" dirty="0"/>
+                    <a:t>Coordinator</a:t>
+                  </a:r>
+                  <a:endParaRPr lang="nb-NO" sz="2400" dirty="0">
+                    <a:latin typeface="Consolas" panose="020B0609020204030204" pitchFamily="49" charset="0"/>
+                  </a:endParaRPr>
+                </a:p>
+              </p:txBody>
+            </p:sp>
+          </p:grpSp>
+        </p:grpSp>
+        <p:sp>
+          <p:nvSpPr>
+            <p:cNvPr id="54" name="Rektangel 53">
+              <a:extLst>
+                <a:ext uri="{FF2B5EF4-FFF2-40B4-BE49-F238E27FC236}">
+                  <a16:creationId xmlns:a16="http://schemas.microsoft.com/office/drawing/2014/main" id="{F92D3D84-15FE-4A0F-91B8-006A0050B8A6}"/>
+                </a:ext>
+              </a:extLst>
+            </p:cNvPr>
+            <p:cNvSpPr/>
+            <p:nvPr/>
+          </p:nvSpPr>
+          <p:spPr>
+            <a:xfrm>
+              <a:off x="5716808" y="5520071"/>
+              <a:ext cx="194048" cy="321708"/>
+            </a:xfrm>
+            <a:prstGeom prst="rect">
+              <a:avLst/>
+            </a:prstGeom>
+            <a:solidFill>
+              <a:schemeClr val="accent6">
+                <a:lumMod val="60000"/>
+                <a:lumOff val="40000"/>
+              </a:schemeClr>
+            </a:solidFill>
+            <a:ln>
+              <a:noFill/>
+            </a:ln>
+          </p:spPr>
+          <p:style>
+            <a:lnRef idx="2">
+              <a:schemeClr val="accent1">
+                <a:shade val="50000"/>
+              </a:schemeClr>
+            </a:lnRef>
+            <a:fillRef idx="1">
+              <a:schemeClr val="accent1"/>
+            </a:fillRef>
+            <a:effectRef idx="0">
+              <a:schemeClr val="accent1"/>
+            </a:effectRef>
+            <a:fontRef idx="minor">
+              <a:schemeClr val="lt1"/>
+            </a:fontRef>
+          </p:style>
+          <p:txBody>
+            <a:bodyPr rot="0" spcFirstLastPara="0" vertOverflow="overflow" horzOverflow="overflow" vert="horz" wrap="square" lIns="91440" tIns="45721" rIns="91440" bIns="45721" numCol="1" spcCol="0" rtlCol="0" fromWordArt="0" anchor="ctr" anchorCtr="0" forceAA="0" compatLnSpc="1">
+              <a:prstTxWarp prst="textNoShape">
+                <a:avLst/>
+              </a:prstTxWarp>
+              <a:noAutofit/>
+            </a:bodyPr>
+            <a:lstStyle/>
+            <a:p>
+              <a:pPr algn="ctr"/>
+              <a:endParaRPr lang="nb-NO" sz="1801"/>
+            </a:p>
+          </p:txBody>
+        </p:sp>
+        <p:sp>
+          <p:nvSpPr>
+            <p:cNvPr id="55" name="Rektangel 54">
+              <a:extLst>
+                <a:ext uri="{FF2B5EF4-FFF2-40B4-BE49-F238E27FC236}">
+                  <a16:creationId xmlns:a16="http://schemas.microsoft.com/office/drawing/2014/main" id="{63EB7E7C-9A5F-43AA-97FD-6561E32DE276}"/>
+                </a:ext>
+              </a:extLst>
+            </p:cNvPr>
+            <p:cNvSpPr/>
+            <p:nvPr/>
+          </p:nvSpPr>
+          <p:spPr>
+            <a:xfrm>
+              <a:off x="2423270" y="5520071"/>
+              <a:ext cx="194048" cy="321708"/>
+            </a:xfrm>
+            <a:prstGeom prst="rect">
+              <a:avLst/>
+            </a:prstGeom>
+            <a:solidFill>
+              <a:schemeClr val="accent6">
+                <a:lumMod val="60000"/>
+                <a:lumOff val="40000"/>
+              </a:schemeClr>
+            </a:solidFill>
+            <a:ln>
+              <a:noFill/>
+            </a:ln>
+          </p:spPr>
+          <p:style>
+            <a:lnRef idx="2">
+              <a:schemeClr val="accent1">
+                <a:shade val="50000"/>
+              </a:schemeClr>
+            </a:lnRef>
+            <a:fillRef idx="1">
+              <a:schemeClr val="accent1"/>
+            </a:fillRef>
+            <a:effectRef idx="0">
+              <a:schemeClr val="accent1"/>
+            </a:effectRef>
+            <a:fontRef idx="minor">
+              <a:schemeClr val="lt1"/>
+            </a:fontRef>
+          </p:style>
+          <p:txBody>
+            <a:bodyPr rot="0" spcFirstLastPara="0" vertOverflow="overflow" horzOverflow="overflow" vert="horz" wrap="square" lIns="91440" tIns="45721" rIns="91440" bIns="45721" numCol="1" spcCol="0" rtlCol="0" fromWordArt="0" anchor="ctr" anchorCtr="0" forceAA="0" compatLnSpc="1">
+              <a:prstTxWarp prst="textNoShape">
+                <a:avLst/>
+              </a:prstTxWarp>
+              <a:noAutofit/>
+            </a:bodyPr>
+            <a:lstStyle/>
+            <a:p>
+              <a:pPr algn="ctr"/>
+              <a:endParaRPr lang="nb-NO" sz="1801"/>
+            </a:p>
+          </p:txBody>
+        </p:sp>
+        <p:cxnSp>
+          <p:nvCxnSpPr>
+            <p:cNvPr id="56" name="Rett pilkobling 55">
+              <a:extLst>
+                <a:ext uri="{FF2B5EF4-FFF2-40B4-BE49-F238E27FC236}">
+                  <a16:creationId xmlns:a16="http://schemas.microsoft.com/office/drawing/2014/main" id="{8F2E6112-5BBD-4575-AC09-C8A1DFC1E9A3}"/>
+                </a:ext>
+              </a:extLst>
+            </p:cNvPr>
+            <p:cNvCxnSpPr>
+              <a:cxnSpLocks/>
+              <a:stCxn id="54" idx="1"/>
+              <a:endCxn id="55" idx="3"/>
+            </p:cNvCxnSpPr>
+            <p:nvPr/>
+          </p:nvCxnSpPr>
+          <p:spPr>
+            <a:xfrm flipH="1">
+              <a:off x="2617318" y="5680925"/>
+              <a:ext cx="3099490" cy="0"/>
+            </a:xfrm>
+            <a:prstGeom prst="straightConnector1">
+              <a:avLst/>
+            </a:prstGeom>
+            <a:ln w="19050">
+              <a:solidFill>
+                <a:schemeClr val="tx1">
+                  <a:lumMod val="75000"/>
+                  <a:lumOff val="25000"/>
+                </a:schemeClr>
+              </a:solidFill>
+              <a:tailEnd type="triangle"/>
+            </a:ln>
+          </p:spPr>
+          <p:style>
+            <a:lnRef idx="1">
+              <a:schemeClr val="accent1"/>
+            </a:lnRef>
+            <a:fillRef idx="0">
+              <a:schemeClr val="accent1"/>
+            </a:fillRef>
+            <a:effectRef idx="0">
+              <a:schemeClr val="accent1"/>
+            </a:effectRef>
+            <a:fontRef idx="minor">
+              <a:schemeClr val="tx1"/>
+            </a:fontRef>
+          </p:style>
+        </p:cxnSp>
+        <p:sp>
+          <p:nvSpPr>
+            <p:cNvPr id="57" name="TekstSylinder 56">
+              <a:extLst>
+                <a:ext uri="{FF2B5EF4-FFF2-40B4-BE49-F238E27FC236}">
+                  <a16:creationId xmlns:a16="http://schemas.microsoft.com/office/drawing/2014/main" id="{2DC81F5C-66B7-4249-81E0-5AA85ED41350}"/>
+                </a:ext>
+              </a:extLst>
+            </p:cNvPr>
+            <p:cNvSpPr txBox="1"/>
+            <p:nvPr/>
+          </p:nvSpPr>
+          <p:spPr>
+            <a:xfrm>
+              <a:off x="3050195" y="5397572"/>
+              <a:ext cx="2300290" cy="246221"/>
+            </a:xfrm>
+            <a:prstGeom prst="rect">
+              <a:avLst/>
+            </a:prstGeom>
+            <a:noFill/>
+          </p:spPr>
+          <p:txBody>
+            <a:bodyPr wrap="square" rtlCol="0">
+              <a:spAutoFit/>
+            </a:bodyPr>
+            <a:lstStyle/>
+            <a:p>
+              <a:pPr algn="ctr"/>
+              <a:r>
+                <a:rPr lang="en-US" sz="1000" dirty="0">
+                  <a:latin typeface="Consolas" panose="020B0609020204030204" pitchFamily="49" charset="0"/>
+                </a:rPr>
+                <a:t>TRANSACTION--</a:t>
+              </a:r>
+              <a:r>
+                <a:rPr lang="en-US" sz="1000" i="1" dirty="0">
+                  <a:latin typeface="Consolas" panose="020B0609020204030204" pitchFamily="49" charset="0"/>
+                </a:rPr>
+                <a:t>query</a:t>
+              </a:r>
+              <a:r>
+                <a:rPr lang="en-US" sz="1000" dirty="0">
+                  <a:latin typeface="Consolas" panose="020B0609020204030204" pitchFamily="49" charset="0"/>
+                </a:rPr>
+                <a:t>--ROLLBACKED</a:t>
+              </a:r>
+            </a:p>
+          </p:txBody>
+        </p:sp>
+      </p:grpSp>
+      <p:sp>
+        <p:nvSpPr>
+          <p:cNvPr id="103" name="Rektangel 102">
+            <a:extLst>
+              <a:ext uri="{FF2B5EF4-FFF2-40B4-BE49-F238E27FC236}">
+                <a16:creationId xmlns:a16="http://schemas.microsoft.com/office/drawing/2014/main" id="{05D5564B-4712-49C6-A1F4-50F96C02F824}"/>
+              </a:ext>
+            </a:extLst>
+          </p:cNvPr>
+          <p:cNvSpPr/>
+          <p:nvPr/>
+        </p:nvSpPr>
+        <p:spPr>
+          <a:xfrm>
+            <a:off x="457200" y="-4089400"/>
+            <a:ext cx="4955182" cy="685800"/>
+          </a:xfrm>
+          <a:prstGeom prst="rect">
+            <a:avLst/>
+          </a:prstGeom>
+        </p:spPr>
+        <p:style>
+          <a:lnRef idx="2">
+            <a:schemeClr val="accent1">
+              <a:shade val="50000"/>
+            </a:schemeClr>
+          </a:lnRef>
+          <a:fillRef idx="1">
+            <a:schemeClr val="accent1"/>
+          </a:fillRef>
+          <a:effectRef idx="0">
+            <a:schemeClr val="accent1"/>
+          </a:effectRef>
+          <a:fontRef idx="minor">
+            <a:schemeClr val="lt1"/>
+          </a:fontRef>
+        </p:style>
+        <p:txBody>
+          <a:bodyPr rtlCol="0" anchor="ctr"/>
+          <a:lstStyle/>
+          <a:p>
+            <a:pPr algn="ctr"/>
+            <a:endParaRPr lang="nb-NO"/>
+          </a:p>
+        </p:txBody>
+      </p:sp>
+    </p:spTree>
+    <p:extLst>
+      <p:ext uri="{BB962C8B-B14F-4D97-AF65-F5344CB8AC3E}">
+        <p14:creationId xmlns:p14="http://schemas.microsoft.com/office/powerpoint/2010/main" val="4086063164"/>
+      </p:ext>
+    </p:extLst>
+  </p:cSld>
+  <p:clrMapOvr>
+    <a:masterClrMapping/>
+  </p:clrMapOvr>
+</p:sld>
+</file>
+
+<file path=ppt/slides/slide3.xml><?xml version="1.0" encoding="utf-8"?>
+<p:sld xmlns:a="http://schemas.openxmlformats.org/drawingml/2006/main" xmlns:r="http://schemas.openxmlformats.org/officeDocument/2006/relationships" xmlns:p="http://schemas.openxmlformats.org/presentationml/2006/main">
+  <p:cSld>
+    <p:spTree>
+      <p:nvGrpSpPr>
+        <p:cNvPr id="1" name=""/>
+        <p:cNvGrpSpPr/>
+        <p:nvPr/>
+      </p:nvGrpSpPr>
+      <p:grpSpPr>
+        <a:xfrm>
+          <a:off x="0" y="0"/>
+          <a:ext cx="0" cy="0"/>
+          <a:chOff x="0" y="0"/>
+          <a:chExt cx="0" cy="0"/>
+        </a:xfrm>
+      </p:grpSpPr>
+      <p:grpSp>
+        <p:nvGrpSpPr>
+          <p:cNvPr id="5" name="Gruppe 4">
+            <a:extLst>
+              <a:ext uri="{FF2B5EF4-FFF2-40B4-BE49-F238E27FC236}">
+                <a16:creationId xmlns:a16="http://schemas.microsoft.com/office/drawing/2014/main" id="{8C058BF2-3A4D-4519-8EA4-DBD58BD1DD87}"/>
+              </a:ext>
+            </a:extLst>
+          </p:cNvPr>
+          <p:cNvGrpSpPr/>
+          <p:nvPr/>
+        </p:nvGrpSpPr>
+        <p:grpSpPr>
+          <a:xfrm>
+            <a:off x="1885938" y="330200"/>
+            <a:ext cx="4626855" cy="4588933"/>
+            <a:chOff x="1885938" y="330200"/>
+            <a:chExt cx="4626855" cy="4588933"/>
+          </a:xfrm>
+        </p:grpSpPr>
+        <p:sp>
+          <p:nvSpPr>
+            <p:cNvPr id="10" name="Rektangel 9">
+              <a:extLst>
+                <a:ext uri="{FF2B5EF4-FFF2-40B4-BE49-F238E27FC236}">
+                  <a16:creationId xmlns:a16="http://schemas.microsoft.com/office/drawing/2014/main" id="{D891862F-2DE1-4C61-9F2B-C5EB2022EC7F}"/>
+                </a:ext>
+              </a:extLst>
+            </p:cNvPr>
+            <p:cNvSpPr/>
+            <p:nvPr/>
+          </p:nvSpPr>
+          <p:spPr>
+            <a:xfrm>
+              <a:off x="1885938" y="330200"/>
+              <a:ext cx="4626855" cy="4588933"/>
+            </a:xfrm>
+            <a:prstGeom prst="rect">
+              <a:avLst/>
+            </a:prstGeom>
+            <a:solidFill>
+              <a:srgbClr val="FBFBFB"/>
+            </a:solidFill>
+            <a:ln>
+              <a:noFill/>
+            </a:ln>
+          </p:spPr>
+          <p:style>
+            <a:lnRef idx="2">
+              <a:schemeClr val="accent1">
+                <a:shade val="50000"/>
+              </a:schemeClr>
+            </a:lnRef>
+            <a:fillRef idx="1">
+              <a:schemeClr val="accent1"/>
+            </a:fillRef>
+            <a:effectRef idx="0">
+              <a:schemeClr val="accent1"/>
+            </a:effectRef>
+            <a:fontRef idx="minor">
+              <a:schemeClr val="lt1"/>
+            </a:fontRef>
+          </p:style>
+          <p:txBody>
+            <a:bodyPr rot="0" spcFirstLastPara="0" vertOverflow="overflow" horzOverflow="overflow" vert="horz" wrap="square" lIns="91440" tIns="45721" rIns="91440" bIns="45721" numCol="1" spcCol="0" rtlCol="0" fromWordArt="0" anchor="ctr" anchorCtr="0" forceAA="0" compatLnSpc="1">
+              <a:prstTxWarp prst="textNoShape">
+                <a:avLst/>
+              </a:prstTxWarp>
+              <a:noAutofit/>
+            </a:bodyPr>
+            <a:lstStyle/>
+            <a:p>
+              <a:pPr algn="ctr"/>
+              <a:endParaRPr lang="nb-NO" sz="1801" dirty="0"/>
+            </a:p>
+          </p:txBody>
+        </p:sp>
+        <p:grpSp>
+          <p:nvGrpSpPr>
+            <p:cNvPr id="11" name="Gruppe 10">
+              <a:extLst>
+                <a:ext uri="{FF2B5EF4-FFF2-40B4-BE49-F238E27FC236}">
+                  <a16:creationId xmlns:a16="http://schemas.microsoft.com/office/drawing/2014/main" id="{161440A2-B059-4912-94E2-ECB88447E287}"/>
+                </a:ext>
+              </a:extLst>
+            </p:cNvPr>
+            <p:cNvGrpSpPr/>
+            <p:nvPr/>
+          </p:nvGrpSpPr>
+          <p:grpSpPr>
+            <a:xfrm>
+              <a:off x="1968266" y="447135"/>
+              <a:ext cx="4516330" cy="4307167"/>
+              <a:chOff x="1968266" y="447135"/>
+              <a:chExt cx="4516330" cy="4307167"/>
+            </a:xfrm>
+          </p:grpSpPr>
+          <p:grpSp>
+            <p:nvGrpSpPr>
+              <p:cNvPr id="12" name="Gruppe 11">
+                <a:extLst>
+                  <a:ext uri="{FF2B5EF4-FFF2-40B4-BE49-F238E27FC236}">
+                    <a16:creationId xmlns:a16="http://schemas.microsoft.com/office/drawing/2014/main" id="{1638A812-5527-4E0D-87B3-692A173FE0F7}"/>
+                  </a:ext>
+                </a:extLst>
+              </p:cNvPr>
+              <p:cNvGrpSpPr/>
+              <p:nvPr/>
+            </p:nvGrpSpPr>
+            <p:grpSpPr>
+              <a:xfrm>
+                <a:off x="2029598" y="3375888"/>
+                <a:ext cx="4297242" cy="1378414"/>
+                <a:chOff x="7459730" y="1973223"/>
+                <a:chExt cx="3632708" cy="1378414"/>
+              </a:xfrm>
+            </p:grpSpPr>
+            <p:grpSp>
+              <p:nvGrpSpPr>
+                <p:cNvPr id="44" name="Gruppe 43">
+                  <a:extLst>
+                    <a:ext uri="{FF2B5EF4-FFF2-40B4-BE49-F238E27FC236}">
+                      <a16:creationId xmlns:a16="http://schemas.microsoft.com/office/drawing/2014/main" id="{5E23E0CB-C99E-4B82-B4D3-1404AF4CF879}"/>
+                    </a:ext>
+                  </a:extLst>
+                </p:cNvPr>
+                <p:cNvGrpSpPr/>
+                <p:nvPr/>
+              </p:nvGrpSpPr>
+              <p:grpSpPr>
+                <a:xfrm>
+                  <a:off x="7506629" y="2050719"/>
+                  <a:ext cx="3538910" cy="1300918"/>
+                  <a:chOff x="6587972" y="1850746"/>
+                  <a:chExt cx="3315390" cy="1300918"/>
+                </a:xfrm>
+              </p:grpSpPr>
+              <p:sp>
+                <p:nvSpPr>
+                  <p:cNvPr id="46" name="Rektangel 45">
+                    <a:extLst>
+                      <a:ext uri="{FF2B5EF4-FFF2-40B4-BE49-F238E27FC236}">
+                        <a16:creationId xmlns:a16="http://schemas.microsoft.com/office/drawing/2014/main" id="{ACA9A9D0-EB3A-4D25-814B-1EBC1BADA90F}"/>
+                      </a:ext>
+                    </a:extLst>
+                  </p:cNvPr>
+                  <p:cNvSpPr/>
+                  <p:nvPr/>
+                </p:nvSpPr>
+                <p:spPr>
+                  <a:xfrm>
+                    <a:off x="6587972" y="1850746"/>
+                    <a:ext cx="3315390" cy="1300918"/>
+                  </a:xfrm>
+                  <a:prstGeom prst="rect">
+                    <a:avLst/>
+                  </a:prstGeom>
+                  <a:noFill/>
+                  <a:ln>
+                    <a:solidFill>
+                      <a:schemeClr val="tx1"/>
+                    </a:solidFill>
+                    <a:prstDash val="dash"/>
+                  </a:ln>
+                </p:spPr>
+                <p:style>
+                  <a:lnRef idx="2">
+                    <a:schemeClr val="accent1">
+                      <a:shade val="50000"/>
+                    </a:schemeClr>
+                  </a:lnRef>
+                  <a:fillRef idx="1">
+                    <a:schemeClr val="accent1"/>
+                  </a:fillRef>
+                  <a:effectRef idx="0">
+                    <a:schemeClr val="accent1"/>
+                  </a:effectRef>
+                  <a:fontRef idx="minor">
+                    <a:schemeClr val="lt1"/>
+                  </a:fontRef>
+                </p:style>
+                <p:txBody>
+                  <a:bodyPr rot="0" spcFirstLastPara="0" vertOverflow="overflow" horzOverflow="overflow" vert="horz" wrap="square" lIns="91440" tIns="45721" rIns="91440" bIns="45721" numCol="1" spcCol="0" rtlCol="0" fromWordArt="0" anchor="ctr" anchorCtr="0" forceAA="0" compatLnSpc="1">
+                    <a:prstTxWarp prst="textNoShape">
+                      <a:avLst/>
+                    </a:prstTxWarp>
+                    <a:noAutofit/>
+                  </a:bodyPr>
+                  <a:lstStyle/>
+                  <a:p>
+                    <a:pPr algn="ctr"/>
+                    <a:endParaRPr lang="nb-NO" sz="1801"/>
+                  </a:p>
+                </p:txBody>
+              </p:sp>
+              <p:sp>
+                <p:nvSpPr>
+                  <p:cNvPr id="47" name="Rektangel 46">
+                    <a:extLst>
+                      <a:ext uri="{FF2B5EF4-FFF2-40B4-BE49-F238E27FC236}">
+                        <a16:creationId xmlns:a16="http://schemas.microsoft.com/office/drawing/2014/main" id="{2AAFA8A2-7BD1-4A10-9557-01593AA303D3}"/>
+                      </a:ext>
+                    </a:extLst>
+                  </p:cNvPr>
+                  <p:cNvSpPr/>
+                  <p:nvPr/>
+                </p:nvSpPr>
+                <p:spPr>
+                  <a:xfrm>
+                    <a:off x="6587972" y="1927818"/>
+                    <a:ext cx="3315390" cy="538609"/>
+                  </a:xfrm>
+                  <a:prstGeom prst="rect">
+                    <a:avLst/>
+                  </a:prstGeom>
+                </p:spPr>
+                <p:txBody>
+                  <a:bodyPr wrap="square">
+                    <a:spAutoFit/>
+                  </a:bodyPr>
+                  <a:lstStyle/>
+                  <a:p>
+                    <a:pPr algn="ctr"/>
+                    <a:r>
+                      <a:rPr lang="nb-NO" sz="2000" b="1" dirty="0">
+                        <a:solidFill>
+                          <a:schemeClr val="tx1">
+                            <a:lumMod val="85000"/>
+                            <a:lumOff val="15000"/>
+                          </a:schemeClr>
+                        </a:solidFill>
+                        <a:latin typeface="Consolas" panose="020B0609020204030204" pitchFamily="49" charset="0"/>
+                      </a:rPr>
+                      <a:t>Phase two</a:t>
+                    </a:r>
+                    <a:br>
+                      <a:rPr lang="nb-NO" sz="2000" b="1" dirty="0">
+                        <a:solidFill>
+                          <a:schemeClr val="tx1">
+                            <a:lumMod val="85000"/>
+                            <a:lumOff val="15000"/>
+                          </a:schemeClr>
+                        </a:solidFill>
+                        <a:latin typeface="Consolas" panose="020B0609020204030204" pitchFamily="49" charset="0"/>
+                      </a:rPr>
+                    </a:br>
+                    <a:r>
+                      <a:rPr lang="nb-NO" sz="900" b="1" dirty="0" err="1">
+                        <a:solidFill>
+                          <a:schemeClr val="tx1">
+                            <a:lumMod val="50000"/>
+                            <a:lumOff val="50000"/>
+                          </a:schemeClr>
+                        </a:solidFill>
+                        <a:latin typeface="Consolas" panose="020B0609020204030204" pitchFamily="49" charset="0"/>
+                      </a:rPr>
+                      <a:t>After</a:t>
+                    </a:r>
+                    <a:r>
+                      <a:rPr lang="nb-NO" sz="900" b="1" dirty="0">
+                        <a:solidFill>
+                          <a:schemeClr val="tx1">
+                            <a:lumMod val="50000"/>
+                            <a:lumOff val="50000"/>
+                          </a:schemeClr>
+                        </a:solidFill>
+                        <a:latin typeface="Consolas" panose="020B0609020204030204" pitchFamily="49" charset="0"/>
+                      </a:rPr>
+                      <a:t> a </a:t>
+                    </a:r>
+                    <a:r>
+                      <a:rPr lang="nb-NO" sz="900" b="1" dirty="0" err="1">
+                        <a:solidFill>
+                          <a:schemeClr val="tx1">
+                            <a:lumMod val="50000"/>
+                            <a:lumOff val="50000"/>
+                          </a:schemeClr>
+                        </a:solidFill>
+                        <a:latin typeface="Consolas" panose="020B0609020204030204" pitchFamily="49" charset="0"/>
+                      </a:rPr>
+                      <a:t>specific</a:t>
+                    </a:r>
+                    <a:r>
+                      <a:rPr lang="nb-NO" sz="900" b="1" dirty="0">
+                        <a:solidFill>
+                          <a:schemeClr val="tx1">
+                            <a:lumMod val="50000"/>
+                            <a:lumOff val="50000"/>
+                          </a:schemeClr>
+                        </a:solidFill>
+                        <a:latin typeface="Consolas" panose="020B0609020204030204" pitchFamily="49" charset="0"/>
+                      </a:rPr>
+                      <a:t> </a:t>
+                    </a:r>
+                    <a:r>
+                      <a:rPr lang="nb-NO" sz="900" b="1" dirty="0" err="1">
+                        <a:solidFill>
+                          <a:schemeClr val="tx1">
+                            <a:lumMod val="50000"/>
+                            <a:lumOff val="50000"/>
+                          </a:schemeClr>
+                        </a:solidFill>
+                        <a:latin typeface="Consolas" panose="020B0609020204030204" pitchFamily="49" charset="0"/>
+                      </a:rPr>
+                      <a:t>amount</a:t>
+                    </a:r>
+                    <a:r>
+                      <a:rPr lang="nb-NO" sz="900" b="1" dirty="0">
+                        <a:solidFill>
+                          <a:schemeClr val="tx1">
+                            <a:lumMod val="50000"/>
+                            <a:lumOff val="50000"/>
+                          </a:schemeClr>
+                        </a:solidFill>
+                        <a:latin typeface="Consolas" panose="020B0609020204030204" pitchFamily="49" charset="0"/>
+                      </a:rPr>
+                      <a:t> </a:t>
+                    </a:r>
+                    <a:r>
+                      <a:rPr lang="nb-NO" sz="900" b="1" dirty="0" err="1">
+                        <a:solidFill>
+                          <a:schemeClr val="tx1">
+                            <a:lumMod val="50000"/>
+                            <a:lumOff val="50000"/>
+                          </a:schemeClr>
+                        </a:solidFill>
+                        <a:latin typeface="Consolas" panose="020B0609020204030204" pitchFamily="49" charset="0"/>
+                      </a:rPr>
+                      <a:t>of</a:t>
+                    </a:r>
+                    <a:r>
+                      <a:rPr lang="nb-NO" sz="900" b="1" dirty="0">
+                        <a:solidFill>
+                          <a:schemeClr val="tx1">
+                            <a:lumMod val="50000"/>
+                            <a:lumOff val="50000"/>
+                          </a:schemeClr>
+                        </a:solidFill>
+                        <a:latin typeface="Consolas" panose="020B0609020204030204" pitchFamily="49" charset="0"/>
+                      </a:rPr>
+                      <a:t> time</a:t>
+                    </a:r>
+                    <a:endParaRPr lang="nb-NO" sz="2000" dirty="0">
+                      <a:solidFill>
+                        <a:schemeClr val="tx1">
+                          <a:lumMod val="50000"/>
+                          <a:lumOff val="50000"/>
+                        </a:schemeClr>
+                      </a:solidFill>
+                      <a:latin typeface="Consolas" panose="020B0609020204030204" pitchFamily="49" charset="0"/>
+                    </a:endParaRPr>
+                  </a:p>
+                </p:txBody>
+              </p:sp>
+            </p:grpSp>
+            <p:sp>
+              <p:nvSpPr>
+                <p:cNvPr id="45" name="Rektangel 44">
+                  <a:extLst>
+                    <a:ext uri="{FF2B5EF4-FFF2-40B4-BE49-F238E27FC236}">
+                      <a16:creationId xmlns:a16="http://schemas.microsoft.com/office/drawing/2014/main" id="{451F3421-98C7-4DBC-94DC-A90628BC63AA}"/>
+                    </a:ext>
+                  </a:extLst>
+                </p:cNvPr>
+                <p:cNvSpPr/>
+                <p:nvPr/>
+              </p:nvSpPr>
+              <p:spPr>
+                <a:xfrm>
+                  <a:off x="7459730" y="1973223"/>
+                  <a:ext cx="3632708" cy="154990"/>
+                </a:xfrm>
+                <a:prstGeom prst="rect">
+                  <a:avLst/>
+                </a:prstGeom>
+                <a:solidFill>
+                  <a:srgbClr val="FBFBFB"/>
+                </a:solidFill>
+                <a:ln>
+                  <a:noFill/>
+                </a:ln>
+              </p:spPr>
+              <p:style>
+                <a:lnRef idx="2">
+                  <a:schemeClr val="accent1">
+                    <a:shade val="50000"/>
+                  </a:schemeClr>
+                </a:lnRef>
+                <a:fillRef idx="1">
+                  <a:schemeClr val="accent1"/>
+                </a:fillRef>
+                <a:effectRef idx="0">
+                  <a:schemeClr val="accent1"/>
+                </a:effectRef>
+                <a:fontRef idx="minor">
+                  <a:schemeClr val="lt1"/>
+                </a:fontRef>
+              </p:style>
+              <p:txBody>
+                <a:bodyPr rot="0" spcFirstLastPara="0" vertOverflow="overflow" horzOverflow="overflow" vert="horz" wrap="square" lIns="91440" tIns="45721" rIns="91440" bIns="45721" numCol="1" spcCol="0" rtlCol="0" fromWordArt="0" anchor="ctr" anchorCtr="0" forceAA="0" compatLnSpc="1">
+                  <a:prstTxWarp prst="textNoShape">
+                    <a:avLst/>
+                  </a:prstTxWarp>
+                  <a:noAutofit/>
+                </a:bodyPr>
+                <a:lstStyle/>
+                <a:p>
+                  <a:pPr algn="ctr"/>
+                  <a:endParaRPr lang="nb-NO" sz="1801"/>
+                </a:p>
+              </p:txBody>
+            </p:sp>
+          </p:grpSp>
+          <p:cxnSp>
+            <p:nvCxnSpPr>
+              <p:cNvPr id="13" name="Rett pilkobling 12">
+                <a:extLst>
+                  <a:ext uri="{FF2B5EF4-FFF2-40B4-BE49-F238E27FC236}">
+                    <a16:creationId xmlns:a16="http://schemas.microsoft.com/office/drawing/2014/main" id="{ABDDC840-0E98-4F69-A261-F4CF61A765F0}"/>
+                  </a:ext>
+                </a:extLst>
+              </p:cNvPr>
+              <p:cNvCxnSpPr>
+                <a:cxnSpLocks/>
+                <a:stCxn id="15" idx="3"/>
+                <a:endCxn id="17" idx="1"/>
+              </p:cNvCxnSpPr>
+              <p:nvPr/>
+            </p:nvCxnSpPr>
+            <p:spPr>
+              <a:xfrm>
+                <a:off x="2623666" y="946543"/>
+                <a:ext cx="3102752" cy="0"/>
+              </a:xfrm>
+              <a:prstGeom prst="straightConnector1">
+                <a:avLst/>
+              </a:prstGeom>
+              <a:ln w="19050">
+                <a:solidFill>
+                  <a:schemeClr val="tx1">
+                    <a:lumMod val="75000"/>
+                    <a:lumOff val="25000"/>
+                  </a:schemeClr>
+                </a:solidFill>
+                <a:tailEnd type="triangle"/>
+              </a:ln>
+            </p:spPr>
+            <p:style>
+              <a:lnRef idx="1">
+                <a:schemeClr val="accent1"/>
+              </a:lnRef>
+              <a:fillRef idx="0">
+                <a:schemeClr val="accent1"/>
+              </a:fillRef>
+              <a:effectRef idx="0">
+                <a:schemeClr val="accent1"/>
+              </a:effectRef>
+              <a:fontRef idx="minor">
+                <a:schemeClr val="tx1"/>
+              </a:fontRef>
+            </p:style>
+          </p:cxnSp>
+          <p:grpSp>
+            <p:nvGrpSpPr>
+              <p:cNvPr id="14" name="Gruppe 13">
+                <a:extLst>
+                  <a:ext uri="{FF2B5EF4-FFF2-40B4-BE49-F238E27FC236}">
+                    <a16:creationId xmlns:a16="http://schemas.microsoft.com/office/drawing/2014/main" id="{50F86049-A8A5-4C51-AF71-E799A9E5A4D9}"/>
+                  </a:ext>
+                </a:extLst>
+              </p:cNvPr>
+              <p:cNvGrpSpPr/>
+              <p:nvPr/>
+            </p:nvGrpSpPr>
+            <p:grpSpPr>
+              <a:xfrm>
+                <a:off x="1968266" y="447135"/>
+                <a:ext cx="1104057" cy="4219770"/>
+                <a:chOff x="2756212" y="1936887"/>
+                <a:chExt cx="1104056" cy="4219769"/>
+              </a:xfrm>
+            </p:grpSpPr>
+            <p:sp>
+              <p:nvSpPr>
+                <p:cNvPr id="42" name="TekstSylinder 41">
+                  <a:extLst>
+                    <a:ext uri="{FF2B5EF4-FFF2-40B4-BE49-F238E27FC236}">
+                      <a16:creationId xmlns:a16="http://schemas.microsoft.com/office/drawing/2014/main" id="{3CD260F4-F499-4EEC-AD89-01B68CDDCF5A}"/>
+                    </a:ext>
+                  </a:extLst>
+                </p:cNvPr>
+                <p:cNvSpPr txBox="1"/>
+                <p:nvPr/>
+              </p:nvSpPr>
+              <p:spPr>
+                <a:xfrm>
+                  <a:off x="2756212" y="1936887"/>
+                  <a:ext cx="1104056" cy="338554"/>
+                </a:xfrm>
+                <a:prstGeom prst="rect">
+                  <a:avLst/>
+                </a:prstGeom>
+                <a:solidFill>
+                  <a:schemeClr val="bg2"/>
+                </a:solidFill>
+              </p:spPr>
+              <p:txBody>
+                <a:bodyPr wrap="square" rtlCol="0">
+                  <a:spAutoFit/>
+                </a:bodyPr>
+                <a:lstStyle/>
+                <a:p>
+                  <a:pPr algn="ctr"/>
+                  <a:r>
+                    <a:rPr lang="nb-NO" sz="1600" b="1" dirty="0"/>
+                    <a:t>Participant</a:t>
+                  </a:r>
+                  <a:endParaRPr lang="nb-NO" sz="1801" b="1" dirty="0"/>
+                </a:p>
+              </p:txBody>
+            </p:sp>
+            <p:cxnSp>
+              <p:nvCxnSpPr>
+                <p:cNvPr id="43" name="Rett linje 42">
+                  <a:extLst>
+                    <a:ext uri="{FF2B5EF4-FFF2-40B4-BE49-F238E27FC236}">
+                      <a16:creationId xmlns:a16="http://schemas.microsoft.com/office/drawing/2014/main" id="{C7280112-7D39-4AAA-B2B9-EFC5754D469D}"/>
+                    </a:ext>
+                  </a:extLst>
+                </p:cNvPr>
+                <p:cNvCxnSpPr>
+                  <a:cxnSpLocks/>
+                  <a:stCxn id="15" idx="2"/>
+                  <a:endCxn id="30" idx="2"/>
+                </p:cNvCxnSpPr>
+                <p:nvPr/>
+              </p:nvCxnSpPr>
+              <p:spPr>
+                <a:xfrm>
+                  <a:off x="3314587" y="2597149"/>
+                  <a:ext cx="4" cy="3559507"/>
+                </a:xfrm>
+                <a:prstGeom prst="line">
+                  <a:avLst/>
+                </a:prstGeom>
+                <a:ln w="19050">
+                  <a:solidFill>
+                    <a:schemeClr val="tx1">
+                      <a:lumMod val="75000"/>
+                      <a:lumOff val="25000"/>
+                    </a:schemeClr>
+                  </a:solidFill>
+                </a:ln>
+              </p:spPr>
+              <p:style>
+                <a:lnRef idx="1">
+                  <a:schemeClr val="accent1"/>
+                </a:lnRef>
+                <a:fillRef idx="0">
+                  <a:schemeClr val="accent1"/>
+                </a:fillRef>
+                <a:effectRef idx="0">
+                  <a:schemeClr val="accent1"/>
+                </a:effectRef>
+                <a:fontRef idx="minor">
+                  <a:schemeClr val="tx1"/>
+                </a:fontRef>
+              </p:style>
+            </p:cxnSp>
+          </p:grpSp>
+          <p:sp>
+            <p:nvSpPr>
+              <p:cNvPr id="15" name="Rektangel 14">
+                <a:extLst>
+                  <a:ext uri="{FF2B5EF4-FFF2-40B4-BE49-F238E27FC236}">
+                    <a16:creationId xmlns:a16="http://schemas.microsoft.com/office/drawing/2014/main" id="{243625DE-C21C-48D1-A822-624679BA9367}"/>
+                  </a:ext>
+                </a:extLst>
+              </p:cNvPr>
+              <p:cNvSpPr/>
+              <p:nvPr/>
+            </p:nvSpPr>
+            <p:spPr>
+              <a:xfrm>
+                <a:off x="2429618" y="785689"/>
+                <a:ext cx="194048" cy="321708"/>
+              </a:xfrm>
+              <a:prstGeom prst="rect">
+                <a:avLst/>
+              </a:prstGeom>
+              <a:solidFill>
+                <a:schemeClr val="accent6">
+                  <a:lumMod val="60000"/>
+                  <a:lumOff val="40000"/>
+                </a:schemeClr>
+              </a:solidFill>
+              <a:ln>
+                <a:noFill/>
+              </a:ln>
+            </p:spPr>
+            <p:style>
+              <a:lnRef idx="2">
+                <a:schemeClr val="accent1">
+                  <a:shade val="50000"/>
+                </a:schemeClr>
+              </a:lnRef>
+              <a:fillRef idx="1">
+                <a:schemeClr val="accent1"/>
+              </a:fillRef>
+              <a:effectRef idx="0">
+                <a:schemeClr val="accent1"/>
+              </a:effectRef>
+              <a:fontRef idx="minor">
+                <a:schemeClr val="lt1"/>
+              </a:fontRef>
+            </p:style>
+            <p:txBody>
+              <a:bodyPr rot="0" spcFirstLastPara="0" vertOverflow="overflow" horzOverflow="overflow" vert="horz" wrap="square" lIns="91440" tIns="45721" rIns="91440" bIns="45721" numCol="1" spcCol="0" rtlCol="0" fromWordArt="0" anchor="ctr" anchorCtr="0" forceAA="0" compatLnSpc="1">
+                <a:prstTxWarp prst="textNoShape">
+                  <a:avLst/>
+                </a:prstTxWarp>
+                <a:noAutofit/>
+              </a:bodyPr>
+              <a:lstStyle/>
+              <a:p>
+                <a:pPr algn="ctr"/>
+                <a:endParaRPr lang="nb-NO" sz="1801"/>
+              </a:p>
+            </p:txBody>
+          </p:sp>
+          <p:grpSp>
+            <p:nvGrpSpPr>
+              <p:cNvPr id="16" name="Gruppe 15">
+                <a:extLst>
+                  <a:ext uri="{FF2B5EF4-FFF2-40B4-BE49-F238E27FC236}">
+                    <a16:creationId xmlns:a16="http://schemas.microsoft.com/office/drawing/2014/main" id="{7F9503BC-7855-496E-AD7A-122C7E4D63B0}"/>
+                  </a:ext>
+                </a:extLst>
+              </p:cNvPr>
+              <p:cNvGrpSpPr/>
+              <p:nvPr/>
+            </p:nvGrpSpPr>
+            <p:grpSpPr>
+              <a:xfrm>
+                <a:off x="5412382" y="447137"/>
+                <a:ext cx="834825" cy="641212"/>
+                <a:chOff x="2897176" y="1936887"/>
+                <a:chExt cx="834825" cy="641213"/>
+              </a:xfrm>
+            </p:grpSpPr>
+            <p:sp>
+              <p:nvSpPr>
+                <p:cNvPr id="40" name="TekstSylinder 39">
+                  <a:extLst>
+                    <a:ext uri="{FF2B5EF4-FFF2-40B4-BE49-F238E27FC236}">
+                      <a16:creationId xmlns:a16="http://schemas.microsoft.com/office/drawing/2014/main" id="{570E6776-F2D6-484C-9F38-1B711B2D37B2}"/>
+                    </a:ext>
+                  </a:extLst>
+                </p:cNvPr>
+                <p:cNvSpPr txBox="1"/>
+                <p:nvPr/>
+              </p:nvSpPr>
+              <p:spPr>
+                <a:xfrm>
+                  <a:off x="2897176" y="1936887"/>
+                  <a:ext cx="834825" cy="338554"/>
+                </a:xfrm>
+                <a:prstGeom prst="rect">
+                  <a:avLst/>
+                </a:prstGeom>
+                <a:solidFill>
+                  <a:schemeClr val="bg2"/>
+                </a:solidFill>
+              </p:spPr>
+              <p:txBody>
+                <a:bodyPr wrap="square" rtlCol="0">
+                  <a:spAutoFit/>
+                </a:bodyPr>
+                <a:lstStyle/>
+                <a:p>
+                  <a:pPr algn="ctr"/>
+                  <a:r>
+                    <a:rPr lang="nb-NO" sz="1600" b="1" dirty="0"/>
+                    <a:t>Server</a:t>
+                  </a:r>
+                  <a:endParaRPr lang="nb-NO" sz="2400" dirty="0">
+                    <a:latin typeface="Consolas" panose="020B0609020204030204" pitchFamily="49" charset="0"/>
+                  </a:endParaRPr>
+                </a:p>
+              </p:txBody>
+            </p:sp>
+            <p:cxnSp>
+              <p:nvCxnSpPr>
+                <p:cNvPr id="41" name="Rett linje 40">
+                  <a:extLst>
+                    <a:ext uri="{FF2B5EF4-FFF2-40B4-BE49-F238E27FC236}">
+                      <a16:creationId xmlns:a16="http://schemas.microsoft.com/office/drawing/2014/main" id="{4E7F1D6C-6A82-4B6D-8F7D-09690282A216}"/>
+                    </a:ext>
+                  </a:extLst>
+                </p:cNvPr>
+                <p:cNvCxnSpPr>
+                  <a:cxnSpLocks/>
+                </p:cNvCxnSpPr>
+                <p:nvPr/>
+              </p:nvCxnSpPr>
+              <p:spPr>
+                <a:xfrm>
+                  <a:off x="3308240" y="2393949"/>
+                  <a:ext cx="0" cy="184151"/>
+                </a:xfrm>
+                <a:prstGeom prst="line">
+                  <a:avLst/>
+                </a:prstGeom>
+                <a:ln w="19050">
+                  <a:solidFill>
+                    <a:schemeClr val="tx1">
+                      <a:lumMod val="75000"/>
+                      <a:lumOff val="25000"/>
+                    </a:schemeClr>
+                  </a:solidFill>
+                </a:ln>
+              </p:spPr>
+              <p:style>
+                <a:lnRef idx="1">
+                  <a:schemeClr val="accent1"/>
+                </a:lnRef>
+                <a:fillRef idx="0">
+                  <a:schemeClr val="accent1"/>
+                </a:fillRef>
+                <a:effectRef idx="0">
+                  <a:schemeClr val="accent1"/>
+                </a:effectRef>
+                <a:fontRef idx="minor">
+                  <a:schemeClr val="tx1"/>
+                </a:fontRef>
+              </p:style>
+            </p:cxnSp>
+          </p:grpSp>
+          <p:sp>
+            <p:nvSpPr>
+              <p:cNvPr id="17" name="Rektangel 16">
+                <a:extLst>
+                  <a:ext uri="{FF2B5EF4-FFF2-40B4-BE49-F238E27FC236}">
+                    <a16:creationId xmlns:a16="http://schemas.microsoft.com/office/drawing/2014/main" id="{7D9AD4CD-79CC-48AC-A205-7C40530AB57B}"/>
+                  </a:ext>
+                </a:extLst>
+              </p:cNvPr>
+              <p:cNvSpPr/>
+              <p:nvPr/>
+            </p:nvSpPr>
+            <p:spPr>
+              <a:xfrm>
+                <a:off x="5726418" y="785689"/>
+                <a:ext cx="194048" cy="321708"/>
+              </a:xfrm>
+              <a:prstGeom prst="rect">
+                <a:avLst/>
+              </a:prstGeom>
+              <a:solidFill>
+                <a:schemeClr val="accent6">
+                  <a:lumMod val="60000"/>
+                  <a:lumOff val="40000"/>
+                </a:schemeClr>
+              </a:solidFill>
+              <a:ln>
+                <a:noFill/>
+              </a:ln>
+            </p:spPr>
+            <p:style>
+              <a:lnRef idx="2">
+                <a:schemeClr val="accent1">
+                  <a:shade val="50000"/>
+                </a:schemeClr>
+              </a:lnRef>
+              <a:fillRef idx="1">
+                <a:schemeClr val="accent1"/>
+              </a:fillRef>
+              <a:effectRef idx="0">
+                <a:schemeClr val="accent1"/>
+              </a:effectRef>
+              <a:fontRef idx="minor">
+                <a:schemeClr val="lt1"/>
+              </a:fontRef>
+            </p:style>
+            <p:txBody>
+              <a:bodyPr rot="0" spcFirstLastPara="0" vertOverflow="overflow" horzOverflow="overflow" vert="horz" wrap="square" lIns="91440" tIns="45721" rIns="91440" bIns="45721" numCol="1" spcCol="0" rtlCol="0" fromWordArt="0" anchor="ctr" anchorCtr="0" forceAA="0" compatLnSpc="1">
+                <a:prstTxWarp prst="textNoShape">
+                  <a:avLst/>
+                </a:prstTxWarp>
+                <a:noAutofit/>
+              </a:bodyPr>
+              <a:lstStyle/>
+              <a:p>
+                <a:pPr algn="ctr"/>
+                <a:endParaRPr lang="nb-NO" sz="1801" dirty="0"/>
+              </a:p>
+            </p:txBody>
+          </p:sp>
+          <p:sp>
+            <p:nvSpPr>
+              <p:cNvPr id="18" name="TekstSylinder 17">
+                <a:extLst>
+                  <a:ext uri="{FF2B5EF4-FFF2-40B4-BE49-F238E27FC236}">
+                    <a16:creationId xmlns:a16="http://schemas.microsoft.com/office/drawing/2014/main" id="{D2DEB2AB-1439-4484-AC03-2E996C284EEA}"/>
+                  </a:ext>
+                </a:extLst>
+              </p:cNvPr>
+              <p:cNvSpPr txBox="1"/>
+              <p:nvPr/>
+            </p:nvSpPr>
+            <p:spPr>
+              <a:xfrm>
+                <a:off x="3657238" y="640486"/>
+                <a:ext cx="1029259" cy="307777"/>
+              </a:xfrm>
+              <a:prstGeom prst="rect">
+                <a:avLst/>
+              </a:prstGeom>
+              <a:noFill/>
+            </p:spPr>
+            <p:txBody>
+              <a:bodyPr wrap="square" rtlCol="0">
+                <a:spAutoFit/>
+              </a:bodyPr>
+              <a:lstStyle/>
+              <a:p>
+                <a:r>
+                  <a:rPr lang="nb-NO" sz="1400" dirty="0">
+                    <a:latin typeface="Consolas" panose="020B0609020204030204" pitchFamily="49" charset="0"/>
+                  </a:rPr>
+                  <a:t>Connects</a:t>
+                </a:r>
+              </a:p>
+            </p:txBody>
+          </p:sp>
+          <p:cxnSp>
+            <p:nvCxnSpPr>
+              <p:cNvPr id="19" name="Rett linje 18">
+                <a:extLst>
+                  <a:ext uri="{FF2B5EF4-FFF2-40B4-BE49-F238E27FC236}">
+                    <a16:creationId xmlns:a16="http://schemas.microsoft.com/office/drawing/2014/main" id="{CDB9D194-651D-45A3-8BED-89352D82C2FF}"/>
+                  </a:ext>
+                </a:extLst>
+              </p:cNvPr>
+              <p:cNvCxnSpPr>
+                <a:cxnSpLocks/>
+                <a:stCxn id="17" idx="2"/>
+                <a:endCxn id="29" idx="2"/>
+              </p:cNvCxnSpPr>
+              <p:nvPr/>
+            </p:nvCxnSpPr>
+            <p:spPr>
+              <a:xfrm>
+                <a:off x="5823442" y="1107397"/>
+                <a:ext cx="498" cy="3553205"/>
+              </a:xfrm>
+              <a:prstGeom prst="line">
+                <a:avLst/>
+              </a:prstGeom>
+              <a:ln w="19050">
+                <a:solidFill>
+                  <a:schemeClr val="tx1">
+                    <a:lumMod val="75000"/>
+                    <a:lumOff val="25000"/>
+                  </a:schemeClr>
+                </a:solidFill>
+              </a:ln>
+            </p:spPr>
+            <p:style>
+              <a:lnRef idx="1">
+                <a:schemeClr val="accent1"/>
+              </a:lnRef>
+              <a:fillRef idx="0">
+                <a:schemeClr val="accent1"/>
+              </a:fillRef>
+              <a:effectRef idx="0">
+                <a:schemeClr val="accent1"/>
+              </a:effectRef>
+              <a:fontRef idx="minor">
+                <a:schemeClr val="tx1"/>
+              </a:fontRef>
+            </p:style>
+          </p:cxnSp>
+          <p:sp>
+            <p:nvSpPr>
+              <p:cNvPr id="20" name="Rektangel 19">
+                <a:extLst>
+                  <a:ext uri="{FF2B5EF4-FFF2-40B4-BE49-F238E27FC236}">
+                    <a16:creationId xmlns:a16="http://schemas.microsoft.com/office/drawing/2014/main" id="{2F219EDD-D442-494B-9F8D-50699661F2FB}"/>
+                  </a:ext>
+                </a:extLst>
+              </p:cNvPr>
+              <p:cNvSpPr/>
+              <p:nvPr/>
+            </p:nvSpPr>
+            <p:spPr>
+              <a:xfrm>
+                <a:off x="2423270" y="1858845"/>
+                <a:ext cx="194048" cy="321708"/>
+              </a:xfrm>
+              <a:prstGeom prst="rect">
+                <a:avLst/>
+              </a:prstGeom>
+              <a:solidFill>
+                <a:schemeClr val="accent6">
+                  <a:lumMod val="60000"/>
+                  <a:lumOff val="40000"/>
+                </a:schemeClr>
+              </a:solidFill>
+              <a:ln>
+                <a:noFill/>
+              </a:ln>
+            </p:spPr>
+            <p:style>
+              <a:lnRef idx="2">
+                <a:schemeClr val="accent1">
+                  <a:shade val="50000"/>
+                </a:schemeClr>
+              </a:lnRef>
+              <a:fillRef idx="1">
+                <a:schemeClr val="accent1"/>
+              </a:fillRef>
+              <a:effectRef idx="0">
+                <a:schemeClr val="accent1"/>
+              </a:effectRef>
+              <a:fontRef idx="minor">
+                <a:schemeClr val="lt1"/>
+              </a:fontRef>
+            </p:style>
+            <p:txBody>
+              <a:bodyPr rot="0" spcFirstLastPara="0" vertOverflow="overflow" horzOverflow="overflow" vert="horz" wrap="square" lIns="91440" tIns="45721" rIns="91440" bIns="45721" numCol="1" spcCol="0" rtlCol="0" fromWordArt="0" anchor="ctr" anchorCtr="0" forceAA="0" compatLnSpc="1">
+                <a:prstTxWarp prst="textNoShape">
+                  <a:avLst/>
+                </a:prstTxWarp>
+                <a:noAutofit/>
+              </a:bodyPr>
+              <a:lstStyle/>
+              <a:p>
+                <a:pPr algn="ctr"/>
+                <a:endParaRPr lang="nb-NO" sz="1801"/>
+              </a:p>
+            </p:txBody>
+          </p:sp>
+          <p:sp>
+            <p:nvSpPr>
+              <p:cNvPr id="21" name="Rektangel 20">
+                <a:extLst>
+                  <a:ext uri="{FF2B5EF4-FFF2-40B4-BE49-F238E27FC236}">
+                    <a16:creationId xmlns:a16="http://schemas.microsoft.com/office/drawing/2014/main" id="{875BABC8-5056-44D8-BE8A-F65DD5148114}"/>
+                  </a:ext>
+                </a:extLst>
+              </p:cNvPr>
+              <p:cNvSpPr/>
+              <p:nvPr/>
+            </p:nvSpPr>
+            <p:spPr>
+              <a:xfrm>
+                <a:off x="5726418" y="1858844"/>
+                <a:ext cx="194048" cy="338555"/>
+              </a:xfrm>
+              <a:prstGeom prst="rect">
+                <a:avLst/>
+              </a:prstGeom>
+              <a:solidFill>
+                <a:schemeClr val="accent6">
+                  <a:lumMod val="60000"/>
+                  <a:lumOff val="40000"/>
+                </a:schemeClr>
+              </a:solidFill>
+              <a:ln>
+                <a:noFill/>
+              </a:ln>
+            </p:spPr>
+            <p:style>
+              <a:lnRef idx="2">
+                <a:schemeClr val="accent1">
+                  <a:shade val="50000"/>
+                </a:schemeClr>
+              </a:lnRef>
+              <a:fillRef idx="1">
+                <a:schemeClr val="accent1"/>
+              </a:fillRef>
+              <a:effectRef idx="0">
+                <a:schemeClr val="accent1"/>
+              </a:effectRef>
+              <a:fontRef idx="minor">
+                <a:schemeClr val="lt1"/>
+              </a:fontRef>
+            </p:style>
+            <p:txBody>
+              <a:bodyPr rot="0" spcFirstLastPara="0" vertOverflow="overflow" horzOverflow="overflow" vert="horz" wrap="square" lIns="91440" tIns="45721" rIns="91440" bIns="45721" numCol="1" spcCol="0" rtlCol="0" fromWordArt="0" anchor="ctr" anchorCtr="0" forceAA="0" compatLnSpc="1">
+                <a:prstTxWarp prst="textNoShape">
+                  <a:avLst/>
+                </a:prstTxWarp>
+                <a:noAutofit/>
+              </a:bodyPr>
+              <a:lstStyle/>
+              <a:p>
+                <a:pPr algn="ctr"/>
+                <a:endParaRPr lang="nb-NO" sz="1801"/>
+              </a:p>
+            </p:txBody>
+          </p:sp>
+          <p:cxnSp>
+            <p:nvCxnSpPr>
+              <p:cNvPr id="22" name="Rett pilkobling 21">
+                <a:extLst>
+                  <a:ext uri="{FF2B5EF4-FFF2-40B4-BE49-F238E27FC236}">
+                    <a16:creationId xmlns:a16="http://schemas.microsoft.com/office/drawing/2014/main" id="{03355799-8DE3-4C6A-884D-861DC66E3778}"/>
+                  </a:ext>
+                </a:extLst>
+              </p:cNvPr>
+              <p:cNvCxnSpPr>
+                <a:cxnSpLocks/>
+                <a:stCxn id="20" idx="3"/>
+                <a:endCxn id="21" idx="1"/>
+              </p:cNvCxnSpPr>
+              <p:nvPr/>
+            </p:nvCxnSpPr>
+            <p:spPr>
+              <a:xfrm>
+                <a:off x="2617318" y="2019699"/>
+                <a:ext cx="3109100" cy="8423"/>
+              </a:xfrm>
+              <a:prstGeom prst="straightConnector1">
+                <a:avLst/>
+              </a:prstGeom>
+              <a:ln w="19050">
+                <a:solidFill>
+                  <a:schemeClr val="tx1">
+                    <a:lumMod val="75000"/>
+                    <a:lumOff val="25000"/>
+                  </a:schemeClr>
+                </a:solidFill>
+                <a:tailEnd type="triangle"/>
+              </a:ln>
+            </p:spPr>
+            <p:style>
+              <a:lnRef idx="1">
+                <a:schemeClr val="accent1"/>
+              </a:lnRef>
+              <a:fillRef idx="0">
+                <a:schemeClr val="accent1"/>
+              </a:fillRef>
+              <a:effectRef idx="0">
+                <a:schemeClr val="accent1"/>
+              </a:effectRef>
+              <a:fontRef idx="minor">
+                <a:schemeClr val="tx1"/>
+              </a:fontRef>
+            </p:style>
+          </p:cxnSp>
+          <p:sp>
+            <p:nvSpPr>
+              <p:cNvPr id="23" name="TekstSylinder 22">
+                <a:extLst>
+                  <a:ext uri="{FF2B5EF4-FFF2-40B4-BE49-F238E27FC236}">
+                    <a16:creationId xmlns:a16="http://schemas.microsoft.com/office/drawing/2014/main" id="{5C3347DB-DCBB-416F-94B7-4B04AA255F20}"/>
+                  </a:ext>
+                </a:extLst>
+              </p:cNvPr>
+              <p:cNvSpPr txBox="1"/>
+              <p:nvPr/>
+            </p:nvSpPr>
+            <p:spPr>
+              <a:xfrm>
+                <a:off x="3418381" y="1572735"/>
+                <a:ext cx="1561970" cy="430887"/>
+              </a:xfrm>
+              <a:prstGeom prst="rect">
+                <a:avLst/>
+              </a:prstGeom>
+              <a:noFill/>
+            </p:spPr>
+            <p:txBody>
+              <a:bodyPr wrap="square" rtlCol="0">
+                <a:spAutoFit/>
+              </a:bodyPr>
+              <a:lstStyle/>
+              <a:p>
+                <a:pPr algn="ctr"/>
+                <a:r>
+                  <a:rPr lang="en-US" sz="1100" dirty="0">
+                    <a:latin typeface="Consolas" panose="020B0609020204030204" pitchFamily="49" charset="0"/>
+                  </a:rPr>
+                  <a:t>REQUESTING NEW TRANSACTION--</a:t>
+                </a:r>
+                <a:r>
+                  <a:rPr lang="en-US" sz="1100" i="1" dirty="0">
+                    <a:latin typeface="Consolas" panose="020B0609020204030204" pitchFamily="49" charset="0"/>
+                  </a:rPr>
+                  <a:t>query</a:t>
+                </a:r>
+              </a:p>
+            </p:txBody>
+          </p:sp>
+          <p:sp>
+            <p:nvSpPr>
+              <p:cNvPr id="24" name="Rektangel 23">
+                <a:extLst>
+                  <a:ext uri="{FF2B5EF4-FFF2-40B4-BE49-F238E27FC236}">
+                    <a16:creationId xmlns:a16="http://schemas.microsoft.com/office/drawing/2014/main" id="{FBCEB299-096D-4E48-8BAA-1393E83539C2}"/>
+                  </a:ext>
+                </a:extLst>
+              </p:cNvPr>
+              <p:cNvSpPr/>
+              <p:nvPr/>
+            </p:nvSpPr>
+            <p:spPr>
+              <a:xfrm>
+                <a:off x="2423270" y="3064816"/>
+                <a:ext cx="194048" cy="321708"/>
+              </a:xfrm>
+              <a:prstGeom prst="rect">
+                <a:avLst/>
+              </a:prstGeom>
+              <a:solidFill>
+                <a:schemeClr val="accent6">
+                  <a:lumMod val="60000"/>
+                  <a:lumOff val="40000"/>
+                </a:schemeClr>
+              </a:solidFill>
+              <a:ln>
+                <a:noFill/>
+              </a:ln>
+            </p:spPr>
+            <p:style>
+              <a:lnRef idx="2">
+                <a:schemeClr val="accent1">
+                  <a:shade val="50000"/>
+                </a:schemeClr>
+              </a:lnRef>
+              <a:fillRef idx="1">
+                <a:schemeClr val="accent1"/>
+              </a:fillRef>
+              <a:effectRef idx="0">
+                <a:schemeClr val="accent1"/>
+              </a:effectRef>
+              <a:fontRef idx="minor">
+                <a:schemeClr val="lt1"/>
+              </a:fontRef>
+            </p:style>
+            <p:txBody>
+              <a:bodyPr rot="0" spcFirstLastPara="0" vertOverflow="overflow" horzOverflow="overflow" vert="horz" wrap="square" lIns="91440" tIns="45721" rIns="91440" bIns="45721" numCol="1" spcCol="0" rtlCol="0" fromWordArt="0" anchor="ctr" anchorCtr="0" forceAA="0" compatLnSpc="1">
+                <a:prstTxWarp prst="textNoShape">
+                  <a:avLst/>
+                </a:prstTxWarp>
+                <a:noAutofit/>
+              </a:bodyPr>
+              <a:lstStyle/>
+              <a:p>
+                <a:pPr algn="ctr"/>
+                <a:endParaRPr lang="nb-NO" sz="1801"/>
+              </a:p>
+            </p:txBody>
+          </p:sp>
+          <p:sp>
+            <p:nvSpPr>
+              <p:cNvPr id="25" name="Rektangel 24">
+                <a:extLst>
+                  <a:ext uri="{FF2B5EF4-FFF2-40B4-BE49-F238E27FC236}">
+                    <a16:creationId xmlns:a16="http://schemas.microsoft.com/office/drawing/2014/main" id="{13B541BA-785D-40FF-B2F8-DCA6C38B7BF4}"/>
+                  </a:ext>
+                </a:extLst>
+              </p:cNvPr>
+              <p:cNvSpPr/>
+              <p:nvPr/>
+            </p:nvSpPr>
+            <p:spPr>
+              <a:xfrm>
+                <a:off x="5732770" y="3070935"/>
+                <a:ext cx="194048" cy="321708"/>
+              </a:xfrm>
+              <a:prstGeom prst="rect">
+                <a:avLst/>
+              </a:prstGeom>
+              <a:solidFill>
+                <a:schemeClr val="accent6">
+                  <a:lumMod val="60000"/>
+                  <a:lumOff val="40000"/>
+                </a:schemeClr>
+              </a:solidFill>
+              <a:ln>
+                <a:noFill/>
+              </a:ln>
+            </p:spPr>
+            <p:style>
+              <a:lnRef idx="2">
+                <a:schemeClr val="accent1">
+                  <a:shade val="50000"/>
+                </a:schemeClr>
+              </a:lnRef>
+              <a:fillRef idx="1">
+                <a:schemeClr val="accent1"/>
+              </a:fillRef>
+              <a:effectRef idx="0">
+                <a:schemeClr val="accent1"/>
+              </a:effectRef>
+              <a:fontRef idx="minor">
+                <a:schemeClr val="lt1"/>
+              </a:fontRef>
+            </p:style>
+            <p:txBody>
+              <a:bodyPr rot="0" spcFirstLastPara="0" vertOverflow="overflow" horzOverflow="overflow" vert="horz" wrap="square" lIns="91440" tIns="45721" rIns="91440" bIns="45721" numCol="1" spcCol="0" rtlCol="0" fromWordArt="0" anchor="ctr" anchorCtr="0" forceAA="0" compatLnSpc="1">
+                <a:prstTxWarp prst="textNoShape">
+                  <a:avLst/>
+                </a:prstTxWarp>
+                <a:noAutofit/>
+              </a:bodyPr>
+              <a:lstStyle/>
+              <a:p>
+                <a:pPr algn="ctr"/>
+                <a:endParaRPr lang="nb-NO" sz="1801"/>
+              </a:p>
+            </p:txBody>
+          </p:sp>
+          <p:cxnSp>
+            <p:nvCxnSpPr>
+              <p:cNvPr id="26" name="Rett pilkobling 25">
+                <a:extLst>
+                  <a:ext uri="{FF2B5EF4-FFF2-40B4-BE49-F238E27FC236}">
+                    <a16:creationId xmlns:a16="http://schemas.microsoft.com/office/drawing/2014/main" id="{1F861398-C188-40A3-BB3B-F6FCB9778A89}"/>
+                  </a:ext>
+                </a:extLst>
+              </p:cNvPr>
+              <p:cNvCxnSpPr>
+                <a:cxnSpLocks/>
+                <a:stCxn id="25" idx="1"/>
+                <a:endCxn id="24" idx="3"/>
+              </p:cNvCxnSpPr>
+              <p:nvPr/>
+            </p:nvCxnSpPr>
+            <p:spPr>
+              <a:xfrm flipH="1" flipV="1">
+                <a:off x="2617318" y="3225670"/>
+                <a:ext cx="3115452" cy="6119"/>
+              </a:xfrm>
+              <a:prstGeom prst="straightConnector1">
+                <a:avLst/>
+              </a:prstGeom>
+              <a:ln w="19050">
+                <a:solidFill>
+                  <a:schemeClr val="tx1">
+                    <a:lumMod val="75000"/>
+                    <a:lumOff val="25000"/>
+                  </a:schemeClr>
+                </a:solidFill>
+                <a:tailEnd type="triangle"/>
+              </a:ln>
+            </p:spPr>
+            <p:style>
+              <a:lnRef idx="1">
+                <a:schemeClr val="accent1"/>
+              </a:lnRef>
+              <a:fillRef idx="0">
+                <a:schemeClr val="accent1"/>
+              </a:fillRef>
+              <a:effectRef idx="0">
+                <a:schemeClr val="accent1"/>
+              </a:effectRef>
+              <a:fontRef idx="minor">
+                <a:schemeClr val="tx1"/>
+              </a:fontRef>
+            </p:style>
+          </p:cxnSp>
+          <p:sp>
+            <p:nvSpPr>
+              <p:cNvPr id="27" name="TekstSylinder 26">
+                <a:extLst>
+                  <a:ext uri="{FF2B5EF4-FFF2-40B4-BE49-F238E27FC236}">
+                    <a16:creationId xmlns:a16="http://schemas.microsoft.com/office/drawing/2014/main" id="{3ADC392A-1BB9-4B94-A065-9C697656120C}"/>
+                  </a:ext>
+                </a:extLst>
+              </p:cNvPr>
+              <p:cNvSpPr txBox="1"/>
+              <p:nvPr/>
+            </p:nvSpPr>
+            <p:spPr>
+              <a:xfrm>
+                <a:off x="3310922" y="2831787"/>
+                <a:ext cx="1753749" cy="400110"/>
+              </a:xfrm>
+              <a:prstGeom prst="rect">
+                <a:avLst/>
+              </a:prstGeom>
+              <a:noFill/>
+            </p:spPr>
+            <p:txBody>
+              <a:bodyPr wrap="square" rtlCol="0">
+                <a:spAutoFit/>
+              </a:bodyPr>
+              <a:lstStyle/>
+              <a:p>
+                <a:pPr algn="ctr"/>
+                <a:r>
+                  <a:rPr lang="en-US" sz="1000" dirty="0">
+                    <a:latin typeface="Consolas" panose="020B0609020204030204" pitchFamily="49" charset="0"/>
+                  </a:rPr>
+                  <a:t>NEW TRANSACTION--</a:t>
+                </a:r>
+                <a:r>
+                  <a:rPr lang="en-US" sz="1000" i="1" dirty="0">
+                    <a:latin typeface="Consolas" panose="020B0609020204030204" pitchFamily="49" charset="0"/>
+                  </a:rPr>
+                  <a:t>query</a:t>
+                </a:r>
+                <a:r>
+                  <a:rPr lang="en-US" sz="1000" dirty="0">
+                    <a:latin typeface="Consolas" panose="020B0609020204030204" pitchFamily="49" charset="0"/>
+                  </a:rPr>
+                  <a:t> --READY TO COMMIT?</a:t>
+                </a:r>
+                <a:endParaRPr lang="en-US" sz="1000" i="1" dirty="0">
+                  <a:latin typeface="Consolas" panose="020B0609020204030204" pitchFamily="49" charset="0"/>
+                </a:endParaRPr>
+              </a:p>
+            </p:txBody>
+          </p:sp>
+          <p:grpSp>
+            <p:nvGrpSpPr>
+              <p:cNvPr id="28" name="Gruppe 27">
+                <a:extLst>
+                  <a:ext uri="{FF2B5EF4-FFF2-40B4-BE49-F238E27FC236}">
+                    <a16:creationId xmlns:a16="http://schemas.microsoft.com/office/drawing/2014/main" id="{9FD4A94B-D508-494A-9AD2-1D23914FB704}"/>
+                  </a:ext>
+                </a:extLst>
+              </p:cNvPr>
+              <p:cNvGrpSpPr/>
+              <p:nvPr/>
+            </p:nvGrpSpPr>
+            <p:grpSpPr>
+              <a:xfrm>
+                <a:off x="2080787" y="2291098"/>
+                <a:ext cx="4194865" cy="1203831"/>
+                <a:chOff x="6587972" y="2553293"/>
+                <a:chExt cx="3315390" cy="1203831"/>
+              </a:xfrm>
+            </p:grpSpPr>
+            <p:sp>
+              <p:nvSpPr>
+                <p:cNvPr id="38" name="Rektangel 37">
+                  <a:extLst>
+                    <a:ext uri="{FF2B5EF4-FFF2-40B4-BE49-F238E27FC236}">
+                      <a16:creationId xmlns:a16="http://schemas.microsoft.com/office/drawing/2014/main" id="{5D8E3FF8-B587-4FB0-9C6B-F8EF2DEAD8E7}"/>
+                    </a:ext>
+                  </a:extLst>
+                </p:cNvPr>
+                <p:cNvSpPr/>
+                <p:nvPr/>
+              </p:nvSpPr>
+              <p:spPr>
+                <a:xfrm>
+                  <a:off x="6587972" y="2568296"/>
+                  <a:ext cx="3315390" cy="1188828"/>
+                </a:xfrm>
+                <a:prstGeom prst="rect">
+                  <a:avLst/>
+                </a:prstGeom>
+                <a:noFill/>
+                <a:ln>
+                  <a:solidFill>
+                    <a:schemeClr val="tx1"/>
+                  </a:solidFill>
+                  <a:prstDash val="dash"/>
+                </a:ln>
+              </p:spPr>
+              <p:style>
+                <a:lnRef idx="2">
+                  <a:schemeClr val="accent1">
+                    <a:shade val="50000"/>
+                  </a:schemeClr>
+                </a:lnRef>
+                <a:fillRef idx="1">
+                  <a:schemeClr val="accent1"/>
+                </a:fillRef>
+                <a:effectRef idx="0">
+                  <a:schemeClr val="accent1"/>
+                </a:effectRef>
+                <a:fontRef idx="minor">
+                  <a:schemeClr val="lt1"/>
+                </a:fontRef>
+              </p:style>
+              <p:txBody>
+                <a:bodyPr rot="0" spcFirstLastPara="0" vertOverflow="overflow" horzOverflow="overflow" vert="horz" wrap="square" lIns="91440" tIns="45721" rIns="91440" bIns="45721" numCol="1" spcCol="0" rtlCol="0" fromWordArt="0" anchor="ctr" anchorCtr="0" forceAA="0" compatLnSpc="1">
+                  <a:prstTxWarp prst="textNoShape">
+                    <a:avLst/>
+                  </a:prstTxWarp>
+                  <a:noAutofit/>
+                </a:bodyPr>
+                <a:lstStyle/>
+                <a:p>
+                  <a:pPr algn="ctr"/>
+                  <a:endParaRPr lang="nb-NO" sz="1801" dirty="0"/>
+                </a:p>
+              </p:txBody>
+            </p:sp>
+            <p:sp>
+              <p:nvSpPr>
+                <p:cNvPr id="39" name="Rektangel 38">
+                  <a:extLst>
+                    <a:ext uri="{FF2B5EF4-FFF2-40B4-BE49-F238E27FC236}">
+                      <a16:creationId xmlns:a16="http://schemas.microsoft.com/office/drawing/2014/main" id="{A4A8BD61-5716-4685-95D2-979824569480}"/>
+                    </a:ext>
+                  </a:extLst>
+                </p:cNvPr>
+                <p:cNvSpPr/>
+                <p:nvPr/>
+              </p:nvSpPr>
+              <p:spPr>
+                <a:xfrm>
+                  <a:off x="6587972" y="2553293"/>
+                  <a:ext cx="3315390" cy="400110"/>
+                </a:xfrm>
+                <a:prstGeom prst="rect">
+                  <a:avLst/>
+                </a:prstGeom>
+              </p:spPr>
+              <p:txBody>
+                <a:bodyPr wrap="square">
+                  <a:spAutoFit/>
+                </a:bodyPr>
+                <a:lstStyle/>
+                <a:p>
+                  <a:pPr algn="ctr"/>
+                  <a:r>
+                    <a:rPr lang="nb-NO" sz="2000" b="1" dirty="0">
+                      <a:solidFill>
+                        <a:schemeClr val="tx1">
+                          <a:lumMod val="85000"/>
+                          <a:lumOff val="15000"/>
+                        </a:schemeClr>
+                      </a:solidFill>
+                      <a:latin typeface="Consolas" panose="020B0609020204030204" pitchFamily="49" charset="0"/>
+                    </a:rPr>
+                    <a:t>Phase one</a:t>
+                  </a:r>
+                  <a:endParaRPr lang="nb-NO" sz="2000" dirty="0">
+                    <a:solidFill>
+                      <a:schemeClr val="tx1">
+                        <a:lumMod val="85000"/>
+                        <a:lumOff val="15000"/>
+                      </a:schemeClr>
+                    </a:solidFill>
+                    <a:latin typeface="Consolas" panose="020B0609020204030204" pitchFamily="49" charset="0"/>
+                  </a:endParaRPr>
+                </a:p>
+              </p:txBody>
+            </p:sp>
+          </p:grpSp>
+          <p:sp>
+            <p:nvSpPr>
+              <p:cNvPr id="29" name="Rektangel 28">
+                <a:extLst>
+                  <a:ext uri="{FF2B5EF4-FFF2-40B4-BE49-F238E27FC236}">
+                    <a16:creationId xmlns:a16="http://schemas.microsoft.com/office/drawing/2014/main" id="{71CAE096-1D16-49B0-8638-CFE6B0766507}"/>
+                  </a:ext>
+                </a:extLst>
+              </p:cNvPr>
+              <p:cNvSpPr/>
+              <p:nvPr/>
+            </p:nvSpPr>
+            <p:spPr>
+              <a:xfrm>
+                <a:off x="5726916" y="4338894"/>
+                <a:ext cx="194048" cy="321708"/>
+              </a:xfrm>
+              <a:prstGeom prst="rect">
+                <a:avLst/>
+              </a:prstGeom>
+              <a:solidFill>
+                <a:schemeClr val="accent6">
+                  <a:lumMod val="60000"/>
+                  <a:lumOff val="40000"/>
+                </a:schemeClr>
+              </a:solidFill>
+              <a:ln>
+                <a:noFill/>
+              </a:ln>
+            </p:spPr>
+            <p:style>
+              <a:lnRef idx="2">
+                <a:schemeClr val="accent1">
+                  <a:shade val="50000"/>
+                </a:schemeClr>
+              </a:lnRef>
+              <a:fillRef idx="1">
+                <a:schemeClr val="accent1"/>
+              </a:fillRef>
+              <a:effectRef idx="0">
+                <a:schemeClr val="accent1"/>
+              </a:effectRef>
+              <a:fontRef idx="minor">
+                <a:schemeClr val="lt1"/>
+              </a:fontRef>
+            </p:style>
+            <p:txBody>
+              <a:bodyPr rot="0" spcFirstLastPara="0" vertOverflow="overflow" horzOverflow="overflow" vert="horz" wrap="square" lIns="91440" tIns="45721" rIns="91440" bIns="45721" numCol="1" spcCol="0" rtlCol="0" fromWordArt="0" anchor="ctr" anchorCtr="0" forceAA="0" compatLnSpc="1">
+                <a:prstTxWarp prst="textNoShape">
+                  <a:avLst/>
+                </a:prstTxWarp>
+                <a:noAutofit/>
+              </a:bodyPr>
+              <a:lstStyle/>
+              <a:p>
+                <a:pPr algn="ctr"/>
+                <a:endParaRPr lang="nb-NO" sz="1801"/>
+              </a:p>
+            </p:txBody>
+          </p:sp>
+          <p:sp>
+            <p:nvSpPr>
+              <p:cNvPr id="30" name="Rektangel 29">
+                <a:extLst>
+                  <a:ext uri="{FF2B5EF4-FFF2-40B4-BE49-F238E27FC236}">
+                    <a16:creationId xmlns:a16="http://schemas.microsoft.com/office/drawing/2014/main" id="{8D539D15-F67A-4580-8F97-97D8B5C29D11}"/>
+                  </a:ext>
+                </a:extLst>
+              </p:cNvPr>
+              <p:cNvSpPr/>
+              <p:nvPr/>
+            </p:nvSpPr>
+            <p:spPr>
+              <a:xfrm>
+                <a:off x="2429622" y="4345197"/>
+                <a:ext cx="194048" cy="321708"/>
+              </a:xfrm>
+              <a:prstGeom prst="rect">
+                <a:avLst/>
+              </a:prstGeom>
+              <a:solidFill>
+                <a:schemeClr val="accent6">
+                  <a:lumMod val="60000"/>
+                  <a:lumOff val="40000"/>
+                </a:schemeClr>
+              </a:solidFill>
+              <a:ln>
+                <a:noFill/>
+              </a:ln>
+            </p:spPr>
+            <p:style>
+              <a:lnRef idx="2">
+                <a:schemeClr val="accent1">
+                  <a:shade val="50000"/>
+                </a:schemeClr>
+              </a:lnRef>
+              <a:fillRef idx="1">
+                <a:schemeClr val="accent1"/>
+              </a:fillRef>
+              <a:effectRef idx="0">
+                <a:schemeClr val="accent1"/>
+              </a:effectRef>
+              <a:fontRef idx="minor">
+                <a:schemeClr val="lt1"/>
+              </a:fontRef>
+            </p:style>
+            <p:txBody>
+              <a:bodyPr rot="0" spcFirstLastPara="0" vertOverflow="overflow" horzOverflow="overflow" vert="horz" wrap="square" lIns="91440" tIns="45721" rIns="91440" bIns="45721" numCol="1" spcCol="0" rtlCol="0" fromWordArt="0" anchor="ctr" anchorCtr="0" forceAA="0" compatLnSpc="1">
+                <a:prstTxWarp prst="textNoShape">
+                  <a:avLst/>
+                </a:prstTxWarp>
+                <a:noAutofit/>
+              </a:bodyPr>
+              <a:lstStyle/>
+              <a:p>
+                <a:pPr algn="ctr"/>
+                <a:endParaRPr lang="nb-NO" sz="1801"/>
+              </a:p>
+            </p:txBody>
+          </p:sp>
+          <p:cxnSp>
+            <p:nvCxnSpPr>
+              <p:cNvPr id="31" name="Rett pilkobling 30">
+                <a:extLst>
+                  <a:ext uri="{FF2B5EF4-FFF2-40B4-BE49-F238E27FC236}">
+                    <a16:creationId xmlns:a16="http://schemas.microsoft.com/office/drawing/2014/main" id="{FBBF0D69-E200-4548-B2C3-A10724925C72}"/>
+                  </a:ext>
+                </a:extLst>
+              </p:cNvPr>
+              <p:cNvCxnSpPr>
+                <a:cxnSpLocks/>
+                <a:endCxn id="30" idx="3"/>
+              </p:cNvCxnSpPr>
+              <p:nvPr/>
+            </p:nvCxnSpPr>
+            <p:spPr>
+              <a:xfrm flipH="1">
+                <a:off x="2623670" y="4506051"/>
+                <a:ext cx="3099490" cy="0"/>
+              </a:xfrm>
+              <a:prstGeom prst="straightConnector1">
+                <a:avLst/>
+              </a:prstGeom>
+              <a:ln w="19050">
+                <a:solidFill>
+                  <a:schemeClr val="tx1">
+                    <a:lumMod val="75000"/>
+                    <a:lumOff val="25000"/>
+                  </a:schemeClr>
+                </a:solidFill>
+                <a:tailEnd type="triangle"/>
+              </a:ln>
+            </p:spPr>
+            <p:style>
+              <a:lnRef idx="1">
+                <a:schemeClr val="accent1"/>
+              </a:lnRef>
+              <a:fillRef idx="0">
+                <a:schemeClr val="accent1"/>
+              </a:fillRef>
+              <a:effectRef idx="0">
+                <a:schemeClr val="accent1"/>
+              </a:effectRef>
+              <a:fontRef idx="minor">
+                <a:schemeClr val="tx1"/>
+              </a:fontRef>
+            </p:style>
+          </p:cxnSp>
+          <p:sp>
+            <p:nvSpPr>
+              <p:cNvPr id="32" name="TekstSylinder 31">
+                <a:extLst>
+                  <a:ext uri="{FF2B5EF4-FFF2-40B4-BE49-F238E27FC236}">
+                    <a16:creationId xmlns:a16="http://schemas.microsoft.com/office/drawing/2014/main" id="{96D7E212-5488-43E9-BE16-E2915D049931}"/>
+                  </a:ext>
+                </a:extLst>
+              </p:cNvPr>
+              <p:cNvSpPr txBox="1"/>
+              <p:nvPr/>
+            </p:nvSpPr>
+            <p:spPr>
+              <a:xfrm>
+                <a:off x="3475277" y="4101522"/>
+                <a:ext cx="1388247" cy="400110"/>
+              </a:xfrm>
+              <a:prstGeom prst="rect">
+                <a:avLst/>
+              </a:prstGeom>
+              <a:noFill/>
+            </p:spPr>
+            <p:txBody>
+              <a:bodyPr wrap="square" rtlCol="0">
+                <a:spAutoFit/>
+              </a:bodyPr>
+              <a:lstStyle/>
+              <a:p>
+                <a:pPr algn="ctr"/>
+                <a:r>
+                  <a:rPr lang="en-US" sz="1000" dirty="0">
+                    <a:latin typeface="Consolas" panose="020B0609020204030204" pitchFamily="49" charset="0"/>
+                  </a:rPr>
+                  <a:t>TRANSACTION--</a:t>
+                </a:r>
+                <a:r>
+                  <a:rPr lang="en-US" sz="1000" i="1" dirty="0">
+                    <a:latin typeface="Consolas" panose="020B0609020204030204" pitchFamily="49" charset="0"/>
+                  </a:rPr>
+                  <a:t>query</a:t>
+                </a:r>
+                <a:r>
+                  <a:rPr lang="en-US" sz="1000" dirty="0">
+                    <a:latin typeface="Consolas" panose="020B0609020204030204" pitchFamily="49" charset="0"/>
+                  </a:rPr>
+                  <a:t>--SHUTDOWN</a:t>
+                </a:r>
+                <a:endParaRPr lang="en-US" sz="1000" i="1" dirty="0">
+                  <a:latin typeface="Consolas" panose="020B0609020204030204" pitchFamily="49" charset="0"/>
+                </a:endParaRPr>
+              </a:p>
+            </p:txBody>
+          </p:sp>
+          <p:sp>
+            <p:nvSpPr>
+              <p:cNvPr id="37" name="TekstSylinder 36">
+                <a:extLst>
+                  <a:ext uri="{FF2B5EF4-FFF2-40B4-BE49-F238E27FC236}">
+                    <a16:creationId xmlns:a16="http://schemas.microsoft.com/office/drawing/2014/main" id="{7F2763E6-AD4B-47B1-BD60-C501062D3D7D}"/>
+                  </a:ext>
+                </a:extLst>
+              </p:cNvPr>
+              <p:cNvSpPr txBox="1"/>
+              <p:nvPr/>
+            </p:nvSpPr>
+            <p:spPr>
+              <a:xfrm>
+                <a:off x="5162288" y="1291548"/>
+                <a:ext cx="1322308" cy="338554"/>
+              </a:xfrm>
+              <a:prstGeom prst="rect">
+                <a:avLst/>
+              </a:prstGeom>
+              <a:solidFill>
+                <a:schemeClr val="bg2"/>
+              </a:solidFill>
+            </p:spPr>
+            <p:txBody>
+              <a:bodyPr wrap="square" rtlCol="0">
+                <a:spAutoFit/>
+              </a:bodyPr>
+              <a:lstStyle/>
+              <a:p>
+                <a:pPr algn="ctr"/>
+                <a:r>
+                  <a:rPr lang="nb-NO" sz="1600" b="1" dirty="0"/>
+                  <a:t>Coordinator</a:t>
+                </a:r>
+                <a:endParaRPr lang="nb-NO" sz="2400" dirty="0">
+                  <a:latin typeface="Consolas" panose="020B0609020204030204" pitchFamily="49" charset="0"/>
+                </a:endParaRPr>
+              </a:p>
+            </p:txBody>
+          </p:sp>
+        </p:grpSp>
+      </p:grpSp>
+      <p:sp>
+        <p:nvSpPr>
+          <p:cNvPr id="48" name="Rektangel 47">
+            <a:extLst>
+              <a:ext uri="{FF2B5EF4-FFF2-40B4-BE49-F238E27FC236}">
+                <a16:creationId xmlns:a16="http://schemas.microsoft.com/office/drawing/2014/main" id="{25C39CA8-B74B-4981-A0C8-C323F12D894B}"/>
+              </a:ext>
+            </a:extLst>
+          </p:cNvPr>
+          <p:cNvSpPr/>
+          <p:nvPr/>
+        </p:nvSpPr>
+        <p:spPr>
+          <a:xfrm>
+            <a:off x="-3396343" y="-17112343"/>
+            <a:ext cx="16981714" cy="1436914"/>
+          </a:xfrm>
+          <a:prstGeom prst="rect">
+            <a:avLst/>
+          </a:prstGeom>
+        </p:spPr>
+        <p:style>
+          <a:lnRef idx="2">
+            <a:schemeClr val="accent1">
+              <a:shade val="50000"/>
+            </a:schemeClr>
+          </a:lnRef>
+          <a:fillRef idx="1">
+            <a:schemeClr val="accent1"/>
+          </a:fillRef>
+          <a:effectRef idx="0">
+            <a:schemeClr val="accent1"/>
+          </a:effectRef>
+          <a:fontRef idx="minor">
+            <a:schemeClr val="lt1"/>
+          </a:fontRef>
+        </p:style>
+        <p:txBody>
+          <a:bodyPr rtlCol="0" anchor="ctr"/>
+          <a:lstStyle/>
+          <a:p>
+            <a:pPr algn="ctr"/>
+            <a:endParaRPr lang="nb-NO"/>
+          </a:p>
+        </p:txBody>
+      </p:sp>
+    </p:spTree>
+    <p:extLst>
+      <p:ext uri="{BB962C8B-B14F-4D97-AF65-F5344CB8AC3E}">
+        <p14:creationId xmlns:p14="http://schemas.microsoft.com/office/powerpoint/2010/main" val="3523501165"/>
+      </p:ext>
+    </p:extLst>
+  </p:cSld>
+  <p:clrMapOvr>
+    <a:masterClrMapping/>
+  </p:clrMapOvr>
+</p:sld>
+</file>
+
 <file path=ppt/theme/theme1.xml><?xml version="1.0" encoding="utf-8"?>
 <a:theme xmlns:a="http://schemas.openxmlformats.org/drawingml/2006/main" name="Office-tema">
   <a:themeElements>
